--- a/Day2Day/Day_01/INFO3111S20_W01_Course_Intro (long and boring PPT).pptx
+++ b/Day2Day/Day_01/INFO3111S20_W01_Course_Intro (long and boring PPT).pptx
@@ -181,7 +181,7 @@
   </p:defaultTextStyle>
   <p:extLst>
     <p:ext uri="{EFAFB233-063F-42B5-8137-9DF3F51BA10A}">
-      <p15:sldGuideLst xmlns:p15="http://schemas.microsoft.com/office/powerpoint/2012/main" xmlns="">
+      <p15:sldGuideLst xmlns:p15="http://schemas.microsoft.com/office/powerpoint/2012/main">
         <p15:guide id="1" orient="horz" pos="1620">
           <p15:clr>
             <a:srgbClr val="A4A3A4"/>
@@ -195,7 +195,7 @@
       </p15:sldGuideLst>
     </p:ext>
     <p:ext uri="{2D200454-40CA-4A62-9FC3-DE9A4176ACB9}">
-      <p15:notesGuideLst xmlns:p15="http://schemas.microsoft.com/office/powerpoint/2012/main" xmlns="">
+      <p15:notesGuideLst xmlns:p15="http://schemas.microsoft.com/office/powerpoint/2012/main">
         <p15:guide id="1" orient="horz" pos="2880">
           <p15:clr>
             <a:srgbClr val="A4A3A4"/>
@@ -237,7 +237,7 @@
     </inkml:brush>
   </inkml:definitions>
   <inkml:trace contextRef="#ctx0" brushRef="#br0">23164 10914 0,'-66'-40'0,"0"27"0,-53-27 0,26 27 15,-13 13-15,-92-13 16,-27-13-16,-26-14 16,13 40-16,0 13 15,-27-13-15,67 27 16,-54-27 0,80 26-16,-13 0 15,39 1-15,1-14 16,66-13-16,-27 27 15,13-1-15,1 1 16,52 12-16,-13-26 16,26 67-16,1-54 15,13 1-15,13 26 16,0 0-16,-13-40 16,13 40-16,0 0 15,0-14-15,0-12 16,0 39-16,0 0 15,0 27-15,26 26 16,0 39-16,27 1 16,0-40-16,0 66 15,27-65 1,-28 38-16,28 1 16,-1-40-16,-13-40 15,1-12-15,12 12 16,-26-26-16,26 0 15,-26-27-15,26 1 16,14 26-16,0-40 16,26 0-16,0 27 15,13-14-15,0 1 16,-13-27-16,-52 0 16,12 0-16,-53 0 15,27 0-15,-39 0 16,-1 0-16,13 0 15,1 13 1,12-13-16,-25 0 16,39 0-16,-1 0 15,-12 0-15,53 13 16,-1 14-16,1-27 16,-27 13-1,27-13-15,-27 0 16,0 0-16,-13-13 15,0-1-15,26 1 16,-26-13-16,0 26 16,13-40-16,27 14 15,66-14-15,-67 27 16,67-1-16,-53 1 16,13-40-16,0 14 15,-40 25-15,1-52 16,-27 40-16,-27-1 15,0-26-15,14-13 16,-40 13-16,0-13 16,27 27-16,-14 12 15,-13-13-15,13 1 16,14-1-16,-1-13 16,-13 27-16,14-14 15,-1 0 1,1-26-16,-14 26 15,0-26-15,14 13 16,-27-39-16,26 39 16,-13 26-16,0-12 15,1 39-15,-14-40 16,0 27-16,0-27 16,0 0-16,-14-13 15,1 1-15,-26 25 16,-1-39-16,-26 13 15,0-13-15,13 26 16,0 14-16,0-1 16,-27 14-16,41 0 15,-27-14-15,-40 1 16,26-1-16,-12 1 16,39 0-16,0 12 15,13 28-15,14-28 16,26 1-1</inkml:trace>
-  <inkml:trace contextRef="#ctx0" brushRef="#br0" timeOffset="1385.8391">18891 9737 0,'-13'-27'0,"26"54"0,-79-80 15,-13 26-15,-40-12 16,0 12-16,-67-105 15,14 92-15,-79 0 16,26 1 0,27 39-16,-40-13 15,39-27-15,1 40 16,-1 0-16,41 0 16,12 0-16,14 0 15,39 0-15,14 13 16,66 0-16,-40 14 15,26 26-15,-13-14 16,14 14-16,0 13 16,-1 1-16,1 12 15,12 27-15,14 26 16,-13 14-16,13 26 16,0-27-16,13 1 15,27-14-15,26 13 16,0-12-16,27 12 15,13-26-15,39 27 16,1-14-16,-1-39 16,41 13-1,-28-14-15,1-39 16,26 13-16,-39 14 16,-14-54-16,14 53 15,-41-65-15,15-1 16,25-13-16,-26-13 15,27-27-15,26-13 16,-27-79-16,1 26 16,-80-53-16,26 14 15,-25 12-15,25-12 16,-39 52-16,13 14 16,-39 0-16,-14 39 15,13-26-15,-26 0 16,14 13-16,-14-14 15,0 28-15,0-27 16,-14 26 0,-12-13-16,13 13 15,-1 14-15,14-1 16,-13 14 0,13 0-1,0 0 1,0-14-1,0 1-15,0-1 16,-13 1 0,0 13-16,13-1 15,0 1-15</inkml:trace>
+  <inkml:trace contextRef="#ctx0" brushRef="#br0" timeOffset="1385.83">18891 9737 0,'-13'-27'0,"26"54"0,-79-80 15,-13 26-15,-40-12 16,0 12-16,-67-105 15,14 92-15,-79 0 16,26 1 0,27 39-16,-40-13 15,39-27-15,1 40 16,-1 0-16,41 0 16,12 0-16,14 0 15,39 0-15,14 13 16,66 0-16,-40 14 15,26 26-15,-13-14 16,14 14-16,0 13 16,-1 1-16,1 12 15,12 27-15,14 26 16,-13 14-16,13 26 16,0-27-16,13 1 15,27-14-15,26 13 16,0-12-16,27 12 15,13-26-15,39 27 16,1-14-16,-1-39 16,41 13-1,-28-14-15,1-39 16,26 13-16,-39 14 16,-14-54-16,14 53 15,-41-65-15,15-1 16,25-13-16,-26-13 15,27-27-15,26-13 16,-27-79-16,1 26 16,-80-53-16,26 14 15,-25 12-15,25-12 16,-39 52-16,13 14 16,-39 0-16,-14 39 15,13-26-15,-26 0 16,14 13-16,-14-14 15,0 28-15,0-27 16,-14 26 0,-12-13-16,13 13 15,-1 14-15,14-1 16,-13 14 0,13 0-1,0 0 1,0-14-1,0 1-15,0-1 16,-13 1 0,0 13-16,13-1 15,0 1-15</inkml:trace>
 </inkml:ink>
 </file>
 
@@ -269,7 +269,7 @@
 </inkml:ink>
 </file>
 
-<file path=ppt/ink/ink7.xml><?xml version="1.0" encoding="utf-8"?>
+<file path=ppt/ink/ink3.xml><?xml version="1.0" encoding="utf-8"?>
 <inkml:ink xmlns:inkml="http://www.w3.org/2003/InkML">
   <inkml:definitions>
     <inkml:context xml:id="ctx0">
@@ -294,11 +294,11 @@
     </inkml:brush>
   </inkml:definitions>
   <inkml:trace contextRef="#ctx0" brushRef="#br0">2553 7289 0,'0'27'172,"-13"-14"-156,0 27-16,0 39 15,13-53-15,-14 41 16,14-28-16,0 27 16,0-13-16,0-26 15,14 39-15,-14-26 16,0-27-16,0 27 15,0-1-15,0-12 16,-14 12-16,1-25 16,13 25-1,0-12-15,0-1 16,0-13 0,0 14-1,0-14-15,0 0 31,0 1-15,13-14 0,-13 13-16,27 13 15,-1-26-15,54 14 16,-41-1-16,41 0 16,-14 13-16,-27-12 15,14-14-15,-13 13 16,-27 0-16,1-13 15,-1 0-15,0 0 16,13 13 0,14 1-16,-13-14 15,39 0-15,26 13 16,1 0 0,-27-13-16,13 0 15,-39 0-15,13 13 16,-13-13-16,-27 0 15,0 0 17,-13 14-17,27-14-15,26 13 16,0 0-16,-1 0 16,-12-13-16,-27 0 15,1 13-15</inkml:trace>
-  <inkml:trace contextRef="#ctx0" brushRef="#br0" timeOffset="957.4521">2593 7210 0,'13'0'62,"0"0"-62,1 0 16,12 0-1,14-13 1,-14 13 0,1 0-16,12 0 15,14 13-15,-13-13 16,39 26-16,14-12 16,-27-14-16,27 13 15,-1 0-15,-26-13 16,53 0-16,-39 0 15,52 0-15,14 0 16,-1 0-16,-13 0 16,-39 0-16,0 0 15,-40 0 1,-14 0-16,-12 0 16</inkml:trace>
-  <inkml:trace contextRef="#ctx0" brushRef="#br0" timeOffset="4961.0592">19989 8401 0,'40'0'16,"105"-80"0,-12 54-16,65-14 15,-66 27 1,93 0-16,-39-14 16,12 1-16,40 26 15,27 0-15,92 0 16,27-53-16,26 53 15,-40-27-15,40 27 16,-92 0-16,-54 0 16,27-13-16,-92 13 15,-40-26-15,-67-1 16,-39 27-16,-40 0 16,-13 13 109,13-13-110,1 27-15,-1-27 16,40 0-1,-27 13-15,-12-13 16,-14 13-16,13 0 16,-13 1-16</inkml:trace>
-  <inkml:trace contextRef="#ctx0" brushRef="#br0" timeOffset="14575.738">7236 9710 0,'-26'0'0,"-14"0"0,1-13 16,-14 0-16,0 13 15,-13-13-15,-14-1 16,1 14-16,-40 0 15,26 0-15,27-13 16,13 13-16,-26 0 16,26 13-16,-13-13 15,-1 0-15,15 0 16,-1 0-16,-14 0 16,1 0-16,0 0 15,-26 0 1,-14 0-16,13 0 15,-39 0-15,13 0 16,-13 0-16,-1 0 16,27 0-16,-52 0 15,52-13-15,-13 13 16,-14 0-16,28 0 16,-28-13-16,1 13 15,13 0-15,-13 0 16,-1 26-16,14-26 15,-26 0-15,26-13 16,53 13-16,-1 0 16,1 0-16,27 0 15,-14 0-15,13 0 16,14 0-16,-1 0 16,14 0-16,-14 0 15,1 0-15,13 0 16,-14 0-1,1 0 1,13 0-16,-1 13 16,-12-13-16,13 27 15,-14-27-15,1 0 16,-1 0-16,14 0 16,0 13-16,0-13 15,-1 0-15,-12 0 16,13 0-1,13 13-15,-14 0 32,14 1-17,-26-14-15,26 39 16,0 1 0,0 0-16,0-27 15,0 40 1,0-27-16,0 27 15,13-26-15,-13 39 0,0-40 16,27 1-16,12 12 16,54-12-1,-67-27-15,27 40 16,0 26-16,-13-40 16,13 14-16,13 13 15,13-27-15,14 14 16,0-14-16,-1 14 15,27-13-15,40-27 16,13 39-16,53 1 16,13-40-16,27 0 15,65-13-15,-12 13 16,-80 0-16,-53 0 16,-53 0-16,-39 0 15,-27 26-15,-13-13 16,0 1-16,-27-1 15,1 0-15,13 0 16,-14 14 0,14-27-16,-40 13 15,53-13-15,-40 13 16,40 14-16,0-14 16,26 0-16,-39-13 15,13 13-15,0-13 16,0 0-16,-27 0 15,0 0-15,-12 0 16</inkml:trace>
-  <inkml:trace contextRef="#ctx0" brushRef="#br0" timeOffset="24499.8486">10649 5106 0,'-13'0'0,"0"0"16,0 0 0,0 0-16,-1 0 15,-12 0-15,-27 14 16,26-14 0,-12 0-16,-14 0 15,0 0-15,13 13 16,1 0-16,-1 0 15,13-13-15,27 14 47,-13-1-31,13 13 0,0 14-16,-13 13 15,13-13-15,-26 12 16,12 15-16,14-28 15,-13 1-15,13-14 16,0 1-16,27 13 16,-27-14-1,13-13-15,13 14 16,1-14 0,-1 0-16,40 40 15,-39-26 1,39-1-16,-40 1 15,27 12-15,-26 14 16,-1-26-16,-13-14 16,27 26-16,-40-25 15,40-1-15,-1-13 16,-12 26-16,39 1 16,27-27-16,26 13 15,-53-13-15,93 40 16,-40-27-16,-53-13 15,0 0-15,0 0 16,-53 13-16,1-13 16,25 0-16,-12 0 15,-1 0-15,27 0 16,13 0-16,27 0 16,-53 0-1,52 0-15,-39 0 16,13 0-16,-26 0 15,0 0-15,-14-13 16,-13 13 0,-13-13 15,14 0-15,-14-1-16,13-12 15,0-14-15,13-13 16,1 27-16,-14-1 15,27-26-15,-14 40 16,1-13-16,-27-1 16,13 27-1,-13-39-15,0 25 16,-13-12 0,-1-27-16,-52 0 15,40-13-15,-27 13 16,27 27-16,-1-1 15,1 14-15,26 0 16,-27-14-16,14 27 16,-27-13-1,14 0-15,-27-1 16,-13 14-16,-53-39 16,-40 26-16,53 13 15,-79-53-15,0 26 16,79 14-16,-13 13 15,79-13-15,0 13 16,1 0-16,25 0 16,1 0-16,0 0 31</inkml:trace>
-  <inkml:trace contextRef="#ctx0" brushRef="#br0" timeOffset="30871.0336">17992 4908 0,'0'0'0,"-14"0"16,1 13-16,0-13 15,0 13-15,0-13 16,-1 0-16,1 0 15,13 14 1,-26-14 0,12 0 31,-12 0-32,-1 13-15,1 13 16,0 14-16,-14 0 15,-26 13-15,26-14 16,0 67-16,1-53 16,-1-26-16,13 25 15,1-38-15,0 25 16,-1-39-16,27 27 16,-13-14-16,0 0 15,-1 1-15,14 25 16,0-26-16,-26 27 15,26-13 1,0-14-16,-13 27 16,13 12-16,0-38 15,13 39-15,-13-27 16,13 1-16,-13-1 16,13 14-16,14-1 15,13-12-15,-14 39 16,27-26-16,26-14 15,14 27-15,-14-27 16,14 1-16,0-14 16,-14 14-16,-26-14 15,-27-13-15,27 0 16,-26 13-16,12-13 16,1 0-16,13 0 15,0 0-15,13 0 16,0 0-16,53 0 15,-13 0 1,26 0-16,27-26 16,-27 12-16,27 1 15,-27 13-15,27-26 16,-27 26-16,-39 26 16,0-52-16,-1 26 15,1-14-15,-27 14 16,-40 0-16,27 0 15,40 0-15,-27-13 16,14-13-16,-14 13 16,13-54-16,27 14 15,-40 53-15,-26-39 16,26 12-16,-40-12 16,1-1-16,-27 27 15,13 0-15,-13-14 16,0-26-16,0 0 15,0 27 1,-13-14-16,13-13 0,-13 27 16,-1 12-1,1-38-15,13 25 16,-40-13-16,14-13 16,-14 14-16,-39-54 15,-1-13-15,1 40 16,-40 40-16,26-14 15,-65-26-15,12 53 16,14 13-16,0-27 16,-1 40-16,14-26 15,-26 13-15,-14 13 16,0-13-16,0 0 16,14-13-16,-14 0 15,0 13-15,40-40 16,40 40-16,39 0 15,14 0 1</inkml:trace>
+  <inkml:trace contextRef="#ctx0" brushRef="#br0" timeOffset="957.45">2593 7210 0,'13'0'62,"0"0"-62,1 0 16,12 0-1,14-13 1,-14 13 0,1 0-16,12 0 15,14 13-15,-13-13 16,39 26-16,14-12 16,-27-14-16,27 13 15,-1 0-15,-26-13 16,53 0-16,-39 0 15,52 0-15,14 0 16,-1 0-16,-13 0 16,-39 0-16,0 0 15,-40 0 1,-14 0-16,-12 0 16</inkml:trace>
+  <inkml:trace contextRef="#ctx0" brushRef="#br0" timeOffset="4961.05">19989 8401 0,'40'0'16,"105"-80"0,-12 54-16,65-14 15,-66 27 1,93 0-16,-39-14 16,12 1-16,40 26 15,27 0-15,92 0 16,27-53-16,26 53 15,-40-27-15,40 27 16,-92 0-16,-54 0 16,27-13-16,-92 13 15,-40-26-15,-67-1 16,-39 27-16,-40 0 16,-13 13 109,13-13-110,1 27-15,-1-27 16,40 0-1,-27 13-15,-12-13 16,-14 13-16,13 0 16,-13 1-16</inkml:trace>
+  <inkml:trace contextRef="#ctx0" brushRef="#br0" timeOffset="14575.73">7236 9710 0,'-26'0'0,"-14"0"0,1-13 16,-14 0-16,0 13 15,-13-13-15,-14-1 16,1 14-16,-40 0 15,26 0-15,27-13 16,13 13-16,-26 0 16,26 13-16,-13-13 15,-1 0-15,15 0 16,-1 0-16,-14 0 16,1 0-16,0 0 15,-26 0 1,-14 0-16,13 0 15,-39 0-15,13 0 16,-13 0-16,-1 0 16,27 0-16,-52 0 15,52-13-15,-13 13 16,-14 0-16,28 0 16,-28-13-16,1 13 15,13 0-15,-13 0 16,-1 26-16,14-26 15,-26 0-15,26-13 16,53 13-16,-1 0 16,1 0-16,27 0 15,-14 0-15,13 0 16,14 0-16,-1 0 16,14 0-16,-14 0 15,1 0-15,13 0 16,-14 0-1,1 0 1,13 0-16,-1 13 16,-12-13-16,13 27 15,-14-27-15,1 0 16,-1 0-16,14 0 16,0 13-16,0-13 15,-1 0-15,-12 0 16,13 0-1,13 13-15,-14 0 32,14 1-17,-26-14-15,26 39 16,0 1 0,0 0-16,0-27 15,0 40 1,0-27-16,0 27 15,13-26-15,-13 39 0,0-40 16,27 1-16,12 12 16,54-12-1,-67-27-15,27 40 16,0 26-16,-13-40 16,13 14-16,13 13 15,13-27-15,14 14 16,0-14-16,-1 14 15,27-13-15,40-27 16,13 39-16,53 1 16,13-40-16,27 0 15,65-13-15,-12 13 16,-80 0-16,-53 0 16,-53 0-16,-39 0 15,-27 26-15,-13-13 16,0 1-16,-27-1 15,1 0-15,13 0 16,-14 14 0,14-27-16,-40 13 15,53-13-15,-40 13 16,40 14-16,0-14 16,26 0-16,-39-13 15,13 13-15,0-13 16,0 0-16,-27 0 15,0 0-15,-12 0 16</inkml:trace>
+  <inkml:trace contextRef="#ctx0" brushRef="#br0" timeOffset="24499.84">10649 5106 0,'-13'0'0,"0"0"16,0 0 0,0 0-16,-1 0 15,-12 0-15,-27 14 16,26-14 0,-12 0-16,-14 0 15,0 0-15,13 13 16,1 0-16,-1 0 15,13-13-15,27 14 47,-13-1-31,13 13 0,0 14-16,-13 13 15,13-13-15,-26 12 16,12 15-16,14-28 15,-13 1-15,13-14 16,0 1-16,27 13 16,-27-14-1,13-13-15,13 14 16,1-14 0,-1 0-16,40 40 15,-39-26 1,39-1-16,-40 1 15,27 12-15,-26 14 16,-1-26-16,-13-14 16,27 26-16,-40-25 15,40-1-15,-1-13 16,-12 26-16,39 1 16,27-27-16,26 13 15,-53-13-15,93 40 16,-40-27-16,-53-13 15,0 0-15,0 0 16,-53 13-16,1-13 16,25 0-16,-12 0 15,-1 0-15,27 0 16,13 0-16,27 0 16,-53 0-1,52 0-15,-39 0 16,13 0-16,-26 0 15,0 0-15,-14-13 16,-13 13 0,-13-13 15,14 0-15,-14-1-16,13-12 15,0-14-15,13-13 16,1 27-16,-14-1 15,27-26-15,-14 40 16,1-13-16,-27-1 16,13 27-1,-13-39-15,0 25 16,-13-12 0,-1-27-16,-52 0 15,40-13-15,-27 13 16,27 27-16,-1-1 15,1 14-15,26 0 16,-27-14-16,14 27 16,-27-13-1,14 0-15,-27-1 16,-13 14-16,-53-39 16,-40 26-16,53 13 15,-79-53-15,0 26 16,79 14-16,-13 13 15,79-13-15,0 13 16,1 0-16,25 0 16,1 0-16,0 0 31</inkml:trace>
+  <inkml:trace contextRef="#ctx0" brushRef="#br0" timeOffset="30871.03">17992 4908 0,'0'0'0,"-14"0"16,1 13-16,0-13 15,0 13-15,0-13 16,-1 0-16,1 0 15,13 14 1,-26-14 0,12 0 31,-12 0-32,-1 13-15,1 13 16,0 14-16,-14 0 15,-26 13-15,26-14 16,0 67-16,1-53 16,-1-26-16,13 25 15,1-38-15,0 25 16,-1-39-16,27 27 16,-13-14-16,0 0 15,-1 1-15,14 25 16,0-26-16,-26 27 15,26-13 1,0-14-16,-13 27 16,13 12-16,0-38 15,13 39-15,-13-27 16,13 1-16,-13-1 16,13 14-16,14-1 15,13-12-15,-14 39 16,27-26-16,26-14 15,14 27-15,-14-27 16,14 1-16,0-14 16,-14 14-16,-26-14 15,-27-13-15,27 0 16,-26 13-16,12-13 16,1 0-16,13 0 15,0 0-15,13 0 16,0 0-16,53 0 15,-13 0 1,26 0-16,27-26 16,-27 12-16,27 1 15,-27 13-15,27-26 16,-27 26-16,-39 26 16,0-52-16,-1 26 15,1-14-15,-27 14 16,-40 0-16,27 0 15,40 0-15,-27-13 16,14-13-16,-14 13 16,13-54-16,27 14 15,-40 53-15,-26-39 16,26 12-16,-40-12 16,1-1-16,-27 27 15,13 0-15,-13-14 16,0-26-16,0 0 15,0 27 1,-13-14-16,13-13 0,-13 27 16,-1 12-1,1-38-15,13 25 16,-40-13-16,14-13 16,-14 14-16,-39-54 15,-1-13-15,1 40 16,-40 40-16,26-14 15,-65-26-15,12 53 16,14 13-16,0-27 16,-1 40-16,14-26 15,-26 13-15,-14 13 16,0-13-16,0 0 16,14-13-16,-14 0 15,0 13-15,40-40 16,40 40-16,39 0 15,14 0 1</inkml:trace>
 </inkml:ink>
 </file>
 
@@ -480,39 +480,37 @@
           <a:p>
             <a:pPr lvl="0"/>
             <a:r>
-              <a:rPr lang="en-US" noProof="0" smtClean="0"/>
+              <a:rPr lang="en-US" noProof="0"/>
               <a:t>Click to edit Master text styles</a:t>
             </a:r>
-            <a:endParaRPr lang="en-US" noProof="0"/>
           </a:p>
           <a:p>
             <a:pPr lvl="1"/>
             <a:r>
-              <a:rPr lang="en-US" noProof="0" smtClean="0"/>
+              <a:rPr lang="en-US" noProof="0"/>
               <a:t>Second level</a:t>
             </a:r>
           </a:p>
           <a:p>
             <a:pPr lvl="2"/>
             <a:r>
-              <a:rPr lang="en-US" noProof="0" smtClean="0"/>
+              <a:rPr lang="en-US" noProof="0"/>
               <a:t>Third level</a:t>
             </a:r>
           </a:p>
           <a:p>
             <a:pPr lvl="3"/>
             <a:r>
-              <a:rPr lang="en-US" noProof="0" smtClean="0"/>
+              <a:rPr lang="en-US" noProof="0"/>
               <a:t>Fourth level</a:t>
             </a:r>
           </a:p>
           <a:p>
             <a:pPr lvl="4"/>
             <a:r>
-              <a:rPr lang="en-US" noProof="0" smtClean="0"/>
+              <a:rPr lang="en-US" noProof="0"/>
               <a:t>Fifth level</a:t>
             </a:r>
-            <a:endParaRPr lang="en-US" noProof="0"/>
           </a:p>
         </p:txBody>
       </p:sp>
@@ -809,7 +807,7 @@
                 <a:spcPct val="0"/>
               </a:spcBef>
             </a:pPr>
-            <a:endParaRPr lang="en-CA" smtClean="0"/>
+            <a:endParaRPr lang="en-CA"/>
           </a:p>
         </p:txBody>
       </p:sp>
@@ -871,7 +869,7 @@
     </p:spTree>
     <p:extLst>
       <p:ext uri="{BB962C8B-B14F-4D97-AF65-F5344CB8AC3E}">
-        <p14:creationId xmlns:p14="http://schemas.microsoft.com/office/powerpoint/2010/main" xmlns="" val="4061869386"/>
+        <p14:creationId xmlns:p14="http://schemas.microsoft.com/office/powerpoint/2010/main" val="4061869386"/>
       </p:ext>
     </p:extLst>
   </p:cSld>
@@ -928,10 +926,9 @@
           <a:lstStyle/>
           <a:p>
             <a:r>
-              <a:rPr lang="en-CA" dirty="0" smtClean="0"/>
+              <a:rPr lang="en-CA" dirty="0"/>
               <a:t>http://advancedesl.files.wordpress.com/2011/01/15.jpg</a:t>
             </a:r>
-            <a:endParaRPr lang="en-CA" dirty="0"/>
           </a:p>
         </p:txBody>
       </p:sp>
@@ -1019,10 +1016,9 @@
           <a:lstStyle/>
           <a:p>
             <a:r>
-              <a:rPr lang="en-CA" dirty="0" smtClean="0"/>
+              <a:rPr lang="en-CA" dirty="0"/>
               <a:t>http://hinglecoaching.com/images/mission%20man2.jpg</a:t>
             </a:r>
-            <a:endParaRPr lang="en-CA" dirty="0"/>
           </a:p>
         </p:txBody>
       </p:sp>
@@ -1110,16 +1106,15 @@
           <a:lstStyle/>
           <a:p>
             <a:r>
-              <a:rPr lang="en-CA" dirty="0" smtClean="0"/>
+              <a:rPr lang="en-CA" dirty="0"/>
               <a:t>http://www.thestar.com/content/dam/thestar/entertainment/music/2013/11/07/oscar_peterson_award_to_be_handed_out_at_york_u_gala/oscar_peterson.jpg</a:t>
             </a:r>
           </a:p>
           <a:p>
             <a:r>
-              <a:rPr lang="en-CA" dirty="0" smtClean="0"/>
+              <a:rPr lang="en-CA" dirty="0"/>
               <a:t>http://www.parkinggaragepolitics.com/wp-content/uploads/2013/03/Glenn-Gould-Source-Unknown.jpg</a:t>
             </a:r>
-            <a:endParaRPr lang="en-CA" dirty="0"/>
           </a:p>
         </p:txBody>
       </p:sp>
@@ -1207,16 +1202,15 @@
           <a:lstStyle/>
           <a:p>
             <a:r>
-              <a:rPr lang="en-CA" dirty="0" smtClean="0"/>
+              <a:rPr lang="en-CA" dirty="0"/>
               <a:t>http://i.cdn.turner.com/si/multimedia/photo_gallery/1004/revolutionary.moments.in.sports/images/wayne-gretzky.jpg</a:t>
             </a:r>
           </a:p>
           <a:p>
             <a:r>
-              <a:rPr lang="en-CA" dirty="0" smtClean="0"/>
+              <a:rPr lang="en-CA" dirty="0"/>
               <a:t>http://www.bobbyorrcollector.com/wp-content/uploads/2011/11/img165-784x1024.jpg</a:t>
             </a:r>
-            <a:endParaRPr lang="en-CA" dirty="0"/>
           </a:p>
         </p:txBody>
       </p:sp>
@@ -1304,16 +1298,15 @@
           <a:lstStyle/>
           <a:p>
             <a:r>
-              <a:rPr lang="en-CA" dirty="0" smtClean="0"/>
+              <a:rPr lang="en-CA" dirty="0"/>
               <a:t>http://images.amazon.com/images/G/01/toys/detail-page/c26-B00804BDE0-1-l.jpg</a:t>
             </a:r>
           </a:p>
           <a:p>
             <a:r>
-              <a:rPr lang="en-CA" dirty="0" smtClean="0"/>
+              <a:rPr lang="en-CA" dirty="0"/>
               <a:t>https://img1.etsystatic.com/000/0/6308893/il_fullxfull.305981903.jpg</a:t>
             </a:r>
-            <a:endParaRPr lang="en-CA" dirty="0"/>
           </a:p>
         </p:txBody>
       </p:sp>
@@ -1454,7 +1447,7 @@
           </a:lstStyle>
           <a:p>
             <a:r>
-              <a:rPr lang="en-US" smtClean="0"/>
+              <a:rPr lang="en-US"/>
               <a:t>Click to edit Master title style</a:t>
             </a:r>
             <a:endParaRPr lang="en-US" dirty="0"/>
@@ -1519,7 +1512,7 @@
           </a:lstStyle>
           <a:p>
             <a:r>
-              <a:rPr lang="en-US" smtClean="0"/>
+              <a:rPr lang="en-US"/>
               <a:t>Click to edit Master subtitle style</a:t>
             </a:r>
             <a:endParaRPr lang="en-US" dirty="0"/>
@@ -1784,10 +1777,9 @@
           <a:lstStyle/>
           <a:p>
             <a:r>
-              <a:rPr lang="en-US" smtClean="0"/>
+              <a:rPr lang="en-US"/>
               <a:t>Click to edit Master title style</a:t>
             </a:r>
-            <a:endParaRPr lang="en-US"/>
           </a:p>
         </p:txBody>
       </p:sp>
@@ -1808,38 +1800,37 @@
           <a:p>
             <a:pPr lvl="0"/>
             <a:r>
-              <a:rPr lang="en-US" smtClean="0"/>
+              <a:rPr lang="en-US"/>
               <a:t>Click to edit Master text styles</a:t>
             </a:r>
           </a:p>
           <a:p>
             <a:pPr lvl="1"/>
             <a:r>
-              <a:rPr lang="en-US" smtClean="0"/>
+              <a:rPr lang="en-US"/>
               <a:t>Second level</a:t>
             </a:r>
           </a:p>
           <a:p>
             <a:pPr lvl="2"/>
             <a:r>
-              <a:rPr lang="en-US" smtClean="0"/>
+              <a:rPr lang="en-US"/>
               <a:t>Third level</a:t>
             </a:r>
           </a:p>
           <a:p>
             <a:pPr lvl="3"/>
             <a:r>
-              <a:rPr lang="en-US" smtClean="0"/>
+              <a:rPr lang="en-US"/>
               <a:t>Fourth level</a:t>
             </a:r>
           </a:p>
           <a:p>
             <a:pPr lvl="4"/>
             <a:r>
-              <a:rPr lang="en-US" smtClean="0"/>
+              <a:rPr lang="en-US"/>
               <a:t>Fifth level</a:t>
             </a:r>
-            <a:endParaRPr lang="en-US"/>
           </a:p>
         </p:txBody>
       </p:sp>
@@ -2012,10 +2003,9 @@
           </a:lstStyle>
           <a:p>
             <a:r>
-              <a:rPr lang="en-US" dirty="0" smtClean="0"/>
+              <a:rPr lang="en-US" dirty="0"/>
               <a:t>Click to edit Master title style</a:t>
             </a:r>
-            <a:endParaRPr lang="en-US" dirty="0"/>
           </a:p>
         </p:txBody>
       </p:sp>
@@ -2091,7 +2081,7 @@
           <a:p>
             <a:pPr lvl="0"/>
             <a:r>
-              <a:rPr lang="en-US" dirty="0" smtClean="0"/>
+              <a:rPr lang="en-US" dirty="0"/>
               <a:t>Click to edit Master text styles</a:t>
             </a:r>
           </a:p>
@@ -2277,10 +2267,9 @@
           <a:lstStyle/>
           <a:p>
             <a:r>
-              <a:rPr lang="en-US" dirty="0" smtClean="0"/>
+              <a:rPr lang="en-US" dirty="0"/>
               <a:t>Click to edit Master title style</a:t>
             </a:r>
-            <a:endParaRPr lang="en-US" dirty="0"/>
           </a:p>
         </p:txBody>
       </p:sp>
@@ -2325,7 +2314,7 @@
           <a:p>
             <a:pPr lvl="0"/>
             <a:r>
-              <a:rPr lang="en-US" smtClean="0"/>
+              <a:rPr lang="en-US"/>
               <a:t>Click to edit Master text styles</a:t>
             </a:r>
           </a:p>
@@ -2370,38 +2359,37 @@
           <a:p>
             <a:pPr lvl="0"/>
             <a:r>
-              <a:rPr lang="en-US" dirty="0" smtClean="0"/>
+              <a:rPr lang="en-US" dirty="0"/>
               <a:t>Click to edit Master text styles</a:t>
             </a:r>
           </a:p>
           <a:p>
             <a:pPr lvl="1"/>
             <a:r>
-              <a:rPr lang="en-US" dirty="0" smtClean="0"/>
+              <a:rPr lang="en-US" dirty="0"/>
               <a:t>Second level</a:t>
             </a:r>
           </a:p>
           <a:p>
             <a:pPr lvl="2"/>
             <a:r>
-              <a:rPr lang="en-US" dirty="0" smtClean="0"/>
+              <a:rPr lang="en-US" dirty="0"/>
               <a:t>Third level</a:t>
             </a:r>
           </a:p>
           <a:p>
             <a:pPr lvl="3"/>
             <a:r>
-              <a:rPr lang="en-US" dirty="0" smtClean="0"/>
+              <a:rPr lang="en-US" dirty="0"/>
               <a:t>Fourth level</a:t>
             </a:r>
           </a:p>
           <a:p>
             <a:pPr lvl="4"/>
             <a:r>
-              <a:rPr lang="en-US" dirty="0" smtClean="0"/>
+              <a:rPr lang="en-US" dirty="0"/>
               <a:t>Fifth level</a:t>
             </a:r>
-            <a:endParaRPr lang="en-US" dirty="0"/>
           </a:p>
         </p:txBody>
       </p:sp>
@@ -3099,7 +3087,7 @@
           </a:lstStyle>
           <a:p>
             <a:r>
-              <a:rPr lang="en-US" smtClean="0"/>
+              <a:rPr lang="en-US"/>
               <a:t>Click to edit Master title style</a:t>
             </a:r>
             <a:endParaRPr lang="en-US" dirty="0"/>
@@ -3154,7 +3142,7 @@
           <a:p>
             <a:pPr lvl="0"/>
             <a:r>
-              <a:rPr lang="en-US" smtClean="0"/>
+              <a:rPr lang="en-US"/>
               <a:t>Click to edit Master text styles</a:t>
             </a:r>
           </a:p>
@@ -3208,7 +3196,7 @@
           <a:p>
             <a:pPr lvl="0"/>
             <a:r>
-              <a:rPr lang="en-US" smtClean="0"/>
+              <a:rPr lang="en-US"/>
               <a:t>Click to edit Master text styles</a:t>
             </a:r>
           </a:p>
@@ -3253,38 +3241,37 @@
           <a:p>
             <a:pPr lvl="0"/>
             <a:r>
-              <a:rPr lang="en-US" dirty="0" smtClean="0"/>
+              <a:rPr lang="en-US" dirty="0"/>
               <a:t>Click to edit Master text styles</a:t>
             </a:r>
           </a:p>
           <a:p>
             <a:pPr lvl="1"/>
             <a:r>
-              <a:rPr lang="en-US" dirty="0" smtClean="0"/>
+              <a:rPr lang="en-US" dirty="0"/>
               <a:t>Second level</a:t>
             </a:r>
           </a:p>
           <a:p>
             <a:pPr lvl="2"/>
             <a:r>
-              <a:rPr lang="en-US" dirty="0" smtClean="0"/>
+              <a:rPr lang="en-US" dirty="0"/>
               <a:t>Third level</a:t>
             </a:r>
           </a:p>
           <a:p>
             <a:pPr lvl="3"/>
             <a:r>
-              <a:rPr lang="en-US" dirty="0" smtClean="0"/>
+              <a:rPr lang="en-US" dirty="0"/>
               <a:t>Fourth level</a:t>
             </a:r>
           </a:p>
           <a:p>
             <a:pPr lvl="4"/>
             <a:r>
-              <a:rPr lang="en-US" dirty="0" smtClean="0"/>
+              <a:rPr lang="en-US" dirty="0"/>
               <a:t>Fifth level</a:t>
             </a:r>
-            <a:endParaRPr lang="en-US" dirty="0"/>
           </a:p>
         </p:txBody>
       </p:sp>
@@ -3327,38 +3314,37 @@
           <a:p>
             <a:pPr lvl="0"/>
             <a:r>
-              <a:rPr lang="en-US" smtClean="0"/>
+              <a:rPr lang="en-US"/>
               <a:t>Click to edit Master text styles</a:t>
             </a:r>
           </a:p>
           <a:p>
             <a:pPr lvl="1"/>
             <a:r>
-              <a:rPr lang="en-US" smtClean="0"/>
+              <a:rPr lang="en-US"/>
               <a:t>Second level</a:t>
             </a:r>
           </a:p>
           <a:p>
             <a:pPr lvl="2"/>
             <a:r>
-              <a:rPr lang="en-US" smtClean="0"/>
+              <a:rPr lang="en-US"/>
               <a:t>Third level</a:t>
             </a:r>
           </a:p>
           <a:p>
             <a:pPr lvl="3"/>
             <a:r>
-              <a:rPr lang="en-US" smtClean="0"/>
+              <a:rPr lang="en-US"/>
               <a:t>Fourth level</a:t>
             </a:r>
           </a:p>
           <a:p>
             <a:pPr lvl="4"/>
             <a:r>
-              <a:rPr lang="en-US" smtClean="0"/>
+              <a:rPr lang="en-US"/>
               <a:t>Fifth level</a:t>
             </a:r>
-            <a:endParaRPr lang="en-US"/>
           </a:p>
         </p:txBody>
       </p:sp>
@@ -3508,7 +3494,7 @@
           </a:lstStyle>
           <a:p>
             <a:r>
-              <a:rPr lang="en-US" smtClean="0"/>
+              <a:rPr lang="en-US"/>
               <a:t>Click to edit Master title style</a:t>
             </a:r>
             <a:endParaRPr lang="en-US" dirty="0"/>
@@ -3779,7 +3765,7 @@
           </a:lstStyle>
           <a:p>
             <a:r>
-              <a:rPr lang="en-US" smtClean="0"/>
+              <a:rPr lang="en-US"/>
               <a:t>Click to edit Master title style</a:t>
             </a:r>
             <a:endParaRPr lang="en-US" dirty="0"/>
@@ -3830,7 +3816,7 @@
           <a:p>
             <a:pPr lvl="0"/>
             <a:r>
-              <a:rPr lang="en-US" smtClean="0"/>
+              <a:rPr lang="en-US"/>
               <a:t>Click to edit Master text styles</a:t>
             </a:r>
           </a:p>
@@ -3875,35 +3861,35 @@
           <a:p>
             <a:pPr lvl="0"/>
             <a:r>
-              <a:rPr lang="en-US" smtClean="0"/>
+              <a:rPr lang="en-US"/>
               <a:t>Click to edit Master text styles</a:t>
             </a:r>
           </a:p>
           <a:p>
             <a:pPr lvl="1"/>
             <a:r>
-              <a:rPr lang="en-US" smtClean="0"/>
+              <a:rPr lang="en-US"/>
               <a:t>Second level</a:t>
             </a:r>
           </a:p>
           <a:p>
             <a:pPr lvl="2"/>
             <a:r>
-              <a:rPr lang="en-US" smtClean="0"/>
+              <a:rPr lang="en-US"/>
               <a:t>Third level</a:t>
             </a:r>
           </a:p>
           <a:p>
             <a:pPr lvl="3"/>
             <a:r>
-              <a:rPr lang="en-US" smtClean="0"/>
+              <a:rPr lang="en-US"/>
               <a:t>Fourth level</a:t>
             </a:r>
           </a:p>
           <a:p>
             <a:pPr lvl="4"/>
             <a:r>
-              <a:rPr lang="en-US" smtClean="0"/>
+              <a:rPr lang="en-US"/>
               <a:t>Fifth level</a:t>
             </a:r>
             <a:endParaRPr lang="en-US" dirty="0"/>
@@ -4565,10 +4551,9 @@
           </a:lstStyle>
           <a:p>
             <a:r>
-              <a:rPr lang="en-US" dirty="0" smtClean="0"/>
+              <a:rPr lang="en-US" dirty="0"/>
               <a:t>Click to edit Master title style</a:t>
             </a:r>
-            <a:endParaRPr lang="en-US" dirty="0"/>
           </a:p>
         </p:txBody>
       </p:sp>
@@ -4602,7 +4587,7 @@
           <a:p>
             <a:pPr lvl="0"/>
             <a:r>
-              <a:rPr lang="en-US" noProof="0" smtClean="0"/>
+              <a:rPr lang="en-US" noProof="0"/>
               <a:t>Click icon to add picture</a:t>
             </a:r>
             <a:endParaRPr lang="en-US" noProof="0" dirty="0"/>
@@ -4656,7 +4641,7 @@
           <a:p>
             <a:pPr lvl="0"/>
             <a:r>
-              <a:rPr lang="en-US" smtClean="0"/>
+              <a:rPr lang="en-US"/>
               <a:t>Click to edit Master text styles</a:t>
             </a:r>
           </a:p>
@@ -4816,10 +4801,9 @@
           <a:lstStyle/>
           <a:p>
             <a:r>
-              <a:rPr lang="en-US" dirty="0" smtClean="0"/>
+              <a:rPr lang="en-US" dirty="0"/>
               <a:t>Click to edit Master title style</a:t>
             </a:r>
-            <a:endParaRPr lang="en-US" dirty="0"/>
           </a:p>
         </p:txBody>
       </p:sp>
@@ -4859,35 +4843,35 @@
           <a:p>
             <a:pPr lvl="0"/>
             <a:r>
-              <a:rPr lang="en-US" smtClean="0"/>
+              <a:rPr lang="en-US"/>
               <a:t>Click to edit Master text styles</a:t>
             </a:r>
           </a:p>
           <a:p>
             <a:pPr lvl="1"/>
             <a:r>
-              <a:rPr lang="en-US" smtClean="0"/>
+              <a:rPr lang="en-US"/>
               <a:t>Second level</a:t>
             </a:r>
           </a:p>
           <a:p>
             <a:pPr lvl="2"/>
             <a:r>
-              <a:rPr lang="en-US" smtClean="0"/>
+              <a:rPr lang="en-US"/>
               <a:t>Third level</a:t>
             </a:r>
           </a:p>
           <a:p>
             <a:pPr lvl="3"/>
             <a:r>
-              <a:rPr lang="en-US" smtClean="0"/>
+              <a:rPr lang="en-US"/>
               <a:t>Fourth level</a:t>
             </a:r>
           </a:p>
           <a:p>
             <a:pPr lvl="4"/>
             <a:r>
-              <a:rPr lang="en-US" smtClean="0"/>
+              <a:rPr lang="en-US"/>
               <a:t>Fifth level</a:t>
             </a:r>
           </a:p>
@@ -5554,7 +5538,7 @@
               <a:defRPr/>
             </a:pPr>
             <a:r>
-              <a:rPr lang="en-CA" sz="4200" dirty="0" smtClean="0">
+              <a:rPr lang="en-CA" sz="4200" dirty="0">
                 <a:solidFill>
                   <a:schemeClr val="accent2">
                     <a:lumMod val="60000"/>
@@ -5597,40 +5581,17 @@
           <a:p>
             <a:pPr marL="374650" eaLnBrk="1" hangingPunct="1"/>
             <a:r>
-              <a:rPr lang="en-CA" dirty="0" smtClean="0"/>
+              <a:rPr lang="en-CA" dirty="0"/>
               <a:t>With You Host: Michael Feeney</a:t>
             </a:r>
-          </a:p>
-          <a:p>
-            <a:pPr marL="374650" eaLnBrk="1" hangingPunct="1"/>
-            <a:r>
-              <a:rPr lang="en-CA" sz="1800" dirty="0"/>
-              <a:t>Stream at: </a:t>
-            </a:r>
-            <a:r>
-              <a:rPr lang="en-CA" sz="1800" dirty="0">
-                <a:hlinkClick r:id="rId3"/>
-              </a:rPr>
-              <a:t>https://</a:t>
-            </a:r>
-            <a:r>
-              <a:rPr lang="en-CA" sz="1800" dirty="0" smtClean="0">
-                <a:hlinkClick r:id="rId3"/>
-              </a:rPr>
-              <a:t>www.twitch.tv/lordmichaelmort</a:t>
-            </a:r>
-            <a:r>
-              <a:rPr lang="en-CA" sz="1800" dirty="0" smtClean="0"/>
-              <a:t> </a:t>
-            </a:r>
-            <a:endParaRPr lang="en-US" sz="1800" dirty="0" smtClean="0"/>
+            <a:endParaRPr lang="en-US" sz="1800" dirty="0"/>
           </a:p>
         </p:txBody>
       </p:sp>
       <p:sp>
         <p:nvSpPr>
           <p:cNvPr id="2" name="TextBox 1">
-            <a:hlinkClick r:id="rId4"/>
+            <a:hlinkClick r:id="rId3"/>
           </p:cNvPr>
           <p:cNvSpPr txBox="1"/>
           <p:nvPr/>
@@ -5658,28 +5619,16 @@
               </a:rPr>
               <a:t>Lasciate ogne speranza, </a:t>
             </a:r>
-            <a:r>
-              <a:rPr lang="it-IT" sz="8800" dirty="0" smtClean="0">
-                <a:latin typeface="Blackadder ITC" panose="04020505051007020D02" pitchFamily="82" charset="0"/>
-              </a:rPr>
-              <a:t/>
-            </a:r>
             <a:br>
-              <a:rPr lang="it-IT" sz="8800" dirty="0" smtClean="0">
+              <a:rPr lang="it-IT" sz="8800" dirty="0">
                 <a:latin typeface="Blackadder ITC" panose="04020505051007020D02" pitchFamily="82" charset="0"/>
               </a:rPr>
             </a:br>
             <a:r>
-              <a:rPr lang="it-IT" sz="8800" dirty="0" smtClean="0">
-                <a:latin typeface="Blackadder ITC" panose="04020505051007020D02" pitchFamily="82" charset="0"/>
-              </a:rPr>
-              <a:t>voi </a:t>
-            </a:r>
-            <a:r>
               <a:rPr lang="it-IT" sz="8800" dirty="0">
                 <a:latin typeface="Blackadder ITC" panose="04020505051007020D02" pitchFamily="82" charset="0"/>
               </a:rPr>
-              <a:t>ch'entrate</a:t>
+              <a:t>voi ch'entrate</a:t>
             </a:r>
             <a:endParaRPr lang="en-CA" sz="8800" dirty="0">
               <a:latin typeface="Blackadder ITC" panose="04020505051007020D02" pitchFamily="82" charset="0"/>
@@ -5690,7 +5639,7 @@
     </p:spTree>
     <p:extLst>
       <p:ext uri="{BB962C8B-B14F-4D97-AF65-F5344CB8AC3E}">
-        <p14:creationId xmlns:p14="http://schemas.microsoft.com/office/powerpoint/2010/main" xmlns="" val="2901229274"/>
+        <p14:creationId xmlns:p14="http://schemas.microsoft.com/office/powerpoint/2010/main" val="2901229274"/>
       </p:ext>
     </p:extLst>
   </p:cSld>
@@ -5912,10 +5861,9 @@
           <a:p>
             <a:pPr algn="ctr"/>
             <a:r>
-              <a:rPr lang="en-CA" sz="1600" dirty="0" smtClean="0"/>
+              <a:rPr lang="en-CA" sz="1600" dirty="0"/>
               <a:t>You</a:t>
             </a:r>
-            <a:endParaRPr lang="en-CA" sz="1600" dirty="0"/>
           </a:p>
         </p:txBody>
       </p:sp>
@@ -5956,10 +5904,9 @@
           <a:p>
             <a:pPr algn="ctr"/>
             <a:r>
-              <a:rPr lang="en-CA" sz="1600" dirty="0" smtClean="0"/>
+              <a:rPr lang="en-CA" sz="1600" dirty="0"/>
               <a:t>What you already know</a:t>
             </a:r>
-            <a:endParaRPr lang="en-CA" sz="1600" dirty="0"/>
           </a:p>
         </p:txBody>
       </p:sp>
@@ -6000,18 +5947,17 @@
           <a:p>
             <a:pPr algn="ctr"/>
             <a:r>
-              <a:rPr lang="en-CA" sz="1600" dirty="0" smtClean="0"/>
+              <a:rPr lang="en-CA" sz="1600" dirty="0"/>
               <a:t>What you </a:t>
             </a:r>
             <a:r>
-              <a:rPr lang="en-CA" sz="1600" b="1" u="sng" dirty="0" smtClean="0"/>
+              <a:rPr lang="en-CA" sz="1600" b="1" u="sng" dirty="0"/>
               <a:t>want</a:t>
             </a:r>
             <a:r>
-              <a:rPr lang="en-CA" sz="1600" dirty="0" smtClean="0"/>
+              <a:rPr lang="en-CA" sz="1600" dirty="0"/>
               <a:t> to know...</a:t>
             </a:r>
-            <a:endParaRPr lang="en-CA" sz="1600" dirty="0"/>
           </a:p>
         </p:txBody>
       </p:sp>
@@ -6053,10 +5999,9 @@
           <a:p>
             <a:pPr algn="ctr"/>
             <a:r>
-              <a:rPr lang="en-CA" sz="1600" dirty="0" smtClean="0"/>
+              <a:rPr lang="en-CA" sz="1600" dirty="0"/>
               <a:t>Valley of confusion, lack of knowledge and skill, and frustration...</a:t>
             </a:r>
-            <a:endParaRPr lang="en-CA" sz="1600" dirty="0"/>
           </a:p>
         </p:txBody>
       </p:sp>
@@ -6788,31 +6733,31 @@
           <a:lstStyle/>
           <a:p>
             <a:pPr algn="ctr"/>
-            <a:endParaRPr lang="en-CA" sz="1200" dirty="0" smtClean="0"/>
+            <a:endParaRPr lang="en-CA" sz="1200" dirty="0"/>
           </a:p>
           <a:p>
             <a:pPr algn="ctr"/>
             <a:r>
-              <a:rPr lang="en-CA" sz="1200" dirty="0" smtClean="0">
+              <a:rPr lang="en-CA" sz="1200" dirty="0">
                 <a:hlinkClick r:id="rId2" action="ppaction://hlinkfile"/>
               </a:rPr>
               <a:t>Start of term video</a:t>
             </a:r>
-            <a:endParaRPr lang="en-CA" sz="1200" dirty="0" smtClean="0"/>
+            <a:endParaRPr lang="en-CA" sz="1200" dirty="0"/>
           </a:p>
           <a:p>
             <a:pPr algn="ctr"/>
             <a:r>
-              <a:rPr lang="en-CA" sz="1200" dirty="0" smtClean="0">
+              <a:rPr lang="en-CA" sz="1200" dirty="0">
                 <a:hlinkClick r:id="rId3" action="ppaction://hlinkfile"/>
               </a:rPr>
               <a:t>Midterm/final video</a:t>
             </a:r>
-            <a:endParaRPr lang="en-CA" sz="1200" dirty="0" smtClean="0"/>
+            <a:endParaRPr lang="en-CA" sz="1200" dirty="0"/>
           </a:p>
           <a:p>
             <a:pPr algn="ctr"/>
-            <a:endParaRPr lang="en-CA" sz="1200" dirty="0" smtClean="0"/>
+            <a:endParaRPr lang="en-CA" sz="1200" dirty="0"/>
           </a:p>
         </p:txBody>
       </p:sp>
@@ -6822,13 +6767,6 @@
     <a:masterClrMapping/>
   </p:clrMapOvr>
   <p:transition advClick="0" advTm="90000"/>
-  <p:timing>
-    <p:tnLst>
-      <p:par>
-        <p:cTn id="1" dur="indefinite" restart="never" nodeType="tmRoot"/>
-      </p:par>
-    </p:tnLst>
-  </p:timing>
 </p:sld>
 </file>
 
@@ -6871,7 +6809,7 @@
               <a:defRPr/>
             </a:pPr>
             <a:r>
-              <a:rPr lang="en-US" sz="3200" dirty="0" smtClean="0">
+              <a:rPr lang="en-US" sz="3200" dirty="0">
                 <a:solidFill>
                   <a:schemeClr val="tx2">
                     <a:satMod val="200000"/>
@@ -6916,7 +6854,7 @@
               </a:lnSpc>
             </a:pPr>
             <a:r>
-              <a:rPr lang="en-CA" sz="2400" dirty="0" smtClean="0"/>
+              <a:rPr lang="en-CA" sz="2400" dirty="0"/>
               <a:t>Why can’t we do something, like, TODAY!?</a:t>
             </a:r>
           </a:p>
@@ -6927,7 +6865,7 @@
               </a:lnSpc>
             </a:pPr>
             <a:r>
-              <a:rPr lang="en-CA" sz="2400" dirty="0" smtClean="0"/>
+              <a:rPr lang="en-CA" sz="2400" dirty="0"/>
               <a:t>I mean, we could use, like, a GAME ENGINE!</a:t>
             </a:r>
           </a:p>
@@ -6938,22 +6876,22 @@
               </a:lnSpc>
             </a:pPr>
             <a:r>
-              <a:rPr lang="en-CA" sz="2400" dirty="0" smtClean="0"/>
+              <a:rPr lang="en-CA" sz="2400" dirty="0"/>
               <a:t>Or Flash? HTML 5.0? Or Unity?? </a:t>
             </a:r>
             <a:br>
-              <a:rPr lang="en-CA" sz="2400" dirty="0" smtClean="0"/>
+              <a:rPr lang="en-CA" sz="2400" dirty="0"/>
             </a:br>
             <a:r>
-              <a:rPr lang="en-CA" sz="2400" dirty="0" smtClean="0"/>
+              <a:rPr lang="en-CA" sz="2400" dirty="0"/>
               <a:t>Why not that? It’s </a:t>
             </a:r>
             <a:r>
-              <a:rPr lang="en-CA" sz="2400" i="1" u="sng" dirty="0" smtClean="0"/>
+              <a:rPr lang="en-CA" sz="2400" i="1" u="sng" dirty="0"/>
               <a:t>so</a:t>
             </a:r>
             <a:r>
-              <a:rPr lang="en-CA" sz="2400" dirty="0" smtClean="0"/>
+              <a:rPr lang="en-CA" sz="2400" dirty="0"/>
               <a:t> “easy”!</a:t>
             </a:r>
           </a:p>
@@ -6964,7 +6902,7 @@
               </a:lnSpc>
             </a:pPr>
             <a:r>
-              <a:rPr lang="en-CA" sz="2400" dirty="0" smtClean="0"/>
+              <a:rPr lang="en-CA" sz="2400" dirty="0"/>
               <a:t>Come ON!!!</a:t>
             </a:r>
           </a:p>
@@ -6975,10 +6913,10 @@
               </a:lnSpc>
             </a:pPr>
             <a:r>
-              <a:rPr lang="en-CA" sz="2400" dirty="0" smtClean="0"/>
+              <a:rPr lang="en-CA" sz="2400" dirty="0"/>
               <a:t>...Let me give you two analogies...</a:t>
             </a:r>
-            <a:endParaRPr lang="en-CA" sz="2000" dirty="0" smtClean="0"/>
+            <a:endParaRPr lang="en-CA" sz="2000" dirty="0"/>
           </a:p>
         </p:txBody>
       </p:sp>
@@ -7473,7 +7411,7 @@
               <a:defRPr/>
             </a:pPr>
             <a:r>
-              <a:rPr lang="en-US" sz="3200" dirty="0" smtClean="0">
+              <a:rPr lang="en-US" sz="3200" dirty="0">
                 <a:solidFill>
                   <a:schemeClr val="tx2">
                     <a:satMod val="200000"/>
@@ -7518,7 +7456,7 @@
               </a:lnSpc>
             </a:pPr>
             <a:r>
-              <a:rPr lang="en-CA" sz="2000" dirty="0" smtClean="0"/>
+              <a:rPr lang="en-CA" sz="2000" dirty="0"/>
               <a:t>They were two of the greatest piano players in history</a:t>
             </a:r>
           </a:p>
@@ -7529,11 +7467,11 @@
               </a:lnSpc>
             </a:pPr>
             <a:r>
-              <a:rPr lang="en-CA" sz="1800" dirty="0" smtClean="0"/>
+              <a:rPr lang="en-CA" sz="1800" dirty="0"/>
               <a:t>If you wanted to play like these guys, </a:t>
             </a:r>
             <a:r>
-              <a:rPr lang="en-CA" sz="1800" i="1" u="sng" dirty="0" smtClean="0"/>
+              <a:rPr lang="en-CA" sz="1800" i="1" u="sng" dirty="0"/>
               <a:t>how would you go about it?</a:t>
             </a:r>
           </a:p>
@@ -7987,7 +7925,7 @@
               <a:defRPr/>
             </a:pPr>
             <a:r>
-              <a:rPr lang="en-US" sz="2800" dirty="0" smtClean="0">
+              <a:rPr lang="en-US" sz="2800" dirty="0">
                 <a:solidFill>
                   <a:schemeClr val="tx2">
                     <a:satMod val="200000"/>
@@ -8032,11 +7970,11 @@
               </a:lnSpc>
             </a:pPr>
             <a:r>
-              <a:rPr lang="en-CA" sz="1600" dirty="0" smtClean="0"/>
+              <a:rPr lang="en-CA" sz="1600" dirty="0"/>
               <a:t>Again, if you wanted to play like these guys, </a:t>
             </a:r>
             <a:r>
-              <a:rPr lang="en-CA" sz="1600" i="1" u="sng" dirty="0" smtClean="0"/>
+              <a:rPr lang="en-CA" sz="1600" i="1" u="sng" dirty="0"/>
               <a:t>how would you go about it?</a:t>
             </a:r>
           </a:p>
@@ -8341,7 +8279,7 @@
               <a:defRPr/>
             </a:pPr>
             <a:r>
-              <a:rPr lang="en-US" sz="3600" dirty="0" smtClean="0">
+              <a:rPr lang="en-US" sz="3600" dirty="0">
                 <a:solidFill>
                   <a:schemeClr val="tx2">
                     <a:satMod val="200000"/>
@@ -8386,7 +8324,7 @@
               </a:lnSpc>
             </a:pPr>
             <a:r>
-              <a:rPr lang="en-CA" sz="2400" dirty="0" smtClean="0"/>
+              <a:rPr lang="en-CA" sz="2400" dirty="0"/>
               <a:t>Well, we could start with something like this...</a:t>
             </a:r>
           </a:p>
@@ -8397,10 +8335,10 @@
               </a:lnSpc>
             </a:pPr>
             <a:r>
-              <a:rPr lang="en-CA" sz="2400" dirty="0" smtClean="0"/>
+              <a:rPr lang="en-CA" sz="2400" dirty="0"/>
               <a:t>But eventually, we’d have to use the real thing.</a:t>
             </a:r>
-            <a:endParaRPr lang="en-CA" sz="2000" dirty="0" smtClean="0"/>
+            <a:endParaRPr lang="en-CA" sz="2000" dirty="0"/>
           </a:p>
         </p:txBody>
       </p:sp>
@@ -8503,8 +8441,8 @@
           <a:noFill/>
         </p:spPr>
       </p:pic>
-      <mc:AlternateContent xmlns:mc="http://schemas.openxmlformats.org/markup-compatibility/2006">
-        <mc:Choice xmlns:p14="http://schemas.microsoft.com/office/powerpoint/2010/main" xmlns="" Requires="p14">
+      <mc:AlternateContent xmlns:mc="http://schemas.openxmlformats.org/markup-compatibility/2006" xmlns:p14="http://schemas.microsoft.com/office/powerpoint/2010/main">
+        <mc:Choice Requires="p14">
           <p:contentPart p14:bwMode="auto" r:id="rId5">
             <p14:nvContentPartPr>
               <p14:cNvPr id="2" name="Ink 1"/>
@@ -8517,7 +8455,7 @@
             </p14:xfrm>
           </p:contentPart>
         </mc:Choice>
-        <mc:Fallback>
+        <mc:Fallback xmlns="">
           <p:pic>
             <p:nvPicPr>
               <p:cNvPr id="2" name="Ink 1"/>
@@ -8891,7 +8829,7 @@
               <a:defRPr/>
             </a:pPr>
             <a:r>
-              <a:rPr lang="en-US" sz="3600" dirty="0" smtClean="0">
+              <a:rPr lang="en-US" sz="3600" dirty="0">
                 <a:solidFill>
                   <a:schemeClr val="tx2">
                     <a:satMod val="200000"/>
@@ -8901,7 +8839,7 @@
               <a:t>Commercial graphics APIs… </a:t>
             </a:r>
             <a:br>
-              <a:rPr lang="en-US" sz="3600" dirty="0" smtClean="0">
+              <a:rPr lang="en-US" sz="3600" dirty="0">
                 <a:solidFill>
                   <a:schemeClr val="tx2">
                     <a:satMod val="200000"/>
@@ -8910,7 +8848,7 @@
               </a:rPr>
             </a:br>
             <a:r>
-              <a:rPr lang="en-US" sz="2800" dirty="0" smtClean="0">
+              <a:rPr lang="en-US" sz="2800" dirty="0">
                 <a:solidFill>
                   <a:schemeClr val="tx2">
                     <a:satMod val="200000"/>
@@ -8920,7 +8858,7 @@
               <a:t>(DirectX, OpenGL, </a:t>
             </a:r>
             <a:r>
-              <a:rPr lang="en-US" sz="2800" dirty="0" err="1" smtClean="0">
+              <a:rPr lang="en-US" sz="2800" dirty="0" err="1">
                 <a:solidFill>
                   <a:schemeClr val="tx2">
                     <a:satMod val="200000"/>
@@ -8930,7 +8868,7 @@
               <a:t>Vulkan</a:t>
             </a:r>
             <a:r>
-              <a:rPr lang="en-US" sz="2800" dirty="0" smtClean="0">
+              <a:rPr lang="en-US" sz="2800" dirty="0">
                 <a:solidFill>
                   <a:schemeClr val="tx2">
                     <a:satMod val="200000"/>
@@ -8975,7 +8913,7 @@
               </a:lnSpc>
             </a:pPr>
             <a:r>
-              <a:rPr lang="en-CA" sz="2400" dirty="0" smtClean="0"/>
+              <a:rPr lang="en-CA" sz="2400" dirty="0"/>
               <a:t>Are very mature</a:t>
             </a:r>
           </a:p>
@@ -8986,7 +8924,7 @@
               </a:lnSpc>
             </a:pPr>
             <a:r>
-              <a:rPr lang="en-CA" sz="2400" dirty="0" smtClean="0"/>
+              <a:rPr lang="en-CA" sz="2400" dirty="0"/>
               <a:t>Aren’t intended to be “for beginners” </a:t>
             </a:r>
           </a:p>
@@ -8997,7 +8935,7 @@
               </a:lnSpc>
             </a:pPr>
             <a:r>
-              <a:rPr lang="en-CA" sz="2400" dirty="0" smtClean="0"/>
+              <a:rPr lang="en-CA" sz="2400" dirty="0"/>
               <a:t>There’s a lot of things that can “go wrong”</a:t>
             </a:r>
           </a:p>
@@ -9008,7 +8946,7 @@
               </a:lnSpc>
             </a:pPr>
             <a:r>
-              <a:rPr lang="en-CA" sz="2400" dirty="0" smtClean="0"/>
+              <a:rPr lang="en-CA" sz="2400" dirty="0"/>
               <a:t>There’s a lot of things you have to know before you can be even remotely productive</a:t>
             </a:r>
           </a:p>
@@ -9019,7 +8957,7 @@
               </a:lnSpc>
             </a:pPr>
             <a:r>
-              <a:rPr lang="en-CA" sz="2000" dirty="0" smtClean="0"/>
+              <a:rPr lang="en-CA" sz="2000" dirty="0"/>
               <a:t>(Just like playing an instrument...</a:t>
             </a:r>
           </a:p>
@@ -9030,7 +8968,7 @@
               </a:lnSpc>
             </a:pPr>
             <a:r>
-              <a:rPr lang="en-CA" sz="2000" dirty="0" smtClean="0"/>
+              <a:rPr lang="en-CA" sz="2000" dirty="0"/>
               <a:t>...or being ½ way useful at a sport, right?)</a:t>
             </a:r>
           </a:p>
@@ -9041,7 +8979,7 @@
               </a:lnSpc>
             </a:pPr>
             <a:r>
-              <a:rPr lang="en-CA" sz="2400" dirty="0" smtClean="0"/>
+              <a:rPr lang="en-CA" sz="2400" dirty="0"/>
               <a:t>You’re going to screw up/fall down... a lot.</a:t>
             </a:r>
           </a:p>
@@ -9052,7 +8990,7 @@
               </a:lnSpc>
             </a:pPr>
             <a:r>
-              <a:rPr lang="en-CA" sz="2400" dirty="0" smtClean="0"/>
+              <a:rPr lang="en-CA" sz="2400" dirty="0"/>
               <a:t>They are very low level (are “C”, NOT “C++” APIs) </a:t>
             </a:r>
           </a:p>
@@ -9105,8 +9043,8 @@
           </a:p>
         </p:txBody>
       </p:sp>
-      <mc:AlternateContent xmlns:mc="http://schemas.openxmlformats.org/markup-compatibility/2006">
-        <mc:Choice xmlns:p14="http://schemas.microsoft.com/office/powerpoint/2010/main" xmlns="" Requires="p14">
+      <mc:AlternateContent xmlns:mc="http://schemas.openxmlformats.org/markup-compatibility/2006" xmlns:p14="http://schemas.microsoft.com/office/powerpoint/2010/main">
+        <mc:Choice Requires="p14">
           <p:contentPart p14:bwMode="auto" r:id="rId2">
             <p14:nvContentPartPr>
               <p14:cNvPr id="2" name="Ink 1"/>
@@ -9119,7 +9057,7 @@
             </p14:xfrm>
           </p:contentPart>
         </mc:Choice>
-        <mc:Fallback>
+        <mc:Fallback xmlns="">
           <p:pic>
             <p:nvPicPr>
               <p:cNvPr id="2" name="Ink 1"/>
@@ -9912,17 +9850,16 @@
           <a:p>
             <a:pPr algn="ctr"/>
             <a:r>
-              <a:rPr lang="en-CA" sz="2000" dirty="0" smtClean="0"/>
+              <a:rPr lang="en-CA" sz="2000" dirty="0"/>
               <a:t>Michael’s hand</a:t>
             </a:r>
           </a:p>
           <a:p>
             <a:pPr algn="ctr"/>
             <a:r>
-              <a:rPr lang="en-CA" sz="1600" dirty="0" smtClean="0"/>
+              <a:rPr lang="en-CA" sz="1600" dirty="0"/>
               <a:t>(normally not yellow)</a:t>
             </a:r>
-            <a:endParaRPr lang="en-CA" sz="1600" dirty="0"/>
           </a:p>
         </p:txBody>
       </p:sp>
@@ -10268,17 +10205,7 @@
                   </a:schemeClr>
                 </a:solidFill>
               </a:rPr>
-              <a:t> about (</a:t>
-            </a:r>
-            <a:r>
-              <a:rPr lang="en-US" sz="3200" dirty="0" smtClean="0">
-                <a:solidFill>
-                  <a:schemeClr val="tx2">
-                    <a:satMod val="200000"/>
-                  </a:schemeClr>
-                </a:solidFill>
-              </a:rPr>
-              <a:t>1/5)?</a:t>
+              <a:t> about (1/5)?</a:t>
             </a:r>
             <a:endParaRPr lang="en-CA" sz="3200" dirty="0">
               <a:solidFill>
@@ -10316,7 +10243,7 @@
               </a:lnSpc>
             </a:pPr>
             <a:r>
-              <a:rPr lang="en-US" sz="2400" dirty="0" smtClean="0"/>
+              <a:rPr lang="en-US" sz="2400" dirty="0"/>
               <a:t>Ray-tracing.</a:t>
             </a:r>
           </a:p>
@@ -10327,7 +10254,7 @@
               </a:lnSpc>
             </a:pPr>
             <a:r>
-              <a:rPr lang="en-US" sz="2400" dirty="0" smtClean="0"/>
+              <a:rPr lang="en-US" sz="2400" dirty="0"/>
               <a:t>Old OpenGL (fixed function pipeline)</a:t>
             </a:r>
           </a:p>
@@ -10338,7 +10265,7 @@
               </a:lnSpc>
             </a:pPr>
             <a:r>
-              <a:rPr lang="en-US" sz="2000" dirty="0" smtClean="0"/>
+              <a:rPr lang="en-US" sz="2000" dirty="0"/>
               <a:t>Pre OpenGL 2.0</a:t>
             </a:r>
           </a:p>
@@ -10349,11 +10276,11 @@
               </a:lnSpc>
             </a:pPr>
             <a:r>
-              <a:rPr lang="en-US" sz="2400" dirty="0" smtClean="0"/>
+              <a:rPr lang="en-US" sz="2400" dirty="0"/>
               <a:t>DirectX : </a:t>
             </a:r>
             <a:r>
-              <a:rPr lang="en-US" sz="2000" dirty="0" smtClean="0"/>
+              <a:rPr lang="en-US" sz="2000" dirty="0"/>
               <a:t>Although there are a lot of similarities with OpenGL</a:t>
             </a:r>
           </a:p>
@@ -10364,15 +10291,15 @@
               </a:lnSpc>
             </a:pPr>
             <a:r>
-              <a:rPr lang="en-US" sz="2400" dirty="0" smtClean="0"/>
+              <a:rPr lang="en-US" sz="2400" dirty="0"/>
               <a:t>GDI, GDI+, Flash, HTML 5, </a:t>
             </a:r>
             <a:r>
-              <a:rPr lang="en-US" sz="2400" dirty="0" err="1" smtClean="0"/>
+              <a:rPr lang="en-US" sz="2400" dirty="0" err="1"/>
               <a:t>WebGL</a:t>
             </a:r>
             <a:r>
-              <a:rPr lang="en-US" sz="2400" dirty="0" smtClean="0"/>
+              <a:rPr lang="en-US" sz="2400" dirty="0"/>
               <a:t>, or any other graphics APIs</a:t>
             </a:r>
           </a:p>
@@ -10383,7 +10310,7 @@
               </a:lnSpc>
             </a:pPr>
             <a:r>
-              <a:rPr lang="en-US" sz="2400" dirty="0" smtClean="0"/>
+              <a:rPr lang="en-US" sz="2400" dirty="0"/>
               <a:t>OpenGL ES (mobile), mainly because the emulators for desktop are crappy. ES is very similar in many ways to OpenGL, post 3.3.</a:t>
             </a:r>
           </a:p>
@@ -10968,17 +10895,7 @@
                   </a:schemeClr>
                 </a:solidFill>
               </a:rPr>
-              <a:t> about </a:t>
-            </a:r>
-            <a:r>
-              <a:rPr lang="en-US" sz="3200" dirty="0" smtClean="0">
-                <a:solidFill>
-                  <a:schemeClr val="tx2">
-                    <a:satMod val="200000"/>
-                  </a:schemeClr>
-                </a:solidFill>
-              </a:rPr>
-              <a:t>(2/5)?</a:t>
+              <a:t> about (2/5)?</a:t>
             </a:r>
             <a:endParaRPr lang="en-CA" sz="3200" dirty="0">
               <a:solidFill>
@@ -11012,43 +10929,43 @@
           <a:p>
             <a:pPr eaLnBrk="1" hangingPunct="1"/>
             <a:r>
-              <a:rPr lang="en-US" sz="2400" dirty="0" smtClean="0"/>
+              <a:rPr lang="en-US" sz="2400" dirty="0"/>
               <a:t>Crazy game stuff and/or “using a game engine” </a:t>
             </a:r>
           </a:p>
           <a:p>
             <a:pPr lvl="1" eaLnBrk="1" hangingPunct="1"/>
             <a:r>
-              <a:rPr lang="en-US" sz="2000" dirty="0" smtClean="0"/>
+              <a:rPr lang="en-US" sz="2000" dirty="0"/>
               <a:t>While we will look at some things, this is not a “let’s get endlessly distracted </a:t>
             </a:r>
             <a:r>
-              <a:rPr lang="en-US" sz="2000" b="1" u="sng" dirty="0" smtClean="0"/>
+              <a:rPr lang="en-US" sz="2000" b="1" u="sng" dirty="0"/>
               <a:t>from</a:t>
             </a:r>
             <a:r>
-              <a:rPr lang="en-US" sz="2000" dirty="0" smtClean="0"/>
+              <a:rPr lang="en-US" sz="2000" dirty="0"/>
               <a:t> graphics” course</a:t>
             </a:r>
           </a:p>
           <a:p>
             <a:pPr lvl="1" eaLnBrk="1" hangingPunct="1"/>
             <a:r>
-              <a:rPr lang="en-US" sz="2000" dirty="0" smtClean="0"/>
+              <a:rPr lang="en-US" sz="2000" dirty="0"/>
               <a:t>I will talk to you (off line) about whatever you like, but the thrust here is an intro to graphics using a C/C++ API</a:t>
             </a:r>
           </a:p>
           <a:p>
             <a:pPr lvl="2" eaLnBrk="1" hangingPunct="1"/>
             <a:r>
-              <a:rPr lang="en-US" sz="1800" dirty="0" smtClean="0"/>
+              <a:rPr lang="en-US" sz="1800" dirty="0"/>
               <a:t>But, don’t fret, we’ll do some pretty neat stuff</a:t>
             </a:r>
           </a:p>
           <a:p>
             <a:pPr eaLnBrk="1" hangingPunct="1"/>
             <a:r>
-              <a:rPr lang="en-CA" sz="2400" dirty="0" smtClean="0"/>
+              <a:rPr lang="en-CA" sz="2400" dirty="0"/>
               <a:t>Why? We don’t have time; there’s too much to cover as is.</a:t>
             </a:r>
           </a:p>
@@ -11540,7 +11457,7 @@
               <a:defRPr/>
             </a:pPr>
             <a:r>
-              <a:rPr lang="en-CA" dirty="0" smtClean="0">
+              <a:rPr lang="en-CA" dirty="0">
                 <a:solidFill>
                   <a:schemeClr val="tx2">
                     <a:satMod val="200000"/>
@@ -11549,13 +11466,6 @@
               </a:rPr>
               <a:t>Who am I?</a:t>
             </a:r>
-            <a:endParaRPr lang="en-CA" dirty="0">
-              <a:solidFill>
-                <a:schemeClr val="tx2">
-                  <a:satMod val="200000"/>
-                </a:schemeClr>
-              </a:solidFill>
-            </a:endParaRPr>
           </a:p>
         </p:txBody>
       </p:sp>
@@ -11581,83 +11491,83 @@
           <a:p>
             <a:pPr eaLnBrk="1" hangingPunct="1"/>
             <a:r>
-              <a:rPr lang="en-CA" sz="2000" dirty="0" smtClean="0"/>
+              <a:rPr lang="en-CA" sz="2000" dirty="0"/>
               <a:t>Michael Feeney </a:t>
             </a:r>
           </a:p>
           <a:p>
             <a:pPr eaLnBrk="1" hangingPunct="1"/>
             <a:r>
-              <a:rPr lang="en-CA" sz="2000" dirty="0" smtClean="0"/>
+              <a:rPr lang="en-CA" sz="2000" dirty="0"/>
               <a:t>LDB (130 </a:t>
             </a:r>
             <a:r>
-              <a:rPr lang="en-CA" sz="2000" dirty="0" err="1" smtClean="0"/>
+              <a:rPr lang="en-CA" sz="2000" dirty="0" err="1"/>
               <a:t>Dundas</a:t>
             </a:r>
             <a:r>
-              <a:rPr lang="en-CA" sz="2000" dirty="0" smtClean="0"/>
+              <a:rPr lang="en-CA" sz="2000" dirty="0"/>
               <a:t>)</a:t>
             </a:r>
           </a:p>
           <a:p>
             <a:pPr eaLnBrk="1" hangingPunct="1"/>
             <a:r>
-              <a:rPr lang="en-CA" sz="2000" dirty="0" smtClean="0"/>
+              <a:rPr lang="en-CA" sz="2000" dirty="0"/>
               <a:t>I coordinate:</a:t>
             </a:r>
           </a:p>
           <a:p>
             <a:pPr lvl="1" eaLnBrk="1" hangingPunct="1"/>
             <a:r>
-              <a:rPr lang="en-CA" sz="1600" dirty="0" smtClean="0"/>
+              <a:rPr lang="en-CA" sz="1600" dirty="0"/>
               <a:t>CPA2: Computer Programmer Analyst</a:t>
             </a:r>
           </a:p>
           <a:p>
             <a:pPr lvl="1" eaLnBrk="1" hangingPunct="1"/>
             <a:r>
-              <a:rPr lang="en-CA" sz="1600" dirty="0" smtClean="0"/>
+              <a:rPr lang="en-CA" sz="1600" dirty="0"/>
               <a:t>CPA3: Computer Programming &amp; Analysis</a:t>
             </a:r>
           </a:p>
           <a:p>
             <a:pPr lvl="1" eaLnBrk="1" hangingPunct="1"/>
             <a:r>
-              <a:rPr lang="en-CA" sz="1600" dirty="0" smtClean="0"/>
+              <a:rPr lang="en-CA" sz="1600" dirty="0"/>
               <a:t>GDP1: Game Development – Advanced Programming </a:t>
             </a:r>
           </a:p>
           <a:p>
             <a:pPr eaLnBrk="1" hangingPunct="1"/>
             <a:r>
-              <a:rPr lang="en-CA" sz="2000" dirty="0" smtClean="0">
+              <a:rPr lang="en-CA" sz="2000" dirty="0">
                 <a:hlinkClick r:id="rId2"/>
               </a:rPr>
               <a:t>mfeeney@fanshawec.ca</a:t>
             </a:r>
-            <a:endParaRPr lang="en-CA" sz="2000" dirty="0" smtClean="0"/>
+            <a:endParaRPr lang="en-CA" sz="2000" dirty="0"/>
           </a:p>
           <a:p>
             <a:pPr eaLnBrk="1" hangingPunct="1"/>
             <a:r>
-              <a:rPr lang="en-CA" sz="1400" dirty="0" smtClean="0"/>
+              <a:rPr lang="en-CA" sz="1400" dirty="0"/>
               <a:t>(Note: </a:t>
             </a:r>
             <a:r>
-              <a:rPr lang="en-CA" sz="1400" dirty="0" smtClean="0">
+              <a:rPr lang="en-CA" sz="1400" dirty="0">
                 <a:hlinkClick r:id="rId3"/>
               </a:rPr>
               <a:t>mfeeney@fanshawe</a:t>
             </a:r>
             <a:r>
-              <a:rPr lang="en-CA" sz="1400" u="sng" dirty="0" smtClean="0">
+              <a:rPr lang="en-CA" sz="1400" u="sng" dirty="0">
                 <a:hlinkClick r:id="rId3"/>
               </a:rPr>
               <a:t>online.ca</a:t>
             </a:r>
             <a:r>
-              <a:rPr lang="en-CA" sz="1400" dirty="0" smtClean="0"/>
+              <a:rPr lang="en-CA" sz="1400" dirty="0"/>
               <a:t> forwards to the above e-mail)</a:t>
             </a:r>
           </a:p>
@@ -12447,17 +12357,7 @@
                   </a:schemeClr>
                 </a:solidFill>
               </a:rPr>
-              <a:t> about </a:t>
-            </a:r>
-            <a:r>
-              <a:rPr lang="en-US" sz="3200" dirty="0" smtClean="0">
-                <a:solidFill>
-                  <a:schemeClr val="tx2">
-                    <a:satMod val="200000"/>
-                  </a:schemeClr>
-                </a:solidFill>
-              </a:rPr>
-              <a:t>(3a/5)?</a:t>
+              <a:t> about (3a/5)?</a:t>
             </a:r>
             <a:endParaRPr lang="en-CA" sz="3200" dirty="0">
               <a:solidFill>
@@ -12495,7 +12395,7 @@
               </a:lnSpc>
             </a:pPr>
             <a:r>
-              <a:rPr lang="en-US" sz="2400" dirty="0" smtClean="0"/>
+              <a:rPr lang="en-US" sz="2400" dirty="0"/>
               <a:t>“Stupid” unnecessary programming/C++ stuff:</a:t>
             </a:r>
           </a:p>
@@ -12506,7 +12406,7 @@
               </a:lnSpc>
             </a:pPr>
             <a:r>
-              <a:rPr lang="en-US" sz="2000" dirty="0" smtClean="0"/>
+              <a:rPr lang="en-US" sz="2000" dirty="0"/>
               <a:t>Pointless (aka. unnecessary) templates</a:t>
             </a:r>
           </a:p>
@@ -12517,7 +12417,7 @@
               </a:lnSpc>
             </a:pPr>
             <a:r>
-              <a:rPr lang="en-US" sz="1800" dirty="0" smtClean="0"/>
+              <a:rPr lang="en-US" sz="1800" dirty="0"/>
               <a:t>Why use templates, BTW? Really, what are they for?</a:t>
             </a:r>
           </a:p>
@@ -12528,22 +12428,22 @@
               </a:lnSpc>
             </a:pPr>
             <a:r>
-              <a:rPr lang="en-US" sz="1800" dirty="0" smtClean="0"/>
+              <a:rPr lang="en-US" sz="1800" dirty="0"/>
               <a:t>Note: I </a:t>
             </a:r>
             <a:r>
-              <a:rPr lang="en-US" sz="1800" i="1" dirty="0" smtClean="0"/>
+              <a:rPr lang="en-US" sz="1800" i="1" dirty="0"/>
               <a:t>didn’t </a:t>
             </a:r>
             <a:r>
-              <a:rPr lang="en-US" sz="1800" dirty="0" smtClean="0"/>
+              <a:rPr lang="en-US" sz="1800" dirty="0"/>
               <a:t>say “templates == bad”. </a:t>
             </a:r>
             <a:br>
-              <a:rPr lang="en-US" sz="1800" dirty="0" smtClean="0"/>
+              <a:rPr lang="en-US" sz="1800" dirty="0"/>
             </a:br>
             <a:r>
-              <a:rPr lang="en-US" sz="1800" dirty="0" smtClean="0"/>
+              <a:rPr lang="en-US" sz="1800" dirty="0"/>
               <a:t>Why are you making that function/method/class a template?</a:t>
             </a:r>
           </a:p>
@@ -12554,15 +12454,15 @@
               </a:lnSpc>
             </a:pPr>
             <a:r>
-              <a:rPr lang="en-US" sz="1600" dirty="0" smtClean="0"/>
+              <a:rPr lang="en-US" sz="1600" dirty="0"/>
               <a:t>If it’s because “it makes it better”, then you’re </a:t>
             </a:r>
             <a:r>
-              <a:rPr lang="en-US" sz="1600" strike="dblStrike" dirty="0" smtClean="0"/>
+              <a:rPr lang="en-US" sz="1600" strike="dblStrike" dirty="0"/>
               <a:t>an idiot</a:t>
             </a:r>
             <a:r>
-              <a:rPr lang="en-US" sz="1600" dirty="0" smtClean="0"/>
+              <a:rPr lang="en-US" sz="1600" dirty="0"/>
               <a:t> misinformed. </a:t>
             </a:r>
           </a:p>
@@ -12573,10 +12473,10 @@
               </a:lnSpc>
             </a:pPr>
             <a:r>
-              <a:rPr lang="en-US" sz="2000" dirty="0" smtClean="0"/>
+              <a:rPr lang="en-US" sz="2000" dirty="0"/>
               <a:t>Pointless (unnecessary) classes/inheritance</a:t>
             </a:r>
-            <a:endParaRPr lang="en-US" sz="1800" dirty="0" smtClean="0"/>
+            <a:endParaRPr lang="en-US" sz="1800" dirty="0"/>
           </a:p>
           <a:p>
             <a:pPr lvl="1" eaLnBrk="1" hangingPunct="1">
@@ -12585,7 +12485,7 @@
               </a:lnSpc>
             </a:pPr>
             <a:r>
-              <a:rPr lang="en-US" sz="2000" dirty="0" smtClean="0"/>
+              <a:rPr lang="en-US" sz="2000" dirty="0"/>
               <a:t>Any combination of the words “best” and “algorithm” </a:t>
             </a:r>
           </a:p>
@@ -12596,7 +12496,7 @@
               </a:lnSpc>
             </a:pPr>
             <a:r>
-              <a:rPr lang="en-US" sz="2400" dirty="0" smtClean="0"/>
+              <a:rPr lang="en-US" sz="2400" dirty="0"/>
               <a:t>Why do you even program? Why use a computer?</a:t>
             </a:r>
           </a:p>
@@ -12607,7 +12507,7 @@
               </a:lnSpc>
             </a:pPr>
             <a:r>
-              <a:rPr lang="en-US" sz="2000" b="1" dirty="0" smtClean="0">
+              <a:rPr lang="en-US" sz="2000" b="1" dirty="0">
                 <a:solidFill>
                   <a:srgbClr val="00B0F0"/>
                 </a:solidFill>
@@ -12615,7 +12515,7 @@
               <a:t>The “point” of programming is to </a:t>
             </a:r>
             <a:r>
-              <a:rPr lang="en-US" sz="2000" b="1" u="sng" dirty="0" smtClean="0">
+              <a:rPr lang="en-US" sz="2000" b="1" u="sng" dirty="0">
                 <a:solidFill>
                   <a:srgbClr val="00B0F0"/>
                 </a:solidFill>
@@ -12623,7 +12523,7 @@
               <a:t>make something</a:t>
             </a:r>
             <a:r>
-              <a:rPr lang="en-US" sz="2000" b="1" dirty="0" smtClean="0">
+              <a:rPr lang="en-US" sz="2000" b="1" dirty="0">
                 <a:solidFill>
                   <a:srgbClr val="00B0F0"/>
                 </a:solidFill>
@@ -12638,7 +12538,7 @@
               </a:lnSpc>
             </a:pPr>
             <a:r>
-              <a:rPr lang="en-US" sz="2000" dirty="0" smtClean="0"/>
+              <a:rPr lang="en-US" sz="2000" dirty="0"/>
               <a:t>Read that line above, again.</a:t>
             </a:r>
           </a:p>
@@ -12649,15 +12549,15 @@
               </a:lnSpc>
             </a:pPr>
             <a:r>
-              <a:rPr lang="en-US" sz="2000" dirty="0" smtClean="0"/>
+              <a:rPr lang="en-US" sz="2000" dirty="0"/>
               <a:t>Unlike life, it’s the </a:t>
             </a:r>
             <a:r>
-              <a:rPr lang="en-US" sz="2000" i="1" dirty="0" smtClean="0"/>
+              <a:rPr lang="en-US" sz="2000" i="1" dirty="0"/>
               <a:t>destination </a:t>
             </a:r>
             <a:r>
-              <a:rPr lang="en-US" sz="2000" dirty="0" smtClean="0"/>
+              <a:rPr lang="en-US" sz="2000" dirty="0"/>
               <a:t>NOT the journey.</a:t>
             </a:r>
           </a:p>
@@ -12667,7 +12567,7 @@
                 <a:spcPct val="90000"/>
               </a:lnSpc>
             </a:pPr>
-            <a:endParaRPr lang="en-CA" sz="1600" dirty="0" smtClean="0"/>
+            <a:endParaRPr lang="en-CA" sz="1600" dirty="0"/>
           </a:p>
         </p:txBody>
       </p:sp>
@@ -13429,17 +13329,7 @@
                   </a:schemeClr>
                 </a:solidFill>
               </a:rPr>
-              <a:t> about </a:t>
-            </a:r>
-            <a:r>
-              <a:rPr lang="en-US" sz="3200" dirty="0" smtClean="0">
-                <a:solidFill>
-                  <a:schemeClr val="tx2">
-                    <a:satMod val="200000"/>
-                  </a:schemeClr>
-                </a:solidFill>
-              </a:rPr>
-              <a:t>(3b/5)?</a:t>
+              <a:t> about (3b/5)?</a:t>
             </a:r>
             <a:endParaRPr lang="en-CA" sz="3200" dirty="0">
               <a:solidFill>
@@ -13477,7 +13367,7 @@
               </a:lnSpc>
             </a:pPr>
             <a:r>
-              <a:rPr lang="en-US" sz="2400" dirty="0" smtClean="0"/>
+              <a:rPr lang="en-US" sz="2400" dirty="0"/>
               <a:t>Making “the trivial” impossible to understand</a:t>
             </a:r>
           </a:p>
@@ -13488,11 +13378,11 @@
               </a:lnSpc>
             </a:pPr>
             <a:r>
-              <a:rPr lang="en-US" sz="2000" u="sng" dirty="0" smtClean="0"/>
+              <a:rPr lang="en-US" sz="2000" u="sng" dirty="0"/>
               <a:t>Supposed</a:t>
             </a:r>
             <a:r>
-              <a:rPr lang="en-US" sz="2000" dirty="0" smtClean="0"/>
+              <a:rPr lang="en-US" sz="2000" dirty="0"/>
               <a:t> to be: making the complicated, simpler</a:t>
             </a:r>
           </a:p>
@@ -13503,7 +13393,7 @@
               </a:lnSpc>
             </a:pPr>
             <a:r>
-              <a:rPr lang="en-US" sz="2400" dirty="0" smtClean="0"/>
+              <a:rPr lang="en-US" sz="2400" dirty="0"/>
               <a:t>If you can’t follow the code (in minutes), then it’s:</a:t>
             </a:r>
           </a:p>
@@ -13514,7 +13404,7 @@
               </a:lnSpc>
             </a:pPr>
             <a:r>
-              <a:rPr lang="en-US" sz="2000" dirty="0" smtClean="0"/>
+              <a:rPr lang="en-US" sz="2000" dirty="0"/>
               <a:t>Inherently super complicated (hardly ever the case)</a:t>
             </a:r>
           </a:p>
@@ -13525,7 +13415,7 @@
               </a:lnSpc>
             </a:pPr>
             <a:r>
-              <a:rPr lang="en-US" sz="2000" dirty="0" smtClean="0"/>
+              <a:rPr lang="en-US" sz="2000" dirty="0"/>
               <a:t>It’s garbage:</a:t>
             </a:r>
           </a:p>
@@ -13536,13 +13426,13 @@
               </a:lnSpc>
             </a:pPr>
             <a:r>
-              <a:rPr lang="en-US" sz="1800" dirty="0" smtClean="0">
+              <a:rPr lang="en-US" sz="1800" dirty="0">
                 <a:hlinkClick r:id="rId2"/>
               </a:rPr>
               <a:t>http://firstround.com/article/why-firing-brilliant-assholes-is-required-to-build-a-great-engineering-culture</a:t>
             </a:r>
             <a:r>
-              <a:rPr lang="en-US" sz="1800" dirty="0" smtClean="0"/>
+              <a:rPr lang="en-US" sz="1800" dirty="0"/>
               <a:t> </a:t>
             </a:r>
           </a:p>
@@ -13553,13 +13443,13 @@
               </a:lnSpc>
             </a:pPr>
             <a:r>
-              <a:rPr lang="en-US" sz="1800" dirty="0" smtClean="0">
+              <a:rPr lang="en-US" sz="1800" dirty="0">
                 <a:hlinkClick r:id="rId3"/>
               </a:rPr>
               <a:t>http://scottberkun.com/2007/asshole-driven-development/</a:t>
             </a:r>
             <a:r>
-              <a:rPr lang="en-US" sz="1800" dirty="0" smtClean="0"/>
+              <a:rPr lang="en-US" sz="1800" dirty="0"/>
               <a:t> </a:t>
             </a:r>
           </a:p>
@@ -13570,13 +13460,13 @@
               </a:lnSpc>
             </a:pPr>
             <a:r>
-              <a:rPr lang="en-US" sz="1800" dirty="0" smtClean="0">
+              <a:rPr lang="en-US" sz="1800" dirty="0">
                 <a:hlinkClick r:id="rId4"/>
               </a:rPr>
               <a:t>http://andytroutman.com/articles/2013/01/24/rockstar-programmers-are-not-assholes.html</a:t>
             </a:r>
             <a:r>
-              <a:rPr lang="en-US" sz="1800" dirty="0" smtClean="0"/>
+              <a:rPr lang="en-US" sz="1800" dirty="0"/>
               <a:t> </a:t>
             </a:r>
           </a:p>
@@ -13587,13 +13477,13 @@
               </a:lnSpc>
             </a:pPr>
             <a:r>
-              <a:rPr lang="en-US" sz="1800" dirty="0" smtClean="0">
+              <a:rPr lang="en-US" sz="1800" dirty="0">
                 <a:hlinkClick r:id="rId5"/>
               </a:rPr>
               <a:t>https://www.youtube.com/watch?v=P3fqetErxjA</a:t>
             </a:r>
             <a:r>
-              <a:rPr lang="en-US" sz="1800" dirty="0" smtClean="0"/>
+              <a:rPr lang="en-US" sz="1800" dirty="0"/>
               <a:t> (5 second rule)</a:t>
             </a:r>
           </a:p>
@@ -13603,7 +13493,7 @@
                 <a:spcPct val="90000"/>
               </a:lnSpc>
             </a:pPr>
-            <a:endParaRPr lang="en-CA" sz="1600" dirty="0" smtClean="0"/>
+            <a:endParaRPr lang="en-CA" sz="1600" dirty="0"/>
           </a:p>
         </p:txBody>
       </p:sp>
@@ -14243,17 +14133,7 @@
                   </a:schemeClr>
                 </a:solidFill>
               </a:rPr>
-              <a:t> about </a:t>
-            </a:r>
-            <a:r>
-              <a:rPr lang="en-US" sz="2800" dirty="0" smtClean="0">
-                <a:solidFill>
-                  <a:schemeClr val="tx2">
-                    <a:satMod val="200000"/>
-                  </a:schemeClr>
-                </a:solidFill>
-              </a:rPr>
-              <a:t>(4/5)?</a:t>
+              <a:t> about (4/5)?</a:t>
             </a:r>
             <a:endParaRPr lang="en-CA" sz="2800" dirty="0">
               <a:solidFill>
@@ -14291,19 +14171,19 @@
               </a:lnSpc>
             </a:pPr>
             <a:r>
-              <a:rPr lang="en-US" sz="2800" b="1" dirty="0" smtClean="0"/>
+              <a:rPr lang="en-US" sz="2800" b="1" dirty="0"/>
               <a:t>boost</a:t>
             </a:r>
             <a:r>
-              <a:rPr lang="en-US" sz="2800" dirty="0" smtClean="0"/>
+              <a:rPr lang="en-US" sz="2800" dirty="0"/>
               <a:t> and other 3</a:t>
             </a:r>
             <a:r>
-              <a:rPr lang="en-US" sz="2800" baseline="30000" dirty="0" smtClean="0"/>
+              <a:rPr lang="en-US" sz="2800" baseline="30000" dirty="0"/>
               <a:t>rd</a:t>
             </a:r>
             <a:r>
-              <a:rPr lang="en-US" sz="2800" dirty="0" smtClean="0"/>
+              <a:rPr lang="en-US" sz="2800" dirty="0"/>
               <a:t> party libraries. </a:t>
             </a:r>
           </a:p>
@@ -14314,49 +14194,49 @@
               </a:lnSpc>
             </a:pPr>
             <a:r>
-              <a:rPr lang="en-US" sz="2000" dirty="0" smtClean="0"/>
+              <a:rPr lang="en-US" sz="2000" dirty="0"/>
               <a:t>So to clarify: </a:t>
             </a:r>
             <a:r>
-              <a:rPr lang="en-US" sz="2000" b="1" u="sng" dirty="0" smtClean="0"/>
+              <a:rPr lang="en-US" sz="2000" b="1" u="sng" dirty="0"/>
               <a:t>NO</a:t>
             </a:r>
             <a:r>
-              <a:rPr lang="en-US" sz="2000" dirty="0" smtClean="0"/>
+              <a:rPr lang="en-US" sz="2000" dirty="0"/>
               <a:t> boost or any other 3</a:t>
             </a:r>
             <a:r>
-              <a:rPr lang="en-US" sz="2000" baseline="30000" dirty="0" smtClean="0"/>
+              <a:rPr lang="en-US" sz="2000" baseline="30000" dirty="0"/>
               <a:t>rd</a:t>
             </a:r>
             <a:r>
-              <a:rPr lang="en-US" sz="2000" dirty="0" smtClean="0"/>
+              <a:rPr lang="en-US" sz="2000" dirty="0"/>
               <a:t> party libraries “</a:t>
             </a:r>
             <a:r>
-              <a:rPr lang="en-US" sz="2000" u="sng" dirty="0" smtClean="0"/>
+              <a:rPr lang="en-US" sz="2000" u="sng" dirty="0"/>
               <a:t>general</a:t>
             </a:r>
             <a:r>
-              <a:rPr lang="en-US" sz="2000" dirty="0" smtClean="0"/>
+              <a:rPr lang="en-US" sz="2000" dirty="0"/>
               <a:t>” C/C++ libraries </a:t>
             </a:r>
             <a:br>
-              <a:rPr lang="en-US" sz="2000" dirty="0" smtClean="0"/>
+              <a:rPr lang="en-US" sz="2000" dirty="0"/>
             </a:br>
             <a:r>
-              <a:rPr lang="en-US" sz="1800" dirty="0" smtClean="0"/>
+              <a:rPr lang="en-US" sz="1800" dirty="0"/>
               <a:t>(</a:t>
             </a:r>
             <a:r>
-              <a:rPr lang="en-US" sz="1800" dirty="0" err="1" smtClean="0"/>
+              <a:rPr lang="en-US" sz="1800" dirty="0" err="1"/>
               <a:t>glm</a:t>
             </a:r>
             <a:r>
-              <a:rPr lang="en-US" sz="1800" dirty="0" smtClean="0"/>
+              <a:rPr lang="en-US" sz="1800" dirty="0"/>
               <a:t>/glad, etc. are math/graphics, so not “general”)</a:t>
             </a:r>
-            <a:endParaRPr lang="en-US" sz="2000" dirty="0" smtClean="0"/>
+            <a:endParaRPr lang="en-US" sz="2000" dirty="0"/>
           </a:p>
           <a:p>
             <a:pPr lvl="1" eaLnBrk="1" hangingPunct="1">
@@ -14365,23 +14245,23 @@
               </a:lnSpc>
             </a:pPr>
             <a:r>
-              <a:rPr lang="en-US" sz="2000" i="1" u="sng" dirty="0" smtClean="0"/>
+              <a:rPr lang="en-US" sz="2000" i="1" u="sng" dirty="0"/>
               <a:t>If you use boost in your exams or projects, they will </a:t>
             </a:r>
             <a:r>
-              <a:rPr lang="en-US" sz="2000" b="1" i="1" u="sng" dirty="0" smtClean="0"/>
+              <a:rPr lang="en-US" sz="2000" b="1" i="1" u="sng" dirty="0"/>
               <a:t>not</a:t>
             </a:r>
             <a:r>
-              <a:rPr lang="en-US" sz="2000" i="1" u="sng" dirty="0" smtClean="0"/>
+              <a:rPr lang="en-US" sz="2000" i="1" u="sng" dirty="0"/>
               <a:t> be marked</a:t>
             </a:r>
             <a:r>
-              <a:rPr lang="en-US" sz="2000" i="1" dirty="0" smtClean="0"/>
+              <a:rPr lang="en-US" sz="2000" i="1" dirty="0"/>
               <a:t>. </a:t>
             </a:r>
             <a:r>
-              <a:rPr lang="en-US" sz="2000" dirty="0" smtClean="0"/>
+              <a:rPr lang="en-US" sz="2000" dirty="0"/>
               <a:t>Find another way.</a:t>
             </a:r>
           </a:p>
@@ -14392,23 +14272,23 @@
               </a:lnSpc>
             </a:pPr>
             <a:r>
-              <a:rPr lang="en-US" sz="2000" dirty="0" smtClean="0"/>
+              <a:rPr lang="en-US" sz="2000" dirty="0"/>
               <a:t>If you *really* need some 3</a:t>
             </a:r>
             <a:r>
-              <a:rPr lang="en-US" sz="2000" baseline="30000" dirty="0" smtClean="0"/>
+              <a:rPr lang="en-US" sz="2000" baseline="30000" dirty="0"/>
               <a:t>rd</a:t>
             </a:r>
             <a:r>
-              <a:rPr lang="en-US" sz="2000" dirty="0" smtClean="0"/>
+              <a:rPr lang="en-US" sz="2000" dirty="0"/>
               <a:t> party library (and you </a:t>
             </a:r>
             <a:r>
-              <a:rPr lang="en-US" sz="2000" u="sng" dirty="0" smtClean="0"/>
+              <a:rPr lang="en-US" sz="2000" u="sng" dirty="0"/>
               <a:t>don’t</a:t>
             </a:r>
             <a:r>
-              <a:rPr lang="en-US" sz="2000" dirty="0" smtClean="0"/>
+              <a:rPr lang="en-US" sz="2000" dirty="0"/>
               <a:t> BTW), then clear it for me first. But really? You “need” it? </a:t>
             </a:r>
           </a:p>
@@ -14419,7 +14299,7 @@
               </a:lnSpc>
             </a:pPr>
             <a:r>
-              <a:rPr lang="en-US" sz="2400" dirty="0" smtClean="0"/>
+              <a:rPr lang="en-US" sz="2400" dirty="0"/>
               <a:t>boost is fine and all, but:</a:t>
             </a:r>
           </a:p>
@@ -14430,15 +14310,15 @@
               </a:lnSpc>
             </a:pPr>
             <a:r>
-              <a:rPr lang="en-US" sz="2000" dirty="0" smtClean="0"/>
+              <a:rPr lang="en-US" sz="2000" dirty="0"/>
               <a:t>boost is </a:t>
             </a:r>
             <a:r>
-              <a:rPr lang="en-US" sz="2000" b="1" i="1" dirty="0" smtClean="0"/>
+              <a:rPr lang="en-US" sz="2000" b="1" i="1" dirty="0"/>
               <a:t>*written in* </a:t>
             </a:r>
             <a:r>
-              <a:rPr lang="en-US" sz="2000" dirty="0" smtClean="0"/>
+              <a:rPr lang="en-US" sz="2000" dirty="0"/>
               <a:t>C++, but</a:t>
             </a:r>
           </a:p>
@@ -14449,15 +14329,15 @@
               </a:lnSpc>
             </a:pPr>
             <a:r>
-              <a:rPr lang="en-US" sz="2000" dirty="0" smtClean="0"/>
+              <a:rPr lang="en-US" sz="2000" dirty="0"/>
               <a:t>boost </a:t>
             </a:r>
             <a:r>
-              <a:rPr lang="en-US" sz="2000" b="1" dirty="0" smtClean="0"/>
+              <a:rPr lang="en-US" sz="2000" b="1" dirty="0"/>
               <a:t>!=</a:t>
             </a:r>
             <a:r>
-              <a:rPr lang="en-US" sz="2000" dirty="0" smtClean="0"/>
+              <a:rPr lang="en-US" sz="2000" dirty="0"/>
               <a:t> C++</a:t>
             </a:r>
           </a:p>
@@ -15241,17 +15121,7 @@
                   </a:schemeClr>
                 </a:solidFill>
               </a:rPr>
-              <a:t> about </a:t>
-            </a:r>
-            <a:r>
-              <a:rPr lang="en-US" sz="3200" dirty="0" smtClean="0">
-                <a:solidFill>
-                  <a:schemeClr val="tx2">
-                    <a:satMod val="200000"/>
-                  </a:schemeClr>
-                </a:solidFill>
-              </a:rPr>
-              <a:t>(5/5)?</a:t>
+              <a:t> about (5/5)?</a:t>
             </a:r>
             <a:endParaRPr lang="en-CA" sz="3200" dirty="0">
               <a:solidFill>
@@ -15289,7 +15159,7 @@
               </a:lnSpc>
             </a:pPr>
             <a:r>
-              <a:rPr lang="en-US" sz="2800" dirty="0" smtClean="0"/>
+              <a:rPr lang="en-US" sz="2800" dirty="0"/>
               <a:t>C++11/14/17/20/Whatever </a:t>
             </a:r>
           </a:p>
@@ -15300,7 +15170,7 @@
               </a:lnSpc>
             </a:pPr>
             <a:r>
-              <a:rPr lang="en-US" sz="2000" dirty="0" smtClean="0"/>
+              <a:rPr lang="en-US" sz="2000" dirty="0"/>
               <a:t>This is the ever changing C++ standard</a:t>
             </a:r>
           </a:p>
@@ -15311,10 +15181,10 @@
               </a:lnSpc>
             </a:pPr>
             <a:r>
-              <a:rPr lang="en-US" sz="2000" dirty="0" smtClean="0"/>
+              <a:rPr lang="en-US" sz="2000" dirty="0"/>
               <a:t>Remember that the last standard was…</a:t>
             </a:r>
-            <a:endParaRPr lang="en-US" sz="1800" dirty="0" smtClean="0"/>
+            <a:endParaRPr lang="en-US" sz="1800" dirty="0"/>
           </a:p>
           <a:p>
             <a:pPr lvl="2" eaLnBrk="1" hangingPunct="1">
@@ -15323,11 +15193,11 @@
               </a:lnSpc>
             </a:pPr>
             <a:r>
-              <a:rPr lang="en-US" sz="1600" dirty="0" err="1" smtClean="0"/>
+              <a:rPr lang="en-US" sz="1600" dirty="0" err="1"/>
               <a:t>Hmmmm</a:t>
             </a:r>
             <a:r>
-              <a:rPr lang="en-US" sz="1600" dirty="0" smtClean="0"/>
+              <a:rPr lang="en-US" sz="1600" dirty="0"/>
               <a:t>, things were A.O.K. for 16 years….</a:t>
             </a:r>
           </a:p>
@@ -15338,7 +15208,7 @@
               </a:lnSpc>
             </a:pPr>
             <a:r>
-              <a:rPr lang="en-US" sz="2000" dirty="0" smtClean="0"/>
+              <a:rPr lang="en-US" sz="2000" dirty="0"/>
               <a:t>Keep in mind that “new and sexy” isn’t the same thing as “better” or “actually used in industry”</a:t>
             </a:r>
           </a:p>
@@ -15349,7 +15219,7 @@
               </a:lnSpc>
             </a:pPr>
             <a:r>
-              <a:rPr lang="en-US" sz="2000" dirty="0" smtClean="0"/>
+              <a:rPr lang="en-US" sz="2000" dirty="0"/>
               <a:t>The committee doesn’t actually represent the industry </a:t>
             </a:r>
           </a:p>
@@ -15360,7 +15230,7 @@
               </a:lnSpc>
             </a:pPr>
             <a:r>
-              <a:rPr lang="en-US" sz="1800" dirty="0" smtClean="0"/>
+              <a:rPr lang="en-US" sz="1800" dirty="0"/>
               <a:t>Look it up – see who’s on it</a:t>
             </a:r>
           </a:p>
@@ -15371,7 +15241,7 @@
               </a:lnSpc>
             </a:pPr>
             <a:r>
-              <a:rPr lang="en-US" sz="2000" dirty="0" smtClean="0"/>
+              <a:rPr lang="en-US" sz="2000" dirty="0"/>
               <a:t>Not really widely adopted (see 1998 point, above)</a:t>
             </a:r>
           </a:p>
@@ -15382,7 +15252,7 @@
               </a:lnSpc>
             </a:pPr>
             <a:r>
-              <a:rPr lang="en-US" sz="2000" dirty="0" smtClean="0"/>
+              <a:rPr lang="en-US" sz="2000" dirty="0"/>
               <a:t>Many people don’t even use the STL (or even templates), so good luck using C++11. Many only just support C++98</a:t>
             </a:r>
           </a:p>
@@ -15393,7 +15263,7 @@
               </a:lnSpc>
             </a:pPr>
             <a:r>
-              <a:rPr lang="en-US" sz="2000" dirty="0" smtClean="0"/>
+              <a:rPr lang="en-US" sz="2000" dirty="0"/>
               <a:t>Some systems don’t even support C++…</a:t>
             </a:r>
           </a:p>
@@ -15469,7 +15339,7 @@
           <a:lstStyle/>
           <a:p>
             <a:r>
-              <a:rPr lang="en-US" sz="2000" dirty="0" smtClean="0">
+              <a:rPr lang="en-US" sz="2000" dirty="0">
                 <a:latin typeface="+mn-lt"/>
                 <a:cs typeface="+mn-cs"/>
               </a:rPr>
@@ -15478,13 +15348,13 @@
           </a:p>
           <a:p>
             <a:r>
-              <a:rPr lang="en-US" sz="2000" i="1" dirty="0" smtClean="0">
+              <a:rPr lang="en-US" sz="2000" i="1" dirty="0">
                 <a:latin typeface="+mn-lt"/>
                 <a:cs typeface="+mn-cs"/>
               </a:rPr>
               <a:t>(as in 1998)</a:t>
             </a:r>
-            <a:endParaRPr lang="en-CA" sz="2000" i="1" dirty="0" smtClean="0">
+            <a:endParaRPr lang="en-CA" sz="2000" i="1" dirty="0">
               <a:latin typeface="+mn-lt"/>
               <a:cs typeface="+mn-cs"/>
             </a:endParaRPr>
@@ -15514,13 +15384,13 @@
           <a:lstStyle/>
           <a:p>
             <a:r>
-              <a:rPr lang="en-US" sz="2000" dirty="0" smtClean="0">
+              <a:rPr lang="en-US" sz="2000" dirty="0">
                 <a:latin typeface="+mn-lt"/>
                 <a:cs typeface="+mn-cs"/>
               </a:rPr>
               <a:t>wait for it…</a:t>
             </a:r>
-            <a:endParaRPr lang="en-CA" sz="2000" dirty="0" smtClean="0">
+            <a:endParaRPr lang="en-CA" sz="2000" dirty="0">
               <a:latin typeface="+mn-lt"/>
               <a:cs typeface="+mn-cs"/>
             </a:endParaRPr>
@@ -16330,7 +16200,7 @@
               <a:defRPr/>
             </a:pPr>
             <a:r>
-              <a:rPr lang="en-US" sz="2800" dirty="0" smtClean="0">
+              <a:rPr lang="en-US" sz="2800" dirty="0">
                 <a:solidFill>
                   <a:schemeClr val="tx2">
                     <a:satMod val="200000"/>
@@ -16375,7 +16245,7 @@
               </a:lnSpc>
             </a:pPr>
             <a:r>
-              <a:rPr lang="en-US" sz="2000" dirty="0" smtClean="0"/>
+              <a:rPr lang="en-US" sz="2000" dirty="0"/>
               <a:t>NOT a “fundamental change” to the language</a:t>
             </a:r>
           </a:p>
@@ -16386,7 +16256,7 @@
               </a:lnSpc>
             </a:pPr>
             <a:r>
-              <a:rPr lang="en-US" sz="2000" dirty="0" smtClean="0"/>
+              <a:rPr lang="en-US" sz="2000" dirty="0"/>
               <a:t>Slight change at best</a:t>
             </a:r>
           </a:p>
@@ -16397,7 +16267,7 @@
               </a:lnSpc>
             </a:pPr>
             <a:r>
-              <a:rPr lang="en-US" sz="2000" dirty="0" smtClean="0"/>
+              <a:rPr lang="en-US" sz="2000" dirty="0"/>
               <a:t>Superficial/sort-of-helpful “prettiness” features</a:t>
             </a:r>
           </a:p>
@@ -16408,7 +16278,7 @@
               </a:lnSpc>
             </a:pPr>
             <a:r>
-              <a:rPr lang="en-US" sz="2000" dirty="0" smtClean="0"/>
+              <a:rPr lang="en-US" sz="2000" dirty="0"/>
               <a:t>Lambda functions: </a:t>
             </a:r>
           </a:p>
@@ -16419,7 +16289,7 @@
               </a:lnSpc>
             </a:pPr>
             <a:r>
-              <a:rPr lang="en-US" sz="1400" dirty="0" smtClean="0"/>
+              <a:rPr lang="en-US" sz="1400" dirty="0"/>
               <a:t>Neat, but now people are writing ones that are multiple screens long, defeating the purpose… what do they replace, by the way?</a:t>
             </a:r>
           </a:p>
@@ -16430,11 +16300,11 @@
               </a:lnSpc>
             </a:pPr>
             <a:r>
-              <a:rPr lang="en-US" sz="2000" dirty="0" err="1" smtClean="0"/>
+              <a:rPr lang="en-US" sz="2000" dirty="0" err="1"/>
               <a:t>foreach</a:t>
             </a:r>
             <a:r>
-              <a:rPr lang="en-US" sz="2000" dirty="0" smtClean="0"/>
+              <a:rPr lang="en-US" sz="2000" dirty="0"/>
               <a:t>: sure, but is wring a “for” /that/ hard, muffin?</a:t>
             </a:r>
           </a:p>
@@ -16445,11 +16315,11 @@
               </a:lnSpc>
             </a:pPr>
             <a:r>
-              <a:rPr lang="en-US" sz="2000" dirty="0" err="1" smtClean="0"/>
+              <a:rPr lang="en-US" sz="2000" dirty="0" err="1"/>
               <a:t>nullptr</a:t>
             </a:r>
             <a:r>
-              <a:rPr lang="en-US" sz="2000" dirty="0" smtClean="0"/>
+              <a:rPr lang="en-US" sz="2000" dirty="0"/>
               <a:t>: yeah, that’s sort of a good thing</a:t>
             </a:r>
           </a:p>
@@ -16460,7 +16330,7 @@
               </a:lnSpc>
             </a:pPr>
             <a:r>
-              <a:rPr lang="en-US" sz="2000" dirty="0" smtClean="0"/>
+              <a:rPr lang="en-US" sz="2000" dirty="0"/>
               <a:t>“move” semantic: yeah, that’s nice, too</a:t>
             </a:r>
           </a:p>
@@ -16471,18 +16341,18 @@
               </a:lnSpc>
             </a:pPr>
             <a:r>
-              <a:rPr lang="en-US" sz="2000" dirty="0" err="1" smtClean="0"/>
+              <a:rPr lang="en-US" sz="2000" dirty="0" err="1"/>
               <a:t>enum</a:t>
             </a:r>
             <a:r>
-              <a:rPr lang="en-US" sz="2000" dirty="0" smtClean="0"/>
+              <a:rPr lang="en-US" sz="2000" dirty="0"/>
               <a:t> improvements: sure, but </a:t>
             </a:r>
             <a:r>
-              <a:rPr lang="en-US" sz="2000" dirty="0" err="1" smtClean="0"/>
+              <a:rPr lang="en-US" sz="2000" dirty="0" err="1"/>
               <a:t>meh</a:t>
             </a:r>
-            <a:endParaRPr lang="en-US" sz="2000" dirty="0" smtClean="0"/>
+            <a:endParaRPr lang="en-US" sz="2000" dirty="0"/>
           </a:p>
           <a:p>
             <a:pPr eaLnBrk="1" hangingPunct="1">
@@ -16491,15 +16361,15 @@
               </a:lnSpc>
             </a:pPr>
             <a:r>
-              <a:rPr lang="en-US" sz="2000" dirty="0" smtClean="0"/>
+              <a:rPr lang="en-US" sz="2000" dirty="0"/>
               <a:t>Some good things: </a:t>
             </a:r>
             <a:r>
-              <a:rPr lang="en-US" sz="2000" dirty="0" err="1" smtClean="0"/>
+              <a:rPr lang="en-US" sz="2000" dirty="0" err="1"/>
               <a:t>noexcept</a:t>
             </a:r>
             <a:r>
-              <a:rPr lang="en-US" sz="2000" dirty="0" smtClean="0"/>
+              <a:rPr lang="en-US" sz="2000" dirty="0"/>
               <a:t>, etc.</a:t>
             </a:r>
           </a:p>
@@ -16509,7 +16379,7 @@
                 <a:spcPct val="90000"/>
               </a:lnSpc>
             </a:pPr>
-            <a:endParaRPr lang="en-CA" sz="2000" dirty="0" smtClean="0"/>
+            <a:endParaRPr lang="en-CA" sz="2000" dirty="0"/>
           </a:p>
         </p:txBody>
       </p:sp>
@@ -17291,7 +17161,7 @@
               <a:defRPr/>
             </a:pPr>
             <a:r>
-              <a:rPr lang="en-US" sz="2400" dirty="0" smtClean="0">
+              <a:rPr lang="en-US" sz="2400" dirty="0">
                 <a:solidFill>
                   <a:schemeClr val="tx2">
                     <a:satMod val="200000"/>
@@ -17336,7 +17206,7 @@
               </a:lnSpc>
             </a:pPr>
             <a:r>
-              <a:rPr lang="en-US" sz="2400" dirty="0" smtClean="0"/>
+              <a:rPr lang="en-US" sz="2400" dirty="0"/>
               <a:t>Examples of what the committee has said:</a:t>
             </a:r>
           </a:p>
@@ -17347,7 +17217,7 @@
               </a:lnSpc>
             </a:pPr>
             <a:r>
-              <a:rPr lang="en-US" sz="2000" dirty="0" smtClean="0"/>
+              <a:rPr lang="en-US" sz="2000" dirty="0"/>
               <a:t>They want to “deprecate raw pointers” and “remove C”</a:t>
             </a:r>
           </a:p>
@@ -17358,7 +17228,7 @@
               </a:lnSpc>
             </a:pPr>
             <a:r>
-              <a:rPr lang="en-US" sz="2000" dirty="0" smtClean="0"/>
+              <a:rPr lang="en-US" sz="2000" dirty="0"/>
               <a:t>They think that C++ has to be “improved” because it has fewer library functions than Java. </a:t>
             </a:r>
           </a:p>
@@ -17369,15 +17239,15 @@
               </a:lnSpc>
             </a:pPr>
             <a:r>
-              <a:rPr lang="en-US" sz="2000" dirty="0" smtClean="0"/>
+              <a:rPr lang="en-US" sz="2000" dirty="0"/>
               <a:t>Think “rand” is “worse than </a:t>
             </a:r>
             <a:r>
-              <a:rPr lang="en-US" sz="2000" dirty="0" err="1" smtClean="0"/>
+              <a:rPr lang="en-US" sz="2000" dirty="0" err="1"/>
               <a:t>goto</a:t>
             </a:r>
             <a:r>
-              <a:rPr lang="en-US" sz="2000" dirty="0" smtClean="0"/>
+              <a:rPr lang="en-US" sz="2000" dirty="0"/>
               <a:t>”. Really. </a:t>
             </a:r>
           </a:p>
@@ -17388,7 +17258,7 @@
               </a:lnSpc>
             </a:pPr>
             <a:r>
-              <a:rPr lang="en-US" sz="2000" dirty="0" smtClean="0"/>
+              <a:rPr lang="en-US" sz="2000" dirty="0"/>
               <a:t>Don’t listen to the industry at all: STL/Silicon Graphics, “space ship operator”, the list goes on.</a:t>
             </a:r>
           </a:p>
@@ -17399,7 +17269,7 @@
               </a:lnSpc>
             </a:pPr>
             <a:r>
-              <a:rPr lang="en-US" sz="2000" dirty="0" smtClean="0"/>
+              <a:rPr lang="en-US" sz="2000" dirty="0"/>
               <a:t>Most aren’t even developers – many are journalists </a:t>
             </a:r>
           </a:p>
@@ -17409,7 +17279,7 @@
                 <a:spcPct val="90000"/>
               </a:lnSpc>
             </a:pPr>
-            <a:endParaRPr lang="en-CA" sz="2400" dirty="0" smtClean="0"/>
+            <a:endParaRPr lang="en-CA" sz="2400" dirty="0"/>
           </a:p>
         </p:txBody>
       </p:sp>
@@ -17463,7 +17333,7 @@
     </p:spTree>
     <p:extLst>
       <p:ext uri="{BB962C8B-B14F-4D97-AF65-F5344CB8AC3E}">
-        <p14:creationId xmlns:p14="http://schemas.microsoft.com/office/powerpoint/2010/main" xmlns="" val="1861583964"/>
+        <p14:creationId xmlns:p14="http://schemas.microsoft.com/office/powerpoint/2010/main" val="1861583964"/>
       </p:ext>
     </p:extLst>
   </p:cSld>
@@ -17875,19 +17745,19 @@
           <a:lstStyle/>
           <a:p>
             <a:pPr algn="ctr"/>
-            <a:endParaRPr lang="en-CA" sz="1200" dirty="0" smtClean="0"/>
+            <a:endParaRPr lang="en-CA" sz="1200" dirty="0"/>
           </a:p>
           <a:p>
             <a:pPr algn="ctr"/>
             <a:r>
-              <a:rPr lang="en-CA" sz="1200" dirty="0" smtClean="0"/>
+              <a:rPr lang="en-CA" sz="1200" dirty="0"/>
               <a:t>Videos we’ll look at in a moment</a:t>
             </a:r>
           </a:p>
           <a:p>
             <a:pPr algn="ctr"/>
             <a:r>
-              <a:rPr lang="en-CA" sz="1200" dirty="0" smtClean="0">
+              <a:rPr lang="en-CA" sz="1200" dirty="0">
                 <a:hlinkClick r:id="rId2"/>
               </a:rPr>
               <a:t>https://youtu.be/PqU_ot4BlNQ?t=467</a:t>
@@ -17896,55 +17766,55 @@
           <a:p>
             <a:pPr algn="ctr"/>
             <a:r>
-              <a:rPr lang="en-CA" sz="1200" dirty="0" smtClean="0">
+              <a:rPr lang="en-CA" sz="1200" dirty="0">
                 <a:hlinkClick r:id="rId2"/>
               </a:rPr>
               <a:t>https://youtu.be/7P536lci5po?t=995</a:t>
             </a:r>
-            <a:endParaRPr lang="en-CA" sz="1200" dirty="0" smtClean="0"/>
+            <a:endParaRPr lang="en-CA" sz="1200" dirty="0"/>
           </a:p>
           <a:p>
             <a:pPr algn="ctr"/>
-            <a:endParaRPr lang="en-CA" sz="1200" dirty="0" smtClean="0"/>
+            <a:endParaRPr lang="en-CA" sz="1200" dirty="0"/>
           </a:p>
           <a:p>
             <a:pPr algn="ctr"/>
             <a:r>
-              <a:rPr lang="en-CA" sz="1200" dirty="0" smtClean="0">
+              <a:rPr lang="en-CA" sz="1200" dirty="0">
                 <a:hlinkClick r:id="rId3"/>
               </a:rPr>
               <a:t>https://youtu.be/7P536lci5po?t=2427</a:t>
             </a:r>
-            <a:endParaRPr lang="en-CA" sz="1200" dirty="0" smtClean="0"/>
+            <a:endParaRPr lang="en-CA" sz="1200" dirty="0"/>
           </a:p>
           <a:p>
             <a:pPr algn="ctr"/>
-            <a:endParaRPr lang="en-CA" sz="1200" dirty="0" smtClean="0"/>
+            <a:endParaRPr lang="en-CA" sz="1200" dirty="0"/>
           </a:p>
           <a:p>
             <a:pPr algn="ctr"/>
             <a:r>
-              <a:rPr lang="en-CA" sz="1200" dirty="0" smtClean="0">
+              <a:rPr lang="en-CA" sz="1200" dirty="0">
                 <a:hlinkClick r:id="rId4"/>
               </a:rPr>
               <a:t>https://channel9.msdn.com/Events/GoingNative/2013/rand-Considered-Harmful</a:t>
             </a:r>
-            <a:endParaRPr lang="en-CA" sz="1200" dirty="0" smtClean="0"/>
+            <a:endParaRPr lang="en-CA" sz="1200" dirty="0"/>
           </a:p>
           <a:p>
             <a:pPr algn="ctr"/>
-            <a:endParaRPr lang="en-CA" sz="1200" dirty="0" smtClean="0"/>
+            <a:endParaRPr lang="en-CA" sz="1200" dirty="0"/>
           </a:p>
           <a:p>
             <a:pPr algn="ctr"/>
             <a:r>
-              <a:rPr lang="en-CA" sz="1200" dirty="0" smtClean="0">
+              <a:rPr lang="en-CA" sz="1200" dirty="0">
                 <a:hlinkClick r:id="rId5"/>
               </a:rPr>
               <a:t>https://www.youtube.com/watch?v=rX0ItVEVjHc</a:t>
             </a:r>
             <a:r>
-              <a:rPr lang="en-CA" sz="1200" dirty="0" smtClean="0"/>
+              <a:rPr lang="en-CA" sz="1200" dirty="0"/>
               <a:t> </a:t>
             </a:r>
           </a:p>
@@ -17959,13 +17829,6 @@
   <p:clrMapOvr>
     <a:masterClrMapping/>
   </p:clrMapOvr>
-  <p:timing>
-    <p:tnLst>
-      <p:par>
-        <p:cTn id="1" dur="indefinite" restart="never" nodeType="tmRoot"/>
-      </p:par>
-    </p:tnLst>
-  </p:timing>
 </p:sld>
 </file>
 
@@ -18013,7 +17876,7 @@
               <a:defRPr/>
             </a:pPr>
             <a:r>
-              <a:rPr lang="en-US" sz="3200" dirty="0" smtClean="0">
+              <a:rPr lang="en-US" sz="3200" dirty="0">
                 <a:solidFill>
                   <a:schemeClr val="tx2">
                     <a:satMod val="200000"/>
@@ -18058,14 +17921,14 @@
               </a:lnSpc>
             </a:pPr>
             <a:r>
-              <a:rPr lang="en-US" sz="1800" dirty="0" smtClean="0"/>
+              <a:rPr lang="en-US" sz="1800" dirty="0"/>
               <a:t>Threading? Sure, but the “jury is still out” on </a:t>
             </a:r>
             <a:r>
-              <a:rPr lang="en-US" sz="1800" dirty="0" err="1" smtClean="0"/>
+              <a:rPr lang="en-US" sz="1800" dirty="0" err="1"/>
               <a:t>implemntation</a:t>
             </a:r>
-            <a:endParaRPr lang="en-US" sz="1800" dirty="0" smtClean="0"/>
+            <a:endParaRPr lang="en-US" sz="1800" dirty="0"/>
           </a:p>
           <a:p>
             <a:pPr lvl="1" eaLnBrk="1" hangingPunct="1">
@@ -18074,7 +17937,7 @@
               </a:lnSpc>
             </a:pPr>
             <a:r>
-              <a:rPr lang="en-US" sz="1600" dirty="0" smtClean="0"/>
+              <a:rPr lang="en-US" sz="1600" dirty="0"/>
               <a:t>At “C++ Now”, 2013, the Visual Studio guys suggested /not/ relying on it for speed… what now?</a:t>
             </a:r>
           </a:p>
@@ -18085,7 +17948,7 @@
               </a:lnSpc>
             </a:pPr>
             <a:r>
-              <a:rPr lang="en-US" sz="1600" dirty="0" smtClean="0"/>
+              <a:rPr lang="en-US" sz="1600" dirty="0"/>
               <a:t>There are other, competing, methods (TBB, etc.)</a:t>
             </a:r>
           </a:p>
@@ -18096,7 +17959,7 @@
               </a:lnSpc>
             </a:pPr>
             <a:r>
-              <a:rPr lang="en-US" sz="1600" dirty="0" smtClean="0"/>
+              <a:rPr lang="en-US" sz="1600" dirty="0"/>
               <a:t>Besides, they are based on Java thread model (so not at all new, really)</a:t>
             </a:r>
           </a:p>
@@ -18107,7 +17970,7 @@
               </a:lnSpc>
             </a:pPr>
             <a:r>
-              <a:rPr lang="en-US" sz="1800" dirty="0" smtClean="0"/>
+              <a:rPr lang="en-US" sz="1800" dirty="0"/>
               <a:t>Initializes:</a:t>
             </a:r>
           </a:p>
@@ -18118,19 +17981,19 @@
               </a:lnSpc>
             </a:pPr>
             <a:r>
-              <a:rPr lang="en-US" sz="1600" dirty="0" err="1" smtClean="0"/>
+              <a:rPr lang="en-US" sz="1600" dirty="0" err="1"/>
               <a:t>int</a:t>
             </a:r>
             <a:r>
-              <a:rPr lang="en-US" sz="1600" dirty="0" smtClean="0"/>
+              <a:rPr lang="en-US" sz="1600" dirty="0"/>
               <a:t> </a:t>
             </a:r>
             <a:r>
-              <a:rPr lang="en-US" sz="1600" dirty="0" err="1" smtClean="0"/>
+              <a:rPr lang="en-US" sz="1600" dirty="0" err="1"/>
               <a:t>myArray</a:t>
             </a:r>
             <a:r>
-              <a:rPr lang="en-US" sz="1600" dirty="0" smtClean="0"/>
+              <a:rPr lang="en-US" sz="1600" dirty="0"/>
               <a:t>[] = { 1, 2, 3, 4, 5 };</a:t>
             </a:r>
           </a:p>
@@ -18141,23 +18004,23 @@
               </a:lnSpc>
             </a:pPr>
             <a:r>
-              <a:rPr lang="en-US" sz="1600" dirty="0" smtClean="0"/>
+              <a:rPr lang="en-US" sz="1600" dirty="0"/>
               <a:t>vector&lt;</a:t>
             </a:r>
             <a:r>
-              <a:rPr lang="en-US" sz="1600" dirty="0" err="1" smtClean="0"/>
+              <a:rPr lang="en-US" sz="1600" dirty="0" err="1"/>
               <a:t>int</a:t>
             </a:r>
             <a:r>
-              <a:rPr lang="en-US" sz="1600" dirty="0" smtClean="0"/>
+              <a:rPr lang="en-US" sz="1600" dirty="0"/>
               <a:t>&gt; </a:t>
             </a:r>
             <a:r>
-              <a:rPr lang="en-US" sz="1600" dirty="0" err="1" smtClean="0"/>
+              <a:rPr lang="en-US" sz="1600" dirty="0" err="1"/>
               <a:t>myVec</a:t>
             </a:r>
             <a:r>
-              <a:rPr lang="en-US" sz="1600" dirty="0" smtClean="0"/>
+              <a:rPr lang="en-US" sz="1600" dirty="0"/>
               <a:t> = { 1, 2, 3, 4, 5 };	// Invalid in C++ 98, but…</a:t>
             </a:r>
           </a:p>
@@ -18168,7 +18031,7 @@
               </a:lnSpc>
             </a:pPr>
             <a:r>
-              <a:rPr lang="en-US" sz="1600" dirty="0" smtClean="0"/>
+              <a:rPr lang="en-US" sz="1600" dirty="0"/>
               <a:t>… it’s not the same thing /at all/. KNOW THE DIFFERENCE</a:t>
             </a:r>
           </a:p>
@@ -18179,14 +18042,14 @@
               </a:lnSpc>
             </a:pPr>
             <a:r>
-              <a:rPr lang="en-US" sz="1800" dirty="0" err="1" smtClean="0"/>
+              <a:rPr lang="en-US" sz="1800" dirty="0" err="1"/>
               <a:t>atuo</a:t>
             </a:r>
             <a:r>
-              <a:rPr lang="en-US" sz="1800" dirty="0" smtClean="0"/>
+              <a:rPr lang="en-US" sz="1800" dirty="0"/>
               <a:t>: why? It’s a strongly typed language (at compile time)</a:t>
             </a:r>
-            <a:endParaRPr lang="en-US" sz="1800" u="sng" dirty="0" smtClean="0"/>
+            <a:endParaRPr lang="en-US" sz="1800" u="sng" dirty="0"/>
           </a:p>
           <a:p>
             <a:pPr lvl="1" eaLnBrk="1" hangingPunct="1">
@@ -18195,7 +18058,7 @@
               </a:lnSpc>
             </a:pPr>
             <a:r>
-              <a:rPr lang="en-US" sz="1600" dirty="0" smtClean="0"/>
+              <a:rPr lang="en-US" sz="1600" dirty="0"/>
               <a:t>Have the compiler “take care” of the types? Wow. Danger Will Robinson! Added to make templates easier to use. That’s it. </a:t>
             </a:r>
           </a:p>
@@ -18206,7 +18069,7 @@
               </a:lnSpc>
             </a:pPr>
             <a:r>
-              <a:rPr lang="en-US" sz="1600" dirty="0" smtClean="0"/>
+              <a:rPr lang="en-US" sz="1600" dirty="0"/>
               <a:t>You trade “specifying types” with “guess what the compiler will pick”</a:t>
             </a:r>
           </a:p>
@@ -18217,7 +18080,7 @@
               </a:lnSpc>
               <a:buNone/>
             </a:pPr>
-            <a:endParaRPr lang="en-CA" sz="1800" dirty="0" smtClean="0"/>
+            <a:endParaRPr lang="en-CA" sz="1800" dirty="0"/>
           </a:p>
         </p:txBody>
       </p:sp>
@@ -18934,7 +18797,7 @@
               <a:defRPr/>
             </a:pPr>
             <a:r>
-              <a:rPr lang="en-US" sz="3200" dirty="0" smtClean="0">
+              <a:rPr lang="en-US" sz="3200" dirty="0">
                 <a:solidFill>
                   <a:schemeClr val="tx2">
                     <a:satMod val="200000"/>
@@ -18979,7 +18842,7 @@
               </a:lnSpc>
             </a:pPr>
             <a:r>
-              <a:rPr lang="en-US" sz="2200" dirty="0" smtClean="0"/>
+              <a:rPr lang="en-US" sz="2200" dirty="0"/>
               <a:t>C/C++ are “strongly typed”, “non-managed” languages</a:t>
             </a:r>
           </a:p>
@@ -18990,10 +18853,9 @@
               </a:lnSpc>
             </a:pPr>
             <a:r>
-              <a:rPr lang="en-US" sz="2200" dirty="0" smtClean="0"/>
+              <a:rPr lang="en-US" sz="2200" dirty="0"/>
               <a:t>They were never intended to be weakly typed/managed</a:t>
             </a:r>
-            <a:endParaRPr lang="en-US" sz="2200" dirty="0"/>
           </a:p>
           <a:p>
             <a:pPr eaLnBrk="1" hangingPunct="1">
@@ -19002,7 +18864,7 @@
               </a:lnSpc>
             </a:pPr>
             <a:r>
-              <a:rPr lang="en-US" sz="2200" dirty="0" smtClean="0"/>
+              <a:rPr lang="en-US" sz="2200" dirty="0"/>
               <a:t>The API we’re using is in C</a:t>
             </a:r>
           </a:p>
@@ -19013,7 +18875,7 @@
               </a:lnSpc>
             </a:pPr>
             <a:r>
-              <a:rPr lang="en-US" sz="2200" dirty="0" smtClean="0"/>
+              <a:rPr lang="en-US" sz="2200" dirty="0"/>
               <a:t>Most of the new features won’t likely help, much</a:t>
             </a:r>
           </a:p>
@@ -19024,7 +18886,7 @@
               </a:lnSpc>
             </a:pPr>
             <a:r>
-              <a:rPr lang="en-US" sz="2200" dirty="0" smtClean="0"/>
+              <a:rPr lang="en-US" sz="2200" dirty="0"/>
               <a:t>Using the newer code isn’t automatically “better”, so doing it using core C++ isn’t “worse” or “bad”</a:t>
             </a:r>
           </a:p>
@@ -19035,7 +18897,7 @@
               </a:lnSpc>
             </a:pPr>
             <a:r>
-              <a:rPr lang="en-US" sz="2200" dirty="0" smtClean="0"/>
+              <a:rPr lang="en-US" sz="2200" dirty="0"/>
               <a:t>Seeing it another, simpler way, might help you</a:t>
             </a:r>
           </a:p>
@@ -19046,7 +18908,7 @@
               </a:lnSpc>
             </a:pPr>
             <a:r>
-              <a:rPr lang="en-US" sz="2200" dirty="0" smtClean="0"/>
+              <a:rPr lang="en-US" sz="2200" dirty="0"/>
               <a:t>Why so many standards? To fix past mistakes?</a:t>
             </a:r>
           </a:p>
@@ -19057,7 +18919,7 @@
               </a:lnSpc>
             </a:pPr>
             <a:r>
-              <a:rPr lang="en-US" sz="2200" dirty="0" smtClean="0"/>
+              <a:rPr lang="en-US" sz="2200" dirty="0"/>
               <a:t>How much compiler support is there? </a:t>
             </a:r>
           </a:p>
@@ -19068,7 +18930,7 @@
               </a:lnSpc>
             </a:pPr>
             <a:r>
-              <a:rPr lang="en-US" sz="2800" dirty="0" smtClean="0"/>
+              <a:rPr lang="en-US" sz="2800" dirty="0"/>
               <a:t>I don’t really care, but don’t test my patience. </a:t>
             </a:r>
           </a:p>
@@ -19809,7 +19671,7 @@
               <a:defRPr/>
             </a:pPr>
             <a:r>
-              <a:rPr lang="en-US" sz="3200" dirty="0" smtClean="0">
+              <a:rPr lang="en-US" sz="3200" dirty="0">
                 <a:solidFill>
                   <a:schemeClr val="tx2">
                     <a:satMod val="200000"/>
@@ -19854,7 +19716,7 @@
               </a:lnSpc>
             </a:pPr>
             <a:r>
-              <a:rPr lang="en-US" sz="2200" dirty="0" smtClean="0"/>
+              <a:rPr lang="en-US" sz="2200" dirty="0"/>
               <a:t>Many “C++” APIs are actually in C</a:t>
             </a:r>
           </a:p>
@@ -19865,15 +19727,15 @@
               </a:lnSpc>
             </a:pPr>
             <a:r>
-              <a:rPr lang="en-CA" sz="2200" dirty="0" smtClean="0"/>
+              <a:rPr lang="en-CA" sz="2200" dirty="0"/>
               <a:t>Win32 (windows), Linux, embedded, DirectX, OpenGL, </a:t>
             </a:r>
             <a:r>
-              <a:rPr lang="en-CA" sz="2200" dirty="0" err="1" smtClean="0"/>
+              <a:rPr lang="en-CA" sz="2200" dirty="0" err="1"/>
               <a:t>Vulkan</a:t>
             </a:r>
             <a:r>
-              <a:rPr lang="en-CA" sz="2200" dirty="0" smtClean="0"/>
+              <a:rPr lang="en-CA" sz="2200" dirty="0"/>
               <a:t>, etc., etc.</a:t>
             </a:r>
           </a:p>
@@ -19884,7 +19746,7 @@
               </a:lnSpc>
             </a:pPr>
             <a:r>
-              <a:rPr lang="en-CA" sz="2200" dirty="0" smtClean="0"/>
+              <a:rPr lang="en-CA" sz="2200" dirty="0"/>
               <a:t>So our code will be in C++, but using a “C” API. </a:t>
             </a:r>
           </a:p>
@@ -19895,7 +19757,7 @@
               </a:lnSpc>
             </a:pPr>
             <a:r>
-              <a:rPr lang="en-CA" sz="2200" dirty="0" smtClean="0"/>
+              <a:rPr lang="en-CA" sz="2200" dirty="0"/>
               <a:t>Think: </a:t>
             </a:r>
           </a:p>
@@ -19906,7 +19768,7 @@
               </a:lnSpc>
             </a:pPr>
             <a:r>
-              <a:rPr lang="en-CA" sz="2400" dirty="0" smtClean="0"/>
+              <a:rPr lang="en-CA" sz="2400" dirty="0"/>
               <a:t>ASP/whatever, when everything is really JavaScript</a:t>
             </a:r>
           </a:p>
@@ -19917,7 +19779,7 @@
               </a:lnSpc>
             </a:pPr>
             <a:r>
-              <a:rPr lang="en-CA" sz="2400" dirty="0" smtClean="0"/>
+              <a:rPr lang="en-CA" sz="2400" dirty="0"/>
               <a:t>Or</a:t>
             </a:r>
           </a:p>
@@ -19928,10 +19790,10 @@
               </a:lnSpc>
             </a:pPr>
             <a:r>
-              <a:rPr lang="en-CA" sz="2400" dirty="0" smtClean="0"/>
+              <a:rPr lang="en-CA" sz="2400" dirty="0"/>
               <a:t>JavaScript, when we’re really communicating with HTML+JSON</a:t>
             </a:r>
-            <a:endParaRPr lang="en-US" sz="2400" dirty="0" smtClean="0"/>
+            <a:endParaRPr lang="en-US" sz="2400" dirty="0"/>
           </a:p>
         </p:txBody>
       </p:sp>
@@ -19982,8 +19844,8 @@
           </a:p>
         </p:txBody>
       </p:sp>
-      <mc:AlternateContent xmlns:mc="http://schemas.openxmlformats.org/markup-compatibility/2006">
-        <mc:Choice xmlns:p14="http://schemas.microsoft.com/office/powerpoint/2010/main" xmlns="" Requires="p14">
+      <mc:AlternateContent xmlns:mc="http://schemas.openxmlformats.org/markup-compatibility/2006" xmlns:p14="http://schemas.microsoft.com/office/powerpoint/2010/main">
+        <mc:Choice Requires="p14">
           <p:contentPart p14:bwMode="auto" r:id="rId2">
             <p14:nvContentPartPr>
               <p14:cNvPr id="2" name="Ink 1"/>
@@ -19996,7 +19858,7 @@
             </p14:xfrm>
           </p:contentPart>
         </mc:Choice>
-        <mc:Fallback>
+        <mc:Fallback xmlns="">
           <p:pic>
             <p:nvPicPr>
               <p:cNvPr id="2" name="Ink 1"/>
@@ -20528,7 +20390,7 @@
               <a:defRPr/>
             </a:pPr>
             <a:r>
-              <a:rPr lang="en-CA" dirty="0" smtClean="0">
+              <a:rPr lang="en-CA" dirty="0">
                 <a:solidFill>
                   <a:schemeClr val="tx2">
                     <a:satMod val="200000"/>
@@ -20537,13 +20399,6 @@
               </a:rPr>
               <a:t>What’s this course about?</a:t>
             </a:r>
-            <a:endParaRPr lang="en-CA" dirty="0">
-              <a:solidFill>
-                <a:schemeClr val="tx2">
-                  <a:satMod val="200000"/>
-                </a:schemeClr>
-              </a:solidFill>
-            </a:endParaRPr>
           </a:p>
         </p:txBody>
       </p:sp>
@@ -20569,114 +20424,114 @@
           <a:p>
             <a:pPr eaLnBrk="1" hangingPunct="1"/>
             <a:r>
-              <a:rPr lang="en-CA" sz="2000" dirty="0" smtClean="0"/>
+              <a:rPr lang="en-CA" sz="2000" dirty="0"/>
               <a:t>See the CIS (or whatever that’s called now) on FOL</a:t>
             </a:r>
           </a:p>
           <a:p>
             <a:pPr eaLnBrk="1" hangingPunct="1"/>
             <a:r>
-              <a:rPr lang="en-CA" sz="2000" dirty="0" smtClean="0"/>
+              <a:rPr lang="en-CA" sz="2000" dirty="0"/>
               <a:t>Intro to (soft) “</a:t>
             </a:r>
             <a:r>
-              <a:rPr lang="en-CA" sz="2000" u="sng" dirty="0" smtClean="0"/>
+              <a:rPr lang="en-CA" sz="2000" u="sng" dirty="0"/>
               <a:t>real time</a:t>
             </a:r>
             <a:r>
-              <a:rPr lang="en-CA" sz="2000" dirty="0" smtClean="0"/>
+              <a:rPr lang="en-CA" sz="2000" dirty="0"/>
               <a:t>” 3D graphics using a </a:t>
             </a:r>
             <a:r>
-              <a:rPr lang="en-CA" sz="2000" u="sng" dirty="0" smtClean="0"/>
+              <a:rPr lang="en-CA" sz="2000" u="sng" dirty="0"/>
               <a:t>C/C++</a:t>
             </a:r>
             <a:r>
-              <a:rPr lang="en-CA" sz="2000" dirty="0" smtClean="0"/>
+              <a:rPr lang="en-CA" sz="2000" dirty="0"/>
               <a:t> API. </a:t>
             </a:r>
             <a:br>
-              <a:rPr lang="en-CA" sz="2000" dirty="0" smtClean="0"/>
+              <a:rPr lang="en-CA" sz="2000" dirty="0"/>
             </a:br>
             <a:r>
-              <a:rPr lang="en-CA" sz="2000" dirty="0" smtClean="0"/>
+              <a:rPr lang="en-CA" sz="2000" dirty="0"/>
               <a:t>Popular ones: </a:t>
             </a:r>
           </a:p>
           <a:p>
             <a:pPr lvl="1" eaLnBrk="1" hangingPunct="1"/>
             <a:r>
-              <a:rPr lang="en-CA" sz="1600" dirty="0" smtClean="0"/>
+              <a:rPr lang="en-CA" sz="1600" dirty="0"/>
               <a:t>DirectX (aka Direct 3D), OpenGL, OpenGL ES, </a:t>
             </a:r>
             <a:r>
-              <a:rPr lang="en-CA" sz="1600" dirty="0" err="1" smtClean="0"/>
+              <a:rPr lang="en-CA" sz="1600" dirty="0" err="1"/>
               <a:t>Vulkan</a:t>
             </a:r>
-            <a:endParaRPr lang="en-CA" sz="1600" dirty="0" smtClean="0"/>
+            <a:endParaRPr lang="en-CA" sz="1600" dirty="0"/>
           </a:p>
           <a:p>
             <a:pPr eaLnBrk="1" hangingPunct="1"/>
             <a:r>
-              <a:rPr lang="en-CA" sz="2000" dirty="0" smtClean="0"/>
+              <a:rPr lang="en-CA" sz="2000" dirty="0"/>
               <a:t>The “C/C++” part come into play with:</a:t>
             </a:r>
           </a:p>
           <a:p>
             <a:pPr lvl="1" eaLnBrk="1" hangingPunct="1"/>
             <a:r>
-              <a:rPr lang="en-CA" sz="1600" dirty="0" smtClean="0"/>
+              <a:rPr lang="en-CA" sz="1600" dirty="0"/>
               <a:t>Choosing the API (</a:t>
             </a:r>
             <a:r>
-              <a:rPr lang="en-CA" sz="1600" u="sng" dirty="0" smtClean="0"/>
+              <a:rPr lang="en-CA" sz="1600" u="sng" dirty="0"/>
               <a:t>not</a:t>
             </a:r>
             <a:r>
-              <a:rPr lang="en-CA" sz="1600" dirty="0" smtClean="0"/>
+              <a:rPr lang="en-CA" sz="1600" dirty="0"/>
               <a:t> Java, Python, whatever…)</a:t>
             </a:r>
           </a:p>
           <a:p>
             <a:pPr lvl="2" eaLnBrk="1" hangingPunct="1"/>
             <a:r>
-              <a:rPr lang="en-CA" sz="1400" dirty="0" smtClean="0"/>
+              <a:rPr lang="en-CA" sz="1400" dirty="0"/>
               <a:t>And, yes, I am </a:t>
             </a:r>
             <a:r>
-              <a:rPr lang="en-CA" sz="1400" i="1" dirty="0" smtClean="0"/>
+              <a:rPr lang="en-CA" sz="1400" i="1" dirty="0"/>
               <a:t>very well aware </a:t>
             </a:r>
             <a:r>
-              <a:rPr lang="en-CA" sz="1400" dirty="0" smtClean="0"/>
+              <a:rPr lang="en-CA" sz="1400" dirty="0"/>
               <a:t>that there are “wrappers” to other languages… </a:t>
             </a:r>
             <a:r>
-              <a:rPr lang="en-CA" sz="1400" dirty="0" smtClean="0">
+              <a:rPr lang="en-CA" sz="1400" dirty="0">
                 <a:sym typeface="Wingdings" pitchFamily="2" charset="2"/>
               </a:rPr>
               <a:t> </a:t>
             </a:r>
-            <a:endParaRPr lang="en-CA" sz="1400" dirty="0" smtClean="0"/>
+            <a:endParaRPr lang="en-CA" sz="1400" dirty="0"/>
           </a:p>
           <a:p>
             <a:pPr lvl="1" eaLnBrk="1" hangingPunct="1"/>
             <a:r>
-              <a:rPr lang="en-CA" sz="1600" dirty="0" smtClean="0"/>
+              <a:rPr lang="en-CA" sz="1600" dirty="0"/>
               <a:t>Everything that “supports” and organizes the 3D output:</a:t>
             </a:r>
           </a:p>
           <a:p>
             <a:pPr lvl="2" eaLnBrk="1" hangingPunct="1"/>
             <a:r>
-              <a:rPr lang="en-CA" sz="1600" dirty="0" smtClean="0"/>
+              <a:rPr lang="en-CA" sz="1600" dirty="0"/>
               <a:t>There’s an “animation” component to this, too: things “move/change over time”, so how do we pull that off, in (soft) real time, using C/C++?</a:t>
             </a:r>
           </a:p>
           <a:p>
             <a:pPr lvl="2" eaLnBrk="1" hangingPunct="1"/>
             <a:r>
-              <a:rPr lang="en-CA" sz="1600" dirty="0" smtClean="0"/>
+              <a:rPr lang="en-CA" sz="1600" dirty="0"/>
               <a:t>How do we manage/maintain/extend this little “framework” we have? </a:t>
             </a:r>
           </a:p>
@@ -21489,7 +21344,7 @@
           <a:p>
             <a:pPr eaLnBrk="1" hangingPunct="1"/>
             <a:r>
-              <a:rPr lang="en-US" dirty="0" smtClean="0">
+              <a:rPr lang="en-US" dirty="0">
                 <a:effectLst>
                   <a:outerShdw blurRad="38100" dist="38100" dir="2700000" algn="tl">
                     <a:srgbClr val="FFFFFF"/>
@@ -21498,7 +21353,7 @@
               </a:rPr>
               <a:t>Your marks…</a:t>
             </a:r>
-            <a:endParaRPr lang="en-CA" dirty="0" smtClean="0">
+            <a:endParaRPr lang="en-CA" dirty="0">
               <a:effectLst>
                 <a:outerShdw blurRad="38100" dist="38100" dir="2700000" algn="tl">
                   <a:srgbClr val="FFFFFF"/>
@@ -21534,10 +21389,9 @@
               </a:lnSpc>
             </a:pPr>
             <a:r>
-              <a:rPr lang="en-US" sz="2800" dirty="0" smtClean="0"/>
+              <a:rPr lang="en-US" sz="2800" dirty="0"/>
               <a:t>“Project” mark: 40% </a:t>
             </a:r>
-            <a:endParaRPr lang="en-US" sz="2800" dirty="0" smtClean="0"/>
           </a:p>
           <a:p>
             <a:pPr lvl="1" eaLnBrk="1" hangingPunct="1">
@@ -21546,7 +21400,7 @@
               </a:lnSpc>
             </a:pPr>
             <a:r>
-              <a:rPr lang="en-US" sz="2400" dirty="0" smtClean="0"/>
+              <a:rPr lang="en-US" sz="2400" dirty="0"/>
               <a:t>5 checkpoints worth 4% each</a:t>
             </a:r>
           </a:p>
@@ -21557,10 +21411,9 @@
               </a:lnSpc>
             </a:pPr>
             <a:r>
-              <a:rPr lang="en-US" sz="2400" dirty="0" smtClean="0"/>
+              <a:rPr lang="en-US" sz="2400" dirty="0"/>
               <a:t>2 projects worth 10% each</a:t>
             </a:r>
-            <a:endParaRPr lang="en-US" sz="2400" dirty="0" smtClean="0"/>
           </a:p>
           <a:p>
             <a:pPr eaLnBrk="1" hangingPunct="1">
@@ -21569,12 +21422,8 @@
               </a:lnSpc>
             </a:pPr>
             <a:r>
-              <a:rPr lang="en-US" sz="2800" dirty="0" smtClean="0"/>
-              <a:t>“Exam” mark: 60</a:t>
-            </a:r>
-            <a:r>
-              <a:rPr lang="en-US" sz="2800" dirty="0" smtClean="0"/>
-              <a:t>%</a:t>
+              <a:rPr lang="en-US" sz="2800" dirty="0"/>
+              <a:t>“Exam” mark: 60%</a:t>
             </a:r>
           </a:p>
           <a:p>
@@ -21584,10 +21433,9 @@
               </a:lnSpc>
             </a:pPr>
             <a:r>
-              <a:rPr lang="en-US" sz="2400" dirty="0" smtClean="0"/>
+              <a:rPr lang="en-US" sz="2400" dirty="0"/>
               <a:t>Midterm and final (each 30%)</a:t>
             </a:r>
-            <a:endParaRPr lang="en-US" sz="2400" dirty="0" smtClean="0"/>
           </a:p>
         </p:txBody>
       </p:sp>
@@ -22027,7 +21875,7 @@
           <a:p>
             <a:pPr eaLnBrk="1" hangingPunct="1"/>
             <a:r>
-              <a:rPr lang="en-US" dirty="0" smtClean="0">
+              <a:rPr lang="en-US" dirty="0">
                 <a:effectLst>
                   <a:outerShdw blurRad="38100" dist="38100" dir="2700000" algn="tl">
                     <a:srgbClr val="FFFFFF"/>
@@ -22036,7 +21884,7 @@
               </a:rPr>
               <a:t>(Project) Checkpoints: 40%</a:t>
             </a:r>
-            <a:endParaRPr lang="en-CA" dirty="0" smtClean="0">
+            <a:endParaRPr lang="en-CA" dirty="0">
               <a:effectLst>
                 <a:outerShdw blurRad="38100" dist="38100" dir="2700000" algn="tl">
                   <a:srgbClr val="FFFFFF"/>
@@ -22068,59 +21916,59 @@
           <a:p>
             <a:pPr eaLnBrk="1" hangingPunct="1"/>
             <a:r>
-              <a:rPr lang="en-CA" sz="1800" dirty="0" smtClean="0"/>
+              <a:rPr lang="en-CA" sz="1800" dirty="0"/>
               <a:t>Assigned at the </a:t>
             </a:r>
             <a:r>
-              <a:rPr lang="en-CA" sz="1800" i="1" dirty="0" smtClean="0"/>
+              <a:rPr lang="en-CA" sz="1800" i="1" dirty="0"/>
               <a:t>end</a:t>
             </a:r>
             <a:r>
-              <a:rPr lang="en-CA" sz="1800" dirty="0" smtClean="0"/>
+              <a:rPr lang="en-CA" sz="1800" dirty="0"/>
               <a:t> of class</a:t>
             </a:r>
           </a:p>
           <a:p>
             <a:pPr eaLnBrk="1" hangingPunct="1"/>
             <a:r>
-              <a:rPr lang="en-CA" sz="1800" dirty="0" smtClean="0"/>
+              <a:rPr lang="en-CA" sz="1800" dirty="0"/>
               <a:t>Due at the </a:t>
             </a:r>
             <a:r>
-              <a:rPr lang="en-CA" sz="1800" i="1" dirty="0" smtClean="0"/>
+              <a:rPr lang="en-CA" sz="1800" i="1" dirty="0"/>
               <a:t>start</a:t>
             </a:r>
             <a:r>
-              <a:rPr lang="en-CA" sz="1800" dirty="0" smtClean="0"/>
+              <a:rPr lang="en-CA" sz="1800" dirty="0"/>
               <a:t> of the </a:t>
             </a:r>
             <a:r>
-              <a:rPr lang="en-CA" sz="1800" i="1" dirty="0" smtClean="0"/>
+              <a:rPr lang="en-CA" sz="1800" i="1" dirty="0"/>
               <a:t>next class</a:t>
             </a:r>
           </a:p>
           <a:p>
             <a:pPr eaLnBrk="1" hangingPunct="1"/>
             <a:r>
-              <a:rPr lang="en-CA" sz="1800" dirty="0" smtClean="0"/>
+              <a:rPr lang="en-CA" sz="1800" dirty="0"/>
               <a:t>There are </a:t>
             </a:r>
             <a:r>
-              <a:rPr lang="en-CA" sz="1800" u="sng" dirty="0" smtClean="0"/>
+              <a:rPr lang="en-CA" sz="1800" u="sng" dirty="0"/>
               <a:t>no extensions or late marks</a:t>
             </a:r>
             <a:r>
-              <a:rPr lang="en-CA" sz="1800" dirty="0" smtClean="0"/>
+              <a:rPr lang="en-CA" sz="1800" dirty="0"/>
               <a:t>, </a:t>
             </a:r>
             <a:br>
-              <a:rPr lang="en-CA" sz="1800" dirty="0" smtClean="0"/>
+              <a:rPr lang="en-CA" sz="1800" dirty="0"/>
             </a:br>
             <a:r>
-              <a:rPr lang="en-CA" sz="1800" dirty="0" smtClean="0"/>
+              <a:rPr lang="en-CA" sz="1800" dirty="0"/>
               <a:t>since I’ll be giving you the solutions. </a:t>
             </a:r>
-            <a:endParaRPr lang="en-US" sz="1800" dirty="0" smtClean="0"/>
+            <a:endParaRPr lang="en-US" sz="1800" dirty="0"/>
           </a:p>
           <a:p>
             <a:pPr marL="411163" lvl="1" indent="-342900" eaLnBrk="1" hangingPunct="1">
@@ -22132,14 +21980,14 @@
               <a:buChar char=""/>
             </a:pPr>
             <a:r>
-              <a:rPr lang="en-CA" sz="1800" dirty="0" smtClean="0"/>
+              <a:rPr lang="en-CA" sz="1800" dirty="0"/>
               <a:t>You should do them </a:t>
             </a:r>
             <a:r>
-              <a:rPr lang="en-CA" sz="1800" i="1" dirty="0" smtClean="0"/>
+              <a:rPr lang="en-CA" sz="1800" i="1" dirty="0"/>
               <a:t>yourself.</a:t>
             </a:r>
-            <a:endParaRPr lang="en-US" sz="1800" dirty="0" smtClean="0"/>
+            <a:endParaRPr lang="en-US" sz="1800" dirty="0"/>
           </a:p>
           <a:p>
             <a:pPr marL="411163" lvl="1" indent="-342900" eaLnBrk="1" hangingPunct="1">
@@ -22151,14 +21999,14 @@
               <a:buChar char=""/>
             </a:pPr>
             <a:r>
-              <a:rPr lang="en-CA" sz="1800" u="sng" dirty="0" smtClean="0"/>
+              <a:rPr lang="en-CA" sz="1800" u="sng" dirty="0"/>
               <a:t>There are no late marks </a:t>
             </a:r>
             <a:r>
-              <a:rPr lang="en-CA" sz="1400" dirty="0" smtClean="0"/>
+              <a:rPr lang="en-CA" sz="1400" dirty="0"/>
               <a:t>(since I will be giving a solution at the next class.)</a:t>
             </a:r>
-            <a:endParaRPr lang="en-CA" sz="1800" dirty="0" smtClean="0"/>
+            <a:endParaRPr lang="en-CA" sz="1800" dirty="0"/>
           </a:p>
           <a:p>
             <a:pPr marL="411163" lvl="1" indent="-342900" eaLnBrk="1" hangingPunct="1">
@@ -22170,20 +22018,8 @@
               <a:buChar char=""/>
             </a:pPr>
             <a:r>
-              <a:rPr lang="en-CA" sz="1800" dirty="0" smtClean="0"/>
-              <a:t>There will be a </a:t>
-            </a:r>
-            <a:r>
-              <a:rPr lang="en-CA" sz="1800" dirty="0" smtClean="0"/>
-              <a:t>“bonus” checkpoint at the end, worth </a:t>
-            </a:r>
-            <a:r>
-              <a:rPr lang="en-CA" sz="1800" dirty="0" smtClean="0"/>
-              <a:t>4%, </a:t>
-            </a:r>
-            <a:r>
-              <a:rPr lang="en-CA" sz="1800" dirty="0" smtClean="0"/>
-              <a:t>added directly to your mark (up to the 40%)</a:t>
+              <a:rPr lang="en-CA" sz="1800" dirty="0"/>
+              <a:t>There will be a “bonus” checkpoint at the end, worth 4%, added directly to your mark (up to the 40%)</a:t>
             </a:r>
           </a:p>
           <a:p>
@@ -22196,7 +22032,7 @@
               <a:buChar char=""/>
             </a:pPr>
             <a:r>
-              <a:rPr lang="en-US" sz="1800" dirty="0" smtClean="0"/>
+              <a:rPr lang="en-US" sz="1800" dirty="0"/>
               <a:t>The students who do their own checkpoints tend to do better on the exams. Really?! Who would have thought?</a:t>
             </a:r>
           </a:p>
@@ -22724,7 +22560,7 @@
           <a:p>
             <a:pPr eaLnBrk="1" hangingPunct="1"/>
             <a:r>
-              <a:rPr lang="en-US" dirty="0" smtClean="0">
+              <a:rPr lang="en-US" dirty="0">
                 <a:effectLst>
                   <a:outerShdw blurRad="38100" dist="38100" dir="2700000" algn="tl">
                     <a:srgbClr val="FFFFFF"/>
@@ -22733,7 +22569,7 @@
               </a:rPr>
               <a:t>Exams: 60%</a:t>
             </a:r>
-            <a:endParaRPr lang="en-CA" dirty="0" smtClean="0">
+            <a:endParaRPr lang="en-CA" dirty="0">
               <a:effectLst>
                 <a:outerShdw blurRad="38100" dist="38100" dir="2700000" algn="tl">
                   <a:srgbClr val="FFFFFF"/>
@@ -22775,10 +22611,10 @@
               <a:buChar char=""/>
             </a:pPr>
             <a:r>
-              <a:rPr lang="en-CA" sz="1800" dirty="0" smtClean="0"/>
+              <a:rPr lang="en-CA" sz="1800" dirty="0"/>
               <a:t>2 of them: mid-term (around day 7/8) &amp; final (day 14/“exam week”)</a:t>
             </a:r>
-            <a:endParaRPr lang="en-US" sz="1800" dirty="0" smtClean="0"/>
+            <a:endParaRPr lang="en-US" sz="1800" dirty="0"/>
           </a:p>
           <a:p>
             <a:pPr marL="411163" lvl="1" indent="-342900" eaLnBrk="1" hangingPunct="1">
@@ -22793,7 +22629,7 @@
               <a:buChar char=""/>
             </a:pPr>
             <a:r>
-              <a:rPr lang="en-US" sz="1800" dirty="0" smtClean="0"/>
+              <a:rPr lang="en-US" sz="1800" dirty="0"/>
               <a:t>“3 hours” in that you can do it in 3 hours. </a:t>
             </a:r>
           </a:p>
@@ -22810,7 +22646,7 @@
               <a:buChar char=""/>
             </a:pPr>
             <a:r>
-              <a:rPr lang="en-US" sz="1600" dirty="0" smtClean="0"/>
+              <a:rPr lang="en-US" sz="1600" dirty="0"/>
               <a:t>If we were in class, it would be in a 3 hour block.</a:t>
             </a:r>
           </a:p>
@@ -22827,14 +22663,9 @@
               <a:buChar char=""/>
             </a:pPr>
             <a:r>
-              <a:rPr lang="en-US" sz="1800" dirty="0" smtClean="0"/>
-              <a:t>It’s take home. Due 24/48 afte</a:t>
-            </a:r>
-            <a:r>
-              <a:rPr lang="en-US" sz="1800" dirty="0" smtClean="0"/>
-              <a:t>r assigned (we’ll discuss this)</a:t>
-            </a:r>
-            <a:endParaRPr lang="en-US" sz="1800" dirty="0" smtClean="0"/>
+              <a:rPr lang="en-US" sz="1800" dirty="0"/>
+              <a:t>It’s take home. Due 24/48 after assigned (we’ll discuss this)</a:t>
+            </a:r>
           </a:p>
           <a:p>
             <a:pPr marL="411163" lvl="1" indent="-342900" eaLnBrk="1" hangingPunct="1">
@@ -22848,7 +22679,7 @@
               <a:buFont typeface="Wingdings" pitchFamily="2" charset="2"/>
               <a:buChar char=""/>
             </a:pPr>
-            <a:endParaRPr lang="en-CA" sz="1800" dirty="0" smtClean="0"/>
+            <a:endParaRPr lang="en-CA" sz="1800" dirty="0"/>
           </a:p>
           <a:p>
             <a:pPr marL="411163" lvl="1" indent="-342900" eaLnBrk="1" hangingPunct="1">
@@ -22863,12 +22694,8 @@
               <a:buChar char=""/>
             </a:pPr>
             <a:r>
-              <a:rPr lang="en-CA" sz="1800" dirty="0" smtClean="0"/>
-              <a:t>All </a:t>
-            </a:r>
-            <a:r>
-              <a:rPr lang="en-CA" sz="1800" dirty="0" smtClean="0"/>
-              <a:t>previous mid-terms are finals will be posted and available before you write (so you can look at them). </a:t>
+              <a:rPr lang="en-CA" sz="1800" dirty="0"/>
+              <a:t>All previous mid-terms are finals will be posted and available before you write (so you can look at them). </a:t>
             </a:r>
           </a:p>
         </p:txBody>
@@ -23293,7 +23120,7 @@
               <a:defRPr/>
             </a:pPr>
             <a:r>
-              <a:rPr lang="en-US" dirty="0" smtClean="0">
+              <a:rPr lang="en-US" dirty="0">
                 <a:effectLst>
                   <a:outerShdw blurRad="38100" dist="38100" dir="2700000" algn="tl">
                     <a:srgbClr val="FFFFFF"/>
@@ -23302,7 +23129,7 @@
               </a:rPr>
               <a:t>“Part marks”</a:t>
             </a:r>
-            <a:endParaRPr lang="en-CA" dirty="0" smtClean="0">
+            <a:endParaRPr lang="en-CA" dirty="0">
               <a:effectLst>
                 <a:outerShdw blurRad="38100" dist="38100" dir="2700000" algn="tl">
                   <a:srgbClr val="FFFFFF"/>
@@ -23338,7 +23165,7 @@
               </a:lnSpc>
             </a:pPr>
             <a:r>
-              <a:rPr lang="en-US" sz="2400" dirty="0" smtClean="0"/>
+              <a:rPr lang="en-US" sz="2400" dirty="0"/>
               <a:t>Students seem to love “part marks.”</a:t>
             </a:r>
           </a:p>
@@ -23349,7 +23176,7 @@
               </a:lnSpc>
             </a:pPr>
             <a:r>
-              <a:rPr lang="en-US" sz="2400" dirty="0" smtClean="0"/>
+              <a:rPr lang="en-US" sz="2400" dirty="0"/>
               <a:t>Now, I’ll try really hard to be fair, but:</a:t>
             </a:r>
           </a:p>
@@ -23360,7 +23187,7 @@
               </a:lnSpc>
             </a:pPr>
             <a:r>
-              <a:rPr lang="en-CA" sz="2000" dirty="0" smtClean="0"/>
+              <a:rPr lang="en-CA" sz="2000" dirty="0"/>
               <a:t>Have you ever had a plumber “almost” fix your toilet?</a:t>
             </a:r>
           </a:p>
@@ -23371,7 +23198,7 @@
               </a:lnSpc>
             </a:pPr>
             <a:r>
-              <a:rPr lang="en-CA" sz="1800" dirty="0" smtClean="0"/>
+              <a:rPr lang="en-CA" sz="1800" dirty="0"/>
               <a:t>Did you pay them?</a:t>
             </a:r>
           </a:p>
@@ -23382,7 +23209,7 @@
               </a:lnSpc>
             </a:pPr>
             <a:r>
-              <a:rPr lang="en-CA" sz="2000" dirty="0" smtClean="0"/>
+              <a:rPr lang="en-CA" sz="2000" dirty="0"/>
               <a:t>Ever “sort of” broke your leg?</a:t>
             </a:r>
           </a:p>
@@ -23393,7 +23220,7 @@
               </a:lnSpc>
             </a:pPr>
             <a:r>
-              <a:rPr lang="en-CA" sz="1800" dirty="0" smtClean="0"/>
+              <a:rPr lang="en-CA" sz="1800" dirty="0"/>
               <a:t>Get a cast for that?</a:t>
             </a:r>
           </a:p>
@@ -23404,7 +23231,7 @@
               </a:lnSpc>
             </a:pPr>
             <a:r>
-              <a:rPr lang="en-CA" sz="2000" dirty="0" smtClean="0"/>
+              <a:rPr lang="en-CA" sz="2000" dirty="0"/>
               <a:t>Ever “almost” paid your mortgage?</a:t>
             </a:r>
           </a:p>
@@ -23415,7 +23242,7 @@
               </a:lnSpc>
             </a:pPr>
             <a:r>
-              <a:rPr lang="en-CA" sz="1800" dirty="0" smtClean="0"/>
+              <a:rPr lang="en-CA" sz="1800" dirty="0"/>
               <a:t>How did the bank like that?</a:t>
             </a:r>
           </a:p>
@@ -23426,7 +23253,7 @@
               </a:lnSpc>
             </a:pPr>
             <a:r>
-              <a:rPr lang="en-CA" sz="2000" dirty="0" smtClean="0"/>
+              <a:rPr lang="en-CA" sz="2000" dirty="0"/>
               <a:t>Did you buddy “almost” pay you that $50 they owe?</a:t>
             </a:r>
           </a:p>
@@ -23437,7 +23264,7 @@
               </a:lnSpc>
             </a:pPr>
             <a:r>
-              <a:rPr lang="en-CA" sz="1800" dirty="0" smtClean="0"/>
+              <a:rPr lang="en-CA" sz="1800" dirty="0"/>
               <a:t>Did you call that square?</a:t>
             </a:r>
           </a:p>
@@ -23448,7 +23275,7 @@
               </a:lnSpc>
             </a:pPr>
             <a:r>
-              <a:rPr lang="en-CA" sz="1800" dirty="0" smtClean="0"/>
+              <a:rPr lang="en-CA" sz="1800" dirty="0"/>
               <a:t>Would you loan them money again?</a:t>
             </a:r>
           </a:p>
@@ -23459,7 +23286,7 @@
               </a:lnSpc>
             </a:pPr>
             <a:r>
-              <a:rPr lang="en-CA" sz="2000" dirty="0" smtClean="0"/>
+              <a:rPr lang="en-CA" sz="2000" dirty="0"/>
               <a:t>If your code won’t build, then I can’t mark it. Period.</a:t>
             </a:r>
           </a:p>
@@ -23470,7 +23297,7 @@
               </a:lnSpc>
             </a:pPr>
             <a:r>
-              <a:rPr lang="en-CA" sz="2000" dirty="0" smtClean="0"/>
+              <a:rPr lang="en-CA" sz="2000" dirty="0"/>
               <a:t>You can’t “almost” meet a checkpoint. </a:t>
             </a:r>
           </a:p>
@@ -24456,7 +24283,7 @@
               <a:defRPr/>
             </a:pPr>
             <a:r>
-              <a:rPr lang="en-US" dirty="0" smtClean="0">
+              <a:rPr lang="en-US" dirty="0">
                 <a:effectLst>
                   <a:outerShdw blurRad="38100" dist="38100" dir="2700000" algn="tl">
                     <a:srgbClr val="FFFFFF"/>
@@ -24465,7 +24292,7 @@
               </a:rPr>
               <a:t>boost</a:t>
             </a:r>
-            <a:endParaRPr lang="en-CA" dirty="0" smtClean="0">
+            <a:endParaRPr lang="en-CA" dirty="0">
               <a:effectLst>
                 <a:outerShdw blurRad="38100" dist="38100" dir="2700000" algn="tl">
                   <a:srgbClr val="FFFFFF"/>
@@ -24497,93 +24324,93 @@
           <a:p>
             <a:pPr eaLnBrk="1" hangingPunct="1"/>
             <a:r>
-              <a:rPr lang="en-CA" sz="2000" b="1" u="sng" dirty="0" smtClean="0"/>
+              <a:rPr lang="en-CA" sz="2000" b="1" u="sng" dirty="0"/>
               <a:t>If you use boost:</a:t>
             </a:r>
           </a:p>
           <a:p>
             <a:pPr lvl="1" eaLnBrk="1" hangingPunct="1"/>
             <a:r>
-              <a:rPr lang="en-CA" sz="1800" b="1" u="sng" dirty="0" smtClean="0"/>
+              <a:rPr lang="en-CA" sz="1800" b="1" u="sng" dirty="0"/>
               <a:t>You will get a mark of zero (0)</a:t>
             </a:r>
           </a:p>
           <a:p>
             <a:pPr lvl="1" eaLnBrk="1" hangingPunct="1"/>
             <a:r>
-              <a:rPr lang="en-CA" sz="1800" dirty="0" smtClean="0"/>
+              <a:rPr lang="en-CA" sz="1800" dirty="0"/>
               <a:t>Because it won’t build:</a:t>
             </a:r>
           </a:p>
           <a:p>
             <a:pPr lvl="2" eaLnBrk="1" hangingPunct="1"/>
             <a:r>
-              <a:rPr lang="en-CA" sz="1600" dirty="0" smtClean="0"/>
+              <a:rPr lang="en-CA" sz="1600" dirty="0"/>
               <a:t>I won’t include boost, and</a:t>
             </a:r>
           </a:p>
           <a:p>
             <a:pPr lvl="2" eaLnBrk="1" hangingPunct="1"/>
             <a:r>
-              <a:rPr lang="en-CA" sz="1600" dirty="0" smtClean="0"/>
+              <a:rPr lang="en-CA" sz="1600" dirty="0"/>
               <a:t>I’ve set my compiler to prevent C++11 things </a:t>
             </a:r>
           </a:p>
           <a:p>
             <a:pPr lvl="3" eaLnBrk="1" hangingPunct="1"/>
             <a:r>
-              <a:rPr lang="en-CA" sz="1400" dirty="0" smtClean="0"/>
+              <a:rPr lang="en-CA" sz="1400" dirty="0"/>
               <a:t>(Install VS2008, then set the “toolset” to “v90”)</a:t>
             </a:r>
           </a:p>
           <a:p>
             <a:pPr lvl="1" eaLnBrk="1" hangingPunct="1"/>
             <a:r>
-              <a:rPr lang="en-CA" sz="1800" dirty="0" smtClean="0"/>
+              <a:rPr lang="en-CA" sz="1800" dirty="0"/>
               <a:t>I will rebuild with 2012/13/15/17 (so you get “the latest” compiler)</a:t>
             </a:r>
           </a:p>
           <a:p>
             <a:pPr eaLnBrk="1" hangingPunct="1"/>
             <a:r>
-              <a:rPr lang="en-CA" sz="2000" dirty="0" smtClean="0"/>
+              <a:rPr lang="en-CA" sz="2000" dirty="0"/>
               <a:t>If this scares/outrages you, then:</a:t>
             </a:r>
           </a:p>
           <a:p>
             <a:pPr lvl="1" eaLnBrk="1" hangingPunct="1"/>
             <a:r>
-              <a:rPr lang="en-CA" sz="1800" dirty="0" smtClean="0"/>
+              <a:rPr lang="en-CA" sz="1800" dirty="0"/>
               <a:t>Why? Really, I’m serious: why is that such a #</a:t>
             </a:r>
             <a:r>
-              <a:rPr lang="en-CA" sz="1800" dirty="0" err="1" smtClean="0"/>
+              <a:rPr lang="en-CA" sz="1800" dirty="0" err="1"/>
               <a:t>bigfreakingdeal</a:t>
             </a:r>
             <a:r>
-              <a:rPr lang="en-CA" sz="1800" dirty="0" smtClean="0"/>
+              <a:rPr lang="en-CA" sz="1800" dirty="0"/>
               <a:t>? </a:t>
             </a:r>
           </a:p>
           <a:p>
             <a:pPr lvl="1" eaLnBrk="1" hangingPunct="1"/>
             <a:r>
-              <a:rPr lang="en-CA" sz="1800" dirty="0" smtClean="0"/>
+              <a:rPr lang="en-CA" sz="1800" dirty="0"/>
               <a:t>Bear with me... (there’s a #</a:t>
             </a:r>
             <a:r>
-              <a:rPr lang="en-CA" sz="1800" dirty="0" err="1" smtClean="0"/>
+              <a:rPr lang="en-CA" sz="1800" dirty="0" err="1"/>
               <a:t>verygoodreasonforthis</a:t>
             </a:r>
             <a:r>
-              <a:rPr lang="en-CA" sz="1800" dirty="0" smtClean="0"/>
+              <a:rPr lang="en-CA" sz="1800" dirty="0"/>
               <a:t>) </a:t>
             </a:r>
           </a:p>
           <a:p>
             <a:pPr lvl="1" eaLnBrk="1" hangingPunct="1"/>
             <a:r>
-              <a:rPr lang="en-CA" sz="1800" dirty="0" smtClean="0"/>
+              <a:rPr lang="en-CA" sz="1800" dirty="0"/>
               <a:t>Also, it’s cute you have an opinion; really, how much have you been paid (and currently) for doing C/C++ development? Oh, right…</a:t>
             </a:r>
           </a:p>
@@ -24593,7 +24420,7 @@
                 <a:spcPct val="70000"/>
               </a:lnSpc>
             </a:pPr>
-            <a:endParaRPr lang="en-CA" sz="1400" dirty="0" smtClean="0"/>
+            <a:endParaRPr lang="en-CA" sz="1400" dirty="0"/>
           </a:p>
         </p:txBody>
       </p:sp>
@@ -25429,7 +25256,7 @@
           <a:p>
             <a:pPr eaLnBrk="1" hangingPunct="1"/>
             <a:r>
-              <a:rPr lang="en-US" dirty="0" smtClean="0">
+              <a:rPr lang="en-US" dirty="0">
                 <a:effectLst>
                   <a:outerShdw blurRad="38100" dist="38100" dir="2700000" algn="tl">
                     <a:srgbClr val="FFFFFF"/>
@@ -25438,7 +25265,7 @@
               </a:rPr>
               <a:t>Other rants I should clear up (3/4):</a:t>
             </a:r>
-            <a:endParaRPr lang="en-CA" dirty="0" smtClean="0">
+            <a:endParaRPr lang="en-CA" dirty="0">
               <a:effectLst>
                 <a:outerShdw blurRad="38100" dist="38100" dir="2700000" algn="tl">
                   <a:srgbClr val="FFFFFF"/>
@@ -25472,59 +25299,59 @@
               <a:buNone/>
             </a:pPr>
             <a:r>
-              <a:rPr lang="en-CA" sz="2000" u="sng" dirty="0" smtClean="0"/>
+              <a:rPr lang="en-CA" sz="2000" u="sng" dirty="0"/>
               <a:t>Templates</a:t>
             </a:r>
             <a:r>
-              <a:rPr lang="en-CA" sz="2000" dirty="0" smtClean="0"/>
+              <a:rPr lang="en-CA" sz="2000" dirty="0"/>
               <a:t> are a code generation tool, when there is overloading. </a:t>
             </a:r>
           </a:p>
           <a:p>
             <a:pPr eaLnBrk="1" hangingPunct="1"/>
             <a:r>
-              <a:rPr lang="en-CA" sz="2000" dirty="0" smtClean="0"/>
+              <a:rPr lang="en-CA" sz="2000" dirty="0"/>
               <a:t>It’s certainly not the first one, and not even “the best one”: </a:t>
             </a:r>
           </a:p>
           <a:p>
             <a:pPr lvl="1" eaLnBrk="1" hangingPunct="1"/>
             <a:r>
-              <a:rPr lang="en-CA" sz="1800" dirty="0" smtClean="0"/>
+              <a:rPr lang="en-CA" sz="1800" dirty="0"/>
               <a:t>think about it: I bet you could come up with some “meta” language do spit out specific “C” code. </a:t>
             </a:r>
           </a:p>
           <a:p>
             <a:pPr eaLnBrk="1" hangingPunct="1"/>
             <a:r>
-              <a:rPr lang="en-CA" sz="2000" dirty="0" smtClean="0"/>
+              <a:rPr lang="en-CA" sz="2000" dirty="0"/>
               <a:t>Oh, and that “C++” code that gets generated? Like the “methods” and whatnot…</a:t>
             </a:r>
           </a:p>
           <a:p>
             <a:pPr lvl="1" eaLnBrk="1" hangingPunct="1"/>
             <a:r>
-              <a:rPr lang="en-CA" sz="1800" dirty="0" smtClean="0"/>
+              <a:rPr lang="en-CA" sz="1800" dirty="0"/>
               <a:t>Like “the spoon” in the Matrix, methods don’t exist. </a:t>
             </a:r>
             <a:br>
-              <a:rPr lang="en-CA" sz="1800" dirty="0" smtClean="0"/>
+              <a:rPr lang="en-CA" sz="1800" dirty="0"/>
             </a:br>
             <a:r>
-              <a:rPr lang="en-CA" sz="1800" dirty="0" smtClean="0"/>
+              <a:rPr lang="en-CA" sz="1800" dirty="0"/>
               <a:t>Really, let’s see… (linker error)</a:t>
             </a:r>
           </a:p>
           <a:p>
             <a:pPr eaLnBrk="1" hangingPunct="1"/>
             <a:r>
-              <a:rPr lang="en-CA" sz="2000" dirty="0" smtClean="0"/>
+              <a:rPr lang="en-CA" sz="2000" dirty="0"/>
               <a:t>Before you “template” something, think about why you’re doing it. If it’s for some potential, theoretical future use, then you’re really just doing “intellectual masturbation”</a:t>
             </a:r>
           </a:p>
           <a:p>
             <a:pPr eaLnBrk="1" hangingPunct="1"/>
-            <a:endParaRPr lang="en-CA" sz="2000" dirty="0" smtClean="0"/>
+            <a:endParaRPr lang="en-CA" sz="2000" dirty="0"/>
           </a:p>
         </p:txBody>
       </p:sp>
@@ -25578,7 +25405,7 @@
     </p:spTree>
     <p:extLst>
       <p:ext uri="{BB962C8B-B14F-4D97-AF65-F5344CB8AC3E}">
-        <p14:creationId xmlns:p14="http://schemas.microsoft.com/office/powerpoint/2010/main" xmlns="" val="2470632096"/>
+        <p14:creationId xmlns:p14="http://schemas.microsoft.com/office/powerpoint/2010/main" val="2470632096"/>
       </p:ext>
     </p:extLst>
   </p:cSld>
@@ -26048,7 +25875,7 @@
           <a:p>
             <a:pPr eaLnBrk="1" hangingPunct="1"/>
             <a:r>
-              <a:rPr lang="en-US" sz="2800" dirty="0" smtClean="0">
+              <a:rPr lang="en-US" sz="2800" dirty="0">
                 <a:effectLst>
                   <a:outerShdw blurRad="38100" dist="38100" dir="2700000" algn="tl">
                     <a:srgbClr val="FFFFFF"/>
@@ -26057,7 +25884,7 @@
               </a:rPr>
               <a:t>Remember:</a:t>
             </a:r>
-            <a:endParaRPr lang="en-CA" sz="2800" dirty="0" smtClean="0">
+            <a:endParaRPr lang="en-CA" sz="2800" dirty="0">
               <a:effectLst>
                 <a:outerShdw blurRad="38100" dist="38100" dir="2700000" algn="tl">
                   <a:srgbClr val="FFFFFF"/>
@@ -26091,7 +25918,7 @@
               <a:buNone/>
             </a:pPr>
             <a:r>
-              <a:rPr lang="en-CA" sz="4400" b="1" dirty="0" smtClean="0">
+              <a:rPr lang="en-CA" sz="4400" b="1" dirty="0">
                 <a:solidFill>
                   <a:srgbClr val="FFFF00"/>
                 </a:solidFill>
@@ -26099,14 +25926,14 @@
               <a:t>The reason you program</a:t>
             </a:r>
             <a:br>
-              <a:rPr lang="en-CA" sz="4400" b="1" dirty="0" smtClean="0">
+              <a:rPr lang="en-CA" sz="4400" b="1" dirty="0">
                 <a:solidFill>
                   <a:srgbClr val="FFFF00"/>
                 </a:solidFill>
               </a:rPr>
             </a:br>
             <a:r>
-              <a:rPr lang="en-CA" sz="4400" b="1" dirty="0" smtClean="0">
+              <a:rPr lang="en-CA" sz="4400" b="1" dirty="0">
                 <a:solidFill>
                   <a:srgbClr val="FFFF00"/>
                 </a:solidFill>
@@ -26119,67 +25946,67 @@
               <a:buNone/>
             </a:pPr>
             <a:r>
-              <a:rPr lang="en-CA" sz="2000" dirty="0" smtClean="0"/>
+              <a:rPr lang="en-CA" sz="2000" dirty="0"/>
               <a:t>It’s like playing with LEGO: </a:t>
             </a:r>
           </a:p>
           <a:p>
             <a:pPr eaLnBrk="1" hangingPunct="1"/>
             <a:r>
-              <a:rPr lang="en-CA" sz="2000" dirty="0" smtClean="0"/>
+              <a:rPr lang="en-CA" sz="2000" dirty="0"/>
               <a:t>Do you want to make The Thing You Want?</a:t>
             </a:r>
           </a:p>
           <a:p>
             <a:pPr eaLnBrk="1" hangingPunct="1"/>
             <a:r>
-              <a:rPr lang="en-CA" sz="2000" dirty="0" smtClean="0"/>
+              <a:rPr lang="en-CA" sz="2000" dirty="0"/>
               <a:t>…or are you more interested in:</a:t>
             </a:r>
           </a:p>
           <a:p>
             <a:pPr lvl="1" eaLnBrk="1" hangingPunct="1"/>
             <a:r>
-              <a:rPr lang="en-CA" sz="1600" dirty="0" smtClean="0"/>
+              <a:rPr lang="en-CA" sz="1600" dirty="0"/>
               <a:t>Every possible way certain LEGO pieces can go together?</a:t>
             </a:r>
           </a:p>
           <a:p>
             <a:pPr lvl="1" eaLnBrk="1" hangingPunct="1"/>
             <a:r>
-              <a:rPr lang="en-CA" sz="1600" dirty="0" smtClean="0"/>
+              <a:rPr lang="en-CA" sz="1600" dirty="0"/>
               <a:t>Arguing about “the best” or “most modern” way to put together LEGOs? Or belittling people for “doing it wrong”?</a:t>
             </a:r>
           </a:p>
           <a:p>
             <a:pPr eaLnBrk="1" hangingPunct="1"/>
             <a:r>
-              <a:rPr lang="en-CA" sz="2000" dirty="0" smtClean="0"/>
+              <a:rPr lang="en-CA" sz="2000" dirty="0"/>
               <a:t>Programming is a </a:t>
             </a:r>
             <a:r>
-              <a:rPr lang="en-CA" sz="2000" i="1" u="sng" dirty="0" smtClean="0"/>
+              <a:rPr lang="en-CA" sz="2000" i="1" u="sng" dirty="0"/>
               <a:t>tool</a:t>
             </a:r>
             <a:r>
-              <a:rPr lang="en-CA" sz="2000" i="1" dirty="0" smtClean="0"/>
+              <a:rPr lang="en-CA" sz="2000" i="1" dirty="0"/>
               <a:t> to get stuff made</a:t>
             </a:r>
             <a:r>
-              <a:rPr lang="en-CA" sz="2000" dirty="0" smtClean="0"/>
+              <a:rPr lang="en-CA" sz="2000" dirty="0"/>
               <a:t>. </a:t>
             </a:r>
             <a:br>
-              <a:rPr lang="en-CA" sz="2000" dirty="0" smtClean="0"/>
+              <a:rPr lang="en-CA" sz="2000" dirty="0"/>
             </a:br>
             <a:r>
-              <a:rPr lang="en-CA" sz="1800" dirty="0" smtClean="0"/>
+              <a:rPr lang="en-CA" sz="1800" dirty="0"/>
               <a:t>Like words make stories. Or pots make food. Or instruments make music.</a:t>
             </a:r>
           </a:p>
           <a:p>
             <a:pPr eaLnBrk="1" hangingPunct="1"/>
-            <a:endParaRPr lang="en-CA" sz="2000" dirty="0" smtClean="0"/>
+            <a:endParaRPr lang="en-CA" sz="2000" dirty="0"/>
           </a:p>
         </p:txBody>
       </p:sp>
@@ -26233,7 +26060,7 @@
     </p:spTree>
     <p:extLst>
       <p:ext uri="{BB962C8B-B14F-4D97-AF65-F5344CB8AC3E}">
-        <p14:creationId xmlns:p14="http://schemas.microsoft.com/office/powerpoint/2010/main" xmlns="" val="2868173251"/>
+        <p14:creationId xmlns:p14="http://schemas.microsoft.com/office/powerpoint/2010/main" val="2868173251"/>
       </p:ext>
     </p:extLst>
   </p:cSld>
@@ -26764,7 +26591,7 @@
           <a:p>
             <a:pPr eaLnBrk="1" hangingPunct="1"/>
             <a:r>
-              <a:rPr lang="en-US" dirty="0" smtClean="0">
+              <a:rPr lang="en-US" dirty="0">
                 <a:effectLst>
                   <a:outerShdw blurRad="38100" dist="38100" dir="2700000" algn="tl">
                     <a:srgbClr val="FFFFFF"/>
@@ -26773,7 +26600,7 @@
               </a:rPr>
               <a:t>Other rants I should clear up (4/4):</a:t>
             </a:r>
-            <a:endParaRPr lang="en-CA" dirty="0" smtClean="0">
+            <a:endParaRPr lang="en-CA" dirty="0">
               <a:effectLst>
                 <a:outerShdw blurRad="38100" dist="38100" dir="2700000" algn="tl">
                   <a:srgbClr val="FFFFFF"/>
@@ -26805,135 +26632,135 @@
           <a:p>
             <a:pPr eaLnBrk="1" hangingPunct="1"/>
             <a:r>
-              <a:rPr lang="en-CA" sz="1800" dirty="0" smtClean="0"/>
+              <a:rPr lang="en-CA" sz="1800" dirty="0"/>
               <a:t>“Performance:”</a:t>
             </a:r>
           </a:p>
           <a:p>
             <a:pPr lvl="1" eaLnBrk="1" hangingPunct="1"/>
             <a:r>
-              <a:rPr lang="en-CA" sz="1600" dirty="0" smtClean="0"/>
+              <a:rPr lang="en-CA" sz="1600" dirty="0"/>
               <a:t>While you can ask, please don’t waste everyone’s time </a:t>
             </a:r>
             <a:r>
-              <a:rPr lang="en-CA" sz="1600" u="sng" dirty="0" smtClean="0"/>
+              <a:rPr lang="en-CA" sz="1600" u="sng" dirty="0"/>
               <a:t>arguing in class with me</a:t>
             </a:r>
             <a:r>
-              <a:rPr lang="en-CA" sz="1600" dirty="0" smtClean="0"/>
+              <a:rPr lang="en-CA" sz="1600" dirty="0"/>
               <a:t> about performance myths. </a:t>
             </a:r>
           </a:p>
           <a:p>
             <a:pPr lvl="1" eaLnBrk="1" hangingPunct="1"/>
             <a:r>
-              <a:rPr lang="en-CA" sz="1600" dirty="0" smtClean="0"/>
+              <a:rPr lang="en-CA" sz="1600" dirty="0"/>
               <a:t>Most of my career was (and is) in embedded/real-time environments.</a:t>
             </a:r>
           </a:p>
           <a:p>
             <a:pPr lvl="1" eaLnBrk="1" hangingPunct="1"/>
             <a:r>
-              <a:rPr lang="en-CA" sz="1600" dirty="0" smtClean="0"/>
+              <a:rPr lang="en-CA" sz="1600" dirty="0"/>
               <a:t>Use a vector first, unless you have a reason not to (like map).</a:t>
             </a:r>
           </a:p>
           <a:p>
             <a:pPr lvl="1" eaLnBrk="1" hangingPunct="1"/>
             <a:r>
-              <a:rPr lang="en-CA" sz="1600" dirty="0" smtClean="0"/>
+              <a:rPr lang="en-CA" sz="1600" dirty="0"/>
               <a:t>If you’re using C, then just make an array (or a </a:t>
             </a:r>
             <a:r>
-              <a:rPr lang="en-CA" sz="1600" dirty="0" err="1" smtClean="0"/>
+              <a:rPr lang="en-CA" sz="1600" dirty="0" err="1"/>
               <a:t>struct</a:t>
             </a:r>
             <a:r>
-              <a:rPr lang="en-CA" sz="1600" dirty="0" smtClean="0"/>
+              <a:rPr lang="en-CA" sz="1600" dirty="0"/>
               <a:t> with the array and the size of the array – C </a:t>
             </a:r>
             <a:r>
-              <a:rPr lang="en-CA" sz="1600" b="1" i="1" u="sng" dirty="0" smtClean="0"/>
+              <a:rPr lang="en-CA" sz="1600" b="1" i="1" u="sng" dirty="0"/>
               <a:t>doesn’t</a:t>
             </a:r>
             <a:r>
-              <a:rPr lang="en-CA" sz="1600" dirty="0" smtClean="0"/>
+              <a:rPr lang="en-CA" sz="1600" dirty="0"/>
               <a:t> know how big an array is)</a:t>
             </a:r>
           </a:p>
           <a:p>
             <a:pPr lvl="1" eaLnBrk="1" hangingPunct="1"/>
             <a:r>
-              <a:rPr lang="en-CA" sz="1600" b="1" dirty="0" smtClean="0">
+              <a:rPr lang="en-CA" sz="1600" b="1" dirty="0">
                 <a:latin typeface="Courier New" pitchFamily="49" charset="0"/>
               </a:rPr>
               <a:t>++</a:t>
             </a:r>
             <a:r>
-              <a:rPr lang="en-CA" sz="1600" b="1" dirty="0" err="1" smtClean="0">
+              <a:rPr lang="en-CA" sz="1600" b="1" dirty="0" err="1">
                 <a:latin typeface="Courier New" pitchFamily="49" charset="0"/>
               </a:rPr>
               <a:t>i</a:t>
             </a:r>
             <a:r>
-              <a:rPr lang="en-CA" sz="1600" dirty="0" smtClean="0"/>
+              <a:rPr lang="en-CA" sz="1600" dirty="0"/>
               <a:t> </a:t>
             </a:r>
             <a:r>
-              <a:rPr lang="en-CA" sz="1600" dirty="0" err="1" smtClean="0"/>
+              <a:rPr lang="en-CA" sz="1600" dirty="0" err="1"/>
               <a:t>vs</a:t>
             </a:r>
             <a:r>
-              <a:rPr lang="en-CA" sz="1600" dirty="0" smtClean="0"/>
+              <a:rPr lang="en-CA" sz="1600" dirty="0"/>
               <a:t> </a:t>
             </a:r>
             <a:r>
-              <a:rPr lang="en-CA" sz="1600" b="1" dirty="0" err="1" smtClean="0">
+              <a:rPr lang="en-CA" sz="1600" b="1" dirty="0" err="1">
                 <a:latin typeface="Courier New" pitchFamily="49" charset="0"/>
               </a:rPr>
               <a:t>i</a:t>
             </a:r>
             <a:r>
-              <a:rPr lang="en-CA" sz="1600" b="1" dirty="0" smtClean="0">
+              <a:rPr lang="en-CA" sz="1600" b="1" dirty="0">
                 <a:latin typeface="Courier New" pitchFamily="49" charset="0"/>
               </a:rPr>
               <a:t>++</a:t>
             </a:r>
             <a:r>
-              <a:rPr lang="en-CA" sz="1600" dirty="0" smtClean="0"/>
+              <a:rPr lang="en-CA" sz="1600" dirty="0"/>
               <a:t>. Perhaps, but seriously, </a:t>
             </a:r>
             <a:r>
-              <a:rPr lang="en-CA" sz="1600" u="sng" dirty="0" smtClean="0"/>
+              <a:rPr lang="en-CA" sz="1600" u="sng" dirty="0"/>
               <a:t>*that’s*</a:t>
             </a:r>
             <a:r>
-              <a:rPr lang="en-CA" sz="1600" dirty="0" smtClean="0"/>
+              <a:rPr lang="en-CA" sz="1600" dirty="0"/>
               <a:t> killing your performance? I seriously doubt it. </a:t>
             </a:r>
           </a:p>
           <a:p>
             <a:pPr lvl="1" eaLnBrk="1" hangingPunct="1"/>
             <a:r>
-              <a:rPr lang="en-CA" sz="1600" u="sng" dirty="0" smtClean="0"/>
+              <a:rPr lang="en-CA" sz="1600" u="sng" dirty="0"/>
               <a:t>Prove</a:t>
             </a:r>
             <a:r>
-              <a:rPr lang="en-CA" sz="1600" dirty="0" smtClean="0"/>
+              <a:rPr lang="en-CA" sz="1600" dirty="0"/>
               <a:t> to me that it’s a performance hit. </a:t>
             </a:r>
           </a:p>
           <a:p>
             <a:pPr lvl="1" eaLnBrk="1" hangingPunct="1"/>
             <a:r>
-              <a:rPr lang="en-CA" sz="1600" dirty="0" smtClean="0"/>
+              <a:rPr lang="en-CA" sz="1600" dirty="0"/>
               <a:t>The code here is for clarity first. 99.999% of all code should be.</a:t>
             </a:r>
           </a:p>
           <a:p>
             <a:pPr lvl="1" eaLnBrk="1" hangingPunct="1"/>
             <a:r>
-              <a:rPr lang="en-CA" sz="1600" dirty="0" smtClean="0"/>
+              <a:rPr lang="en-CA" sz="1600" dirty="0"/>
               <a:t>Make the damn thing work first, then think about performance, but ONLY if you can PROVE IT. </a:t>
             </a:r>
           </a:p>
@@ -27026,19 +26853,7 @@
               <a:rPr lang="en-CA" sz="2000" dirty="0">
                 <a:latin typeface="Corbel" pitchFamily="34" charset="0"/>
               </a:rPr>
-              <a:t>Then don’t change </a:t>
-            </a:r>
-            <a:r>
-              <a:rPr lang="en-CA" sz="2000" dirty="0" smtClean="0">
-                <a:latin typeface="Corbel" pitchFamily="34" charset="0"/>
-              </a:rPr>
-              <a:t>it... </a:t>
-            </a:r>
-            <a:r>
-              <a:rPr lang="en-CA" sz="2000" dirty="0">
-                <a:latin typeface="Corbel" pitchFamily="34" charset="0"/>
-              </a:rPr>
-              <a:t>yet.</a:t>
+              <a:t>Then don’t change it... yet.</a:t>
             </a:r>
           </a:p>
         </p:txBody>
@@ -27080,10 +26895,9 @@
           <a:p>
             <a:pPr algn="ctr"/>
             <a:r>
-              <a:rPr lang="en-CA" b="1" dirty="0" smtClean="0"/>
+              <a:rPr lang="en-CA" b="1" dirty="0"/>
               <a:t>But let me show you what I mean...</a:t>
             </a:r>
-            <a:endParaRPr lang="en-CA" b="1" dirty="0"/>
           </a:p>
         </p:txBody>
       </p:sp>
@@ -28005,13 +27819,6 @@
   <p:clrMapOvr>
     <a:masterClrMapping/>
   </p:clrMapOvr>
-  <p:timing>
-    <p:tnLst>
-      <p:par>
-        <p:cTn id="1" dur="indefinite" restart="never" nodeType="tmRoot"/>
-      </p:par>
-    </p:tnLst>
-  </p:timing>
 </p:sld>
 </file>
 
@@ -28059,7 +27866,7 @@
               <a:defRPr/>
             </a:pPr>
             <a:r>
-              <a:rPr lang="en-CA" dirty="0" smtClean="0">
+              <a:rPr lang="en-CA" dirty="0">
                 <a:solidFill>
                   <a:schemeClr val="tx2">
                     <a:satMod val="200000"/>
@@ -28068,13 +27875,6 @@
               </a:rPr>
               <a:t>What’s this course about?</a:t>
             </a:r>
-            <a:endParaRPr lang="en-CA" dirty="0">
-              <a:solidFill>
-                <a:schemeClr val="tx2">
-                  <a:satMod val="200000"/>
-                </a:schemeClr>
-              </a:solidFill>
-            </a:endParaRPr>
           </a:p>
         </p:txBody>
       </p:sp>
@@ -28106,77 +27906,77 @@
           <a:p>
             <a:pPr eaLnBrk="1" hangingPunct="1"/>
             <a:r>
-              <a:rPr lang="en-CA" sz="2400" dirty="0" smtClean="0"/>
+              <a:rPr lang="en-CA" sz="2400" dirty="0"/>
               <a:t>Popular ones: </a:t>
             </a:r>
           </a:p>
           <a:p>
             <a:pPr lvl="1" eaLnBrk="1" hangingPunct="1"/>
             <a:r>
-              <a:rPr lang="en-CA" sz="1800" dirty="0" smtClean="0"/>
+              <a:rPr lang="en-CA" sz="1800" dirty="0"/>
               <a:t>DirectX (aka Direct 3D), OpenGL, OpenGL ES, </a:t>
             </a:r>
             <a:r>
-              <a:rPr lang="en-CA" sz="1800" dirty="0" err="1" smtClean="0"/>
+              <a:rPr lang="en-CA" sz="1800" dirty="0" err="1"/>
               <a:t>Vulkan</a:t>
             </a:r>
-            <a:endParaRPr lang="en-CA" sz="1800" dirty="0" smtClean="0"/>
+            <a:endParaRPr lang="en-CA" sz="1800" dirty="0"/>
           </a:p>
           <a:p>
             <a:pPr eaLnBrk="1" hangingPunct="1"/>
             <a:r>
-              <a:rPr lang="en-CA" sz="2400" dirty="0" smtClean="0"/>
+              <a:rPr lang="en-CA" sz="2400" dirty="0"/>
               <a:t>This term, we’ll be using </a:t>
             </a:r>
             <a:r>
-              <a:rPr lang="en-CA" sz="2400" b="1" u="sng" dirty="0" smtClean="0"/>
+              <a:rPr lang="en-CA" sz="2400" b="1" u="sng" dirty="0"/>
               <a:t>OpenGL 4.6</a:t>
             </a:r>
             <a:r>
-              <a:rPr lang="en-CA" sz="2400" dirty="0" smtClean="0"/>
+              <a:rPr lang="en-CA" sz="2400" dirty="0"/>
               <a:t> </a:t>
             </a:r>
             <a:br>
-              <a:rPr lang="en-CA" sz="2400" dirty="0" smtClean="0"/>
+              <a:rPr lang="en-CA" sz="2400" dirty="0"/>
             </a:br>
             <a:r>
-              <a:rPr lang="en-CA" sz="2400" i="1" dirty="0" smtClean="0"/>
+              <a:rPr lang="en-CA" sz="2400" i="1" dirty="0"/>
               <a:t>(+glad, GLFW, and </a:t>
             </a:r>
             <a:r>
-              <a:rPr lang="en-CA" sz="2400" i="1" dirty="0" err="1" smtClean="0"/>
+              <a:rPr lang="en-CA" sz="2400" i="1" dirty="0" err="1"/>
               <a:t>glm</a:t>
             </a:r>
             <a:r>
-              <a:rPr lang="en-CA" sz="2400" i="1" dirty="0" smtClean="0"/>
+              <a:rPr lang="en-CA" sz="2400" i="1" dirty="0"/>
               <a:t>)</a:t>
             </a:r>
           </a:p>
           <a:p>
             <a:pPr lvl="1" eaLnBrk="1" hangingPunct="1"/>
             <a:r>
-              <a:rPr lang="en-CA" sz="2000" dirty="0" smtClean="0"/>
+              <a:rPr lang="en-CA" sz="2000" dirty="0"/>
               <a:t>(or maybe 3.3... more on this in a moment)</a:t>
             </a:r>
           </a:p>
           <a:p>
             <a:pPr lvl="1" eaLnBrk="1" hangingPunct="1"/>
             <a:r>
-              <a:rPr lang="en-CA" sz="2000" dirty="0" smtClean="0"/>
+              <a:rPr lang="en-CA" sz="2000" dirty="0"/>
               <a:t>I may show you some </a:t>
             </a:r>
             <a:r>
-              <a:rPr lang="en-CA" sz="2000" dirty="0" err="1" smtClean="0"/>
+              <a:rPr lang="en-CA" sz="2000" dirty="0" err="1"/>
               <a:t>Vulkan</a:t>
             </a:r>
             <a:r>
-              <a:rPr lang="en-CA" sz="2000" dirty="0" smtClean="0"/>
+              <a:rPr lang="en-CA" sz="2000" dirty="0"/>
               <a:t>, too, but we’ll see how it goes…</a:t>
             </a:r>
           </a:p>
           <a:p>
             <a:pPr eaLnBrk="1" hangingPunct="1"/>
-            <a:endParaRPr lang="en-CA" sz="2000" dirty="0" smtClean="0"/>
+            <a:endParaRPr lang="en-CA" sz="2000" dirty="0"/>
           </a:p>
         </p:txBody>
       </p:sp>
@@ -28662,86 +28462,86 @@
           <a:p>
             <a:pPr eaLnBrk="1" hangingPunct="1"/>
             <a:r>
-              <a:rPr lang="en-US" sz="2000" dirty="0" smtClean="0"/>
+              <a:rPr lang="en-US" sz="2000" dirty="0"/>
               <a:t>…enough goofing around…</a:t>
             </a:r>
           </a:p>
           <a:p>
             <a:pPr eaLnBrk="1" hangingPunct="1"/>
             <a:r>
-              <a:rPr lang="en-US" sz="2000" dirty="0" smtClean="0"/>
+              <a:rPr lang="en-US" sz="2000" dirty="0"/>
               <a:t>Ladies and Gentlemen, start your Browser and Visual Studio.</a:t>
             </a:r>
           </a:p>
           <a:p>
             <a:pPr eaLnBrk="1" hangingPunct="1"/>
             <a:r>
-              <a:rPr lang="en-US" sz="2000" dirty="0" smtClean="0"/>
+              <a:rPr lang="en-US" sz="2000" dirty="0"/>
               <a:t>There’s some links:</a:t>
             </a:r>
           </a:p>
           <a:p>
             <a:pPr lvl="1" eaLnBrk="1" hangingPunct="1"/>
             <a:r>
-              <a:rPr lang="en-US" sz="1600" dirty="0" smtClean="0">
+              <a:rPr lang="en-US" sz="1600" dirty="0">
                 <a:hlinkClick r:id="rId2"/>
               </a:rPr>
               <a:t>https://glm.g-truc.net/0.9.9/index.html</a:t>
             </a:r>
             <a:r>
-              <a:rPr lang="en-US" sz="1600" dirty="0" smtClean="0"/>
+              <a:rPr lang="en-US" sz="1600" dirty="0"/>
               <a:t> (</a:t>
             </a:r>
             <a:r>
-              <a:rPr lang="en-US" sz="1600" dirty="0" err="1" smtClean="0"/>
+              <a:rPr lang="en-US" sz="1600" dirty="0" err="1"/>
               <a:t>glm</a:t>
             </a:r>
             <a:r>
-              <a:rPr lang="en-US" sz="1600" dirty="0" smtClean="0"/>
+              <a:rPr lang="en-US" sz="1600" dirty="0"/>
               <a:t>)</a:t>
             </a:r>
           </a:p>
           <a:p>
             <a:pPr lvl="1" eaLnBrk="1" hangingPunct="1"/>
             <a:r>
-              <a:rPr lang="en-US" sz="1600" dirty="0" smtClean="0">
+              <a:rPr lang="en-US" sz="1600" dirty="0">
                 <a:hlinkClick r:id="rId3"/>
               </a:rPr>
               <a:t>https://www.glfw.org/</a:t>
             </a:r>
             <a:r>
-              <a:rPr lang="en-US" sz="1600" dirty="0" smtClean="0"/>
+              <a:rPr lang="en-US" sz="1600" dirty="0"/>
               <a:t> (</a:t>
             </a:r>
             <a:r>
-              <a:rPr lang="en-US" sz="1600" dirty="0" err="1" smtClean="0"/>
+              <a:rPr lang="en-US" sz="1600" dirty="0" err="1"/>
               <a:t>glfw</a:t>
             </a:r>
             <a:r>
-              <a:rPr lang="en-US" sz="1600" dirty="0" smtClean="0"/>
+              <a:rPr lang="en-US" sz="1600" dirty="0"/>
               <a:t>)</a:t>
             </a:r>
           </a:p>
           <a:p>
             <a:pPr lvl="1" eaLnBrk="1" hangingPunct="1"/>
             <a:r>
-              <a:rPr lang="en-US" sz="1600" dirty="0" smtClean="0">
+              <a:rPr lang="en-US" sz="1600" dirty="0">
                 <a:hlinkClick r:id="rId4"/>
               </a:rPr>
               <a:t>https://glad.dav1d.de/</a:t>
             </a:r>
             <a:r>
-              <a:rPr lang="en-US" sz="1600" dirty="0" smtClean="0"/>
+              <a:rPr lang="en-US" sz="1600" dirty="0"/>
               <a:t> (OpenGL glad)</a:t>
             </a:r>
           </a:p>
           <a:p>
             <a:pPr lvl="1" eaLnBrk="1" hangingPunct="1"/>
-            <a:endParaRPr lang="en-US" sz="1600" dirty="0" smtClean="0"/>
+            <a:endParaRPr lang="en-US" sz="1600" dirty="0"/>
           </a:p>
           <a:p>
             <a:pPr lvl="1" eaLnBrk="1" hangingPunct="1"/>
-            <a:endParaRPr lang="en-US" sz="1600" dirty="0" smtClean="0"/>
+            <a:endParaRPr lang="en-US" sz="1600" dirty="0"/>
           </a:p>
         </p:txBody>
       </p:sp>
@@ -29576,11 +29376,11 @@
           <a:p>
             <a:pPr algn="ctr"/>
             <a:r>
-              <a:rPr lang="en-CA" dirty="0" err="1" smtClean="0"/>
+              <a:rPr lang="en-CA" dirty="0" err="1"/>
               <a:t>Yer</a:t>
             </a:r>
             <a:r>
-              <a:rPr lang="en-CA" dirty="0" smtClean="0"/>
+              <a:rPr lang="en-CA" dirty="0"/>
               <a:t> computer</a:t>
             </a:r>
           </a:p>
@@ -29594,7 +29394,7 @@
           </a:p>
           <a:p>
             <a:pPr algn="ctr"/>
-            <a:endParaRPr lang="en-CA" dirty="0" smtClean="0"/>
+            <a:endParaRPr lang="en-CA" dirty="0"/>
           </a:p>
           <a:p>
             <a:pPr algn="ctr"/>
@@ -29602,7 +29402,7 @@
           </a:p>
           <a:p>
             <a:pPr algn="ctr"/>
-            <a:endParaRPr lang="en-CA" dirty="0" smtClean="0"/>
+            <a:endParaRPr lang="en-CA" dirty="0"/>
           </a:p>
           <a:p>
             <a:pPr algn="ctr"/>
@@ -29651,33 +29451,32 @@
           <a:p>
             <a:pPr algn="ctr"/>
             <a:r>
-              <a:rPr lang="en-CA" dirty="0" err="1" smtClean="0"/>
+              <a:rPr lang="en-CA" dirty="0" err="1"/>
               <a:t>Yer</a:t>
             </a:r>
             <a:r>
-              <a:rPr lang="en-CA" dirty="0" smtClean="0"/>
+              <a:rPr lang="en-CA" dirty="0"/>
               <a:t> code</a:t>
             </a:r>
           </a:p>
           <a:p>
             <a:pPr algn="ctr"/>
             <a:r>
-              <a:rPr lang="en-CA" dirty="0" smtClean="0"/>
+              <a:rPr lang="en-CA" dirty="0"/>
               <a:t>.</a:t>
             </a:r>
             <a:r>
-              <a:rPr lang="en-CA" dirty="0" err="1" smtClean="0"/>
+              <a:rPr lang="en-CA" dirty="0" err="1"/>
               <a:t>cpp</a:t>
             </a:r>
-            <a:endParaRPr lang="en-CA" dirty="0" smtClean="0"/>
+            <a:endParaRPr lang="en-CA" dirty="0"/>
           </a:p>
           <a:p>
             <a:pPr algn="ctr"/>
             <a:r>
-              <a:rPr lang="en-CA" dirty="0" smtClean="0"/>
+              <a:rPr lang="en-CA" dirty="0"/>
               <a:t>.h</a:t>
             </a:r>
-            <a:endParaRPr lang="en-CA" dirty="0"/>
           </a:p>
         </p:txBody>
       </p:sp>
@@ -29716,17 +29515,13 @@
           <a:p>
             <a:pPr algn="ctr"/>
             <a:r>
-              <a:rPr lang="en-CA" dirty="0" err="1" smtClean="0"/>
+              <a:rPr lang="en-CA" dirty="0" err="1"/>
               <a:t>Yer</a:t>
             </a:r>
             <a:r>
-              <a:rPr lang="en-CA" dirty="0" smtClean="0"/>
+              <a:rPr lang="en-CA" dirty="0"/>
               <a:t> Server</a:t>
             </a:r>
-          </a:p>
-          <a:p>
-            <a:pPr algn="ctr"/>
-            <a:endParaRPr lang="en-CA" dirty="0" smtClean="0"/>
           </a:p>
           <a:p>
             <a:pPr algn="ctr"/>
@@ -29734,7 +29529,7 @@
           </a:p>
           <a:p>
             <a:pPr algn="ctr"/>
-            <a:endParaRPr lang="en-CA" dirty="0" smtClean="0"/>
+            <a:endParaRPr lang="en-CA" dirty="0"/>
           </a:p>
           <a:p>
             <a:pPr algn="ctr"/>
@@ -29742,7 +29537,7 @@
           </a:p>
           <a:p>
             <a:pPr algn="ctr"/>
-            <a:endParaRPr lang="en-CA" dirty="0" smtClean="0"/>
+            <a:endParaRPr lang="en-CA" dirty="0"/>
           </a:p>
           <a:p>
             <a:pPr algn="ctr"/>
@@ -29750,7 +29545,7 @@
           </a:p>
           <a:p>
             <a:pPr algn="ctr"/>
-            <a:endParaRPr lang="en-CA" dirty="0" smtClean="0"/>
+            <a:endParaRPr lang="en-CA" dirty="0"/>
           </a:p>
           <a:p>
             <a:pPr algn="ctr"/>
@@ -29758,7 +29553,11 @@
           </a:p>
           <a:p>
             <a:pPr algn="ctr"/>
-            <a:endParaRPr lang="en-CA" dirty="0" smtClean="0"/>
+            <a:endParaRPr lang="en-CA" dirty="0"/>
+          </a:p>
+          <a:p>
+            <a:pPr algn="ctr"/>
+            <a:endParaRPr lang="en-CA" dirty="0"/>
           </a:p>
           <a:p>
             <a:pPr algn="ctr"/>
@@ -29807,33 +29606,32 @@
           <a:p>
             <a:pPr algn="ctr"/>
             <a:r>
-              <a:rPr lang="en-CA" dirty="0" err="1" smtClean="0"/>
+              <a:rPr lang="en-CA" dirty="0" err="1"/>
               <a:t>Yer</a:t>
             </a:r>
             <a:r>
-              <a:rPr lang="en-CA" dirty="0" smtClean="0"/>
+              <a:rPr lang="en-CA" dirty="0"/>
               <a:t> code</a:t>
             </a:r>
           </a:p>
           <a:p>
             <a:pPr algn="ctr"/>
             <a:r>
-              <a:rPr lang="en-CA" dirty="0" smtClean="0"/>
+              <a:rPr lang="en-CA" dirty="0"/>
               <a:t>.</a:t>
             </a:r>
             <a:r>
-              <a:rPr lang="en-CA" dirty="0" err="1" smtClean="0"/>
+              <a:rPr lang="en-CA" dirty="0" err="1"/>
               <a:t>cpp</a:t>
             </a:r>
-            <a:endParaRPr lang="en-CA" dirty="0" smtClean="0"/>
+            <a:endParaRPr lang="en-CA" dirty="0"/>
           </a:p>
           <a:p>
             <a:pPr algn="ctr"/>
             <a:r>
-              <a:rPr lang="en-CA" dirty="0" smtClean="0"/>
+              <a:rPr lang="en-CA" dirty="0"/>
               <a:t>.h</a:t>
             </a:r>
-            <a:endParaRPr lang="en-CA" dirty="0"/>
           </a:p>
         </p:txBody>
       </p:sp>
@@ -29872,11 +29670,11 @@
           <a:p>
             <a:pPr algn="ctr"/>
             <a:r>
-              <a:rPr lang="en-CA" dirty="0" err="1" smtClean="0"/>
+              <a:rPr lang="en-CA" dirty="0" err="1"/>
               <a:t>Yer</a:t>
             </a:r>
             <a:r>
-              <a:rPr lang="en-CA" dirty="0" smtClean="0"/>
+              <a:rPr lang="en-CA" dirty="0"/>
               <a:t> buddy’s computer</a:t>
             </a:r>
           </a:p>
@@ -29890,7 +29688,7 @@
           </a:p>
           <a:p>
             <a:pPr algn="ctr"/>
-            <a:endParaRPr lang="en-CA" dirty="0" smtClean="0"/>
+            <a:endParaRPr lang="en-CA" dirty="0"/>
           </a:p>
           <a:p>
             <a:pPr algn="ctr"/>
@@ -29898,7 +29696,7 @@
           </a:p>
           <a:p>
             <a:pPr algn="ctr"/>
-            <a:endParaRPr lang="en-CA" dirty="0" smtClean="0"/>
+            <a:endParaRPr lang="en-CA" dirty="0"/>
           </a:p>
           <a:p>
             <a:pPr algn="ctr"/>
@@ -29947,40 +29745,39 @@
           <a:p>
             <a:pPr algn="ctr"/>
             <a:r>
-              <a:rPr lang="en-CA" dirty="0" err="1" smtClean="0"/>
+              <a:rPr lang="en-CA" dirty="0" err="1"/>
               <a:t>Yer</a:t>
             </a:r>
             <a:r>
-              <a:rPr lang="en-CA" dirty="0" smtClean="0"/>
+              <a:rPr lang="en-CA" dirty="0"/>
               <a:t> code</a:t>
             </a:r>
           </a:p>
           <a:p>
             <a:pPr algn="ctr"/>
             <a:r>
-              <a:rPr lang="en-CA" dirty="0" smtClean="0"/>
+              <a:rPr lang="en-CA" dirty="0"/>
               <a:t>.</a:t>
             </a:r>
             <a:r>
-              <a:rPr lang="en-CA" dirty="0" err="1" smtClean="0"/>
+              <a:rPr lang="en-CA" dirty="0" err="1"/>
               <a:t>cpp</a:t>
             </a:r>
-            <a:endParaRPr lang="en-CA" dirty="0" smtClean="0"/>
+            <a:endParaRPr lang="en-CA" dirty="0"/>
           </a:p>
           <a:p>
             <a:pPr algn="ctr"/>
             <a:r>
-              <a:rPr lang="en-CA" dirty="0" smtClean="0"/>
+              <a:rPr lang="en-CA" dirty="0"/>
               <a:t>.h</a:t>
             </a:r>
-            <a:endParaRPr lang="en-CA" dirty="0"/>
           </a:p>
         </p:txBody>
       </p:sp>
     </p:spTree>
     <p:extLst>
       <p:ext uri="{BB962C8B-B14F-4D97-AF65-F5344CB8AC3E}">
-        <p14:creationId xmlns:p14="http://schemas.microsoft.com/office/powerpoint/2010/main" xmlns="" val="1850194392"/>
+        <p14:creationId xmlns:p14="http://schemas.microsoft.com/office/powerpoint/2010/main" val="1850194392"/>
       </p:ext>
     </p:extLst>
   </p:cSld>
@@ -30042,7 +29839,7 @@
           <a:p>
             <a:pPr algn="ctr"/>
             <a:r>
-              <a:rPr lang="en-CA" dirty="0" smtClean="0"/>
+              <a:rPr lang="en-CA" dirty="0"/>
               <a:t>My computer</a:t>
             </a:r>
           </a:p>
@@ -30056,7 +29853,7 @@
           </a:p>
           <a:p>
             <a:pPr algn="ctr"/>
-            <a:endParaRPr lang="en-CA" dirty="0" smtClean="0"/>
+            <a:endParaRPr lang="en-CA" dirty="0"/>
           </a:p>
           <a:p>
             <a:pPr algn="ctr"/>
@@ -30064,7 +29861,7 @@
           </a:p>
           <a:p>
             <a:pPr algn="ctr"/>
-            <a:endParaRPr lang="en-CA" dirty="0" smtClean="0"/>
+            <a:endParaRPr lang="en-CA" dirty="0"/>
           </a:p>
           <a:p>
             <a:pPr algn="ctr"/>
@@ -30111,13 +29908,9 @@
           <a:p>
             <a:pPr algn="ctr"/>
             <a:r>
-              <a:rPr lang="en-CA" dirty="0" smtClean="0"/>
+              <a:rPr lang="en-CA" dirty="0"/>
               <a:t>GitHub</a:t>
             </a:r>
-          </a:p>
-          <a:p>
-            <a:pPr algn="ctr"/>
-            <a:endParaRPr lang="en-CA" dirty="0" smtClean="0"/>
           </a:p>
           <a:p>
             <a:pPr algn="ctr"/>
@@ -30125,7 +29918,7 @@
           </a:p>
           <a:p>
             <a:pPr algn="ctr"/>
-            <a:endParaRPr lang="en-CA" dirty="0" smtClean="0"/>
+            <a:endParaRPr lang="en-CA" dirty="0"/>
           </a:p>
           <a:p>
             <a:pPr algn="ctr"/>
@@ -30133,7 +29926,7 @@
           </a:p>
           <a:p>
             <a:pPr algn="ctr"/>
-            <a:endParaRPr lang="en-CA" dirty="0" smtClean="0"/>
+            <a:endParaRPr lang="en-CA" dirty="0"/>
           </a:p>
           <a:p>
             <a:pPr algn="ctr"/>
@@ -30141,7 +29934,7 @@
           </a:p>
           <a:p>
             <a:pPr algn="ctr"/>
-            <a:endParaRPr lang="en-CA" dirty="0" smtClean="0"/>
+            <a:endParaRPr lang="en-CA" dirty="0"/>
           </a:p>
           <a:p>
             <a:pPr algn="ctr"/>
@@ -30149,7 +29942,11 @@
           </a:p>
           <a:p>
             <a:pPr algn="ctr"/>
-            <a:endParaRPr lang="en-CA" dirty="0" smtClean="0"/>
+            <a:endParaRPr lang="en-CA" dirty="0"/>
+          </a:p>
+          <a:p>
+            <a:pPr algn="ctr"/>
+            <a:endParaRPr lang="en-CA" dirty="0"/>
           </a:p>
           <a:p>
             <a:pPr algn="ctr"/>
@@ -30198,10 +29995,9 @@
           <a:p>
             <a:pPr algn="ctr"/>
             <a:r>
-              <a:rPr lang="en-CA" dirty="0" smtClean="0"/>
+              <a:rPr lang="en-CA" dirty="0"/>
               <a:t>Code</a:t>
             </a:r>
-            <a:endParaRPr lang="en-CA" dirty="0"/>
           </a:p>
         </p:txBody>
       </p:sp>
@@ -30240,11 +30036,11 @@
           <a:p>
             <a:pPr algn="ctr"/>
             <a:r>
-              <a:rPr lang="en-CA" dirty="0" err="1" smtClean="0"/>
+              <a:rPr lang="en-CA" dirty="0" err="1"/>
               <a:t>Yer</a:t>
             </a:r>
             <a:r>
-              <a:rPr lang="en-CA" dirty="0" smtClean="0"/>
+              <a:rPr lang="en-CA" dirty="0"/>
               <a:t> computer</a:t>
             </a:r>
           </a:p>
@@ -30258,7 +30054,7 @@
           </a:p>
           <a:p>
             <a:pPr algn="ctr"/>
-            <a:endParaRPr lang="en-CA" dirty="0" smtClean="0"/>
+            <a:endParaRPr lang="en-CA" dirty="0"/>
           </a:p>
           <a:p>
             <a:pPr algn="ctr"/>
@@ -30266,7 +30062,7 @@
           </a:p>
           <a:p>
             <a:pPr algn="ctr"/>
-            <a:endParaRPr lang="en-CA" dirty="0" smtClean="0"/>
+            <a:endParaRPr lang="en-CA" dirty="0"/>
           </a:p>
           <a:p>
             <a:pPr algn="ctr"/>
@@ -30313,7 +30109,7 @@
           <a:p>
             <a:pPr algn="ctr"/>
             <a:r>
-              <a:rPr lang="en-CA" dirty="0" smtClean="0"/>
+              <a:rPr lang="en-CA" dirty="0"/>
               <a:t>git</a:t>
             </a:r>
           </a:p>
@@ -30323,7 +30119,7 @@
           </a:p>
           <a:p>
             <a:pPr algn="ctr"/>
-            <a:endParaRPr lang="en-CA" dirty="0" smtClean="0"/>
+            <a:endParaRPr lang="en-CA" dirty="0"/>
           </a:p>
           <a:p>
             <a:pPr algn="ctr"/>
@@ -30331,7 +30127,7 @@
           </a:p>
           <a:p>
             <a:pPr algn="ctr"/>
-            <a:endParaRPr lang="en-CA" dirty="0" smtClean="0"/>
+            <a:endParaRPr lang="en-CA" dirty="0"/>
           </a:p>
           <a:p>
             <a:pPr algn="ctr"/>
@@ -30339,7 +30135,7 @@
           </a:p>
           <a:p>
             <a:pPr algn="ctr"/>
-            <a:endParaRPr lang="en-CA" dirty="0" smtClean="0"/>
+            <a:endParaRPr lang="en-CA" dirty="0"/>
           </a:p>
         </p:txBody>
       </p:sp>
@@ -30377,7 +30173,7 @@
           <a:lstStyle/>
           <a:p>
             <a:pPr algn="ctr"/>
-            <a:endParaRPr lang="en-CA" dirty="0" smtClean="0"/>
+            <a:endParaRPr lang="en-CA" dirty="0"/>
           </a:p>
           <a:p>
             <a:pPr algn="ctr"/>
@@ -30385,7 +30181,7 @@
           </a:p>
           <a:p>
             <a:pPr algn="ctr"/>
-            <a:endParaRPr lang="en-CA" dirty="0" smtClean="0"/>
+            <a:endParaRPr lang="en-CA" dirty="0"/>
           </a:p>
           <a:p>
             <a:pPr algn="ctr"/>
@@ -30393,7 +30189,7 @@
           </a:p>
           <a:p>
             <a:pPr algn="ctr"/>
-            <a:endParaRPr lang="en-CA" dirty="0" smtClean="0"/>
+            <a:endParaRPr lang="en-CA" dirty="0"/>
           </a:p>
           <a:p>
             <a:pPr algn="ctr"/>
@@ -30401,7 +30197,7 @@
           </a:p>
           <a:p>
             <a:pPr algn="ctr"/>
-            <a:endParaRPr lang="en-CA" dirty="0" smtClean="0"/>
+            <a:endParaRPr lang="en-CA" dirty="0"/>
           </a:p>
           <a:p>
             <a:pPr algn="ctr"/>
@@ -30410,7 +30206,7 @@
           <a:p>
             <a:pPr algn="ctr"/>
             <a:r>
-              <a:rPr lang="en-CA" dirty="0" smtClean="0"/>
+              <a:rPr lang="en-CA" dirty="0"/>
               <a:t>git</a:t>
             </a:r>
           </a:p>
@@ -30420,7 +30216,7 @@
           </a:p>
           <a:p>
             <a:pPr algn="ctr"/>
-            <a:endParaRPr lang="en-CA" dirty="0" smtClean="0"/>
+            <a:endParaRPr lang="en-CA" dirty="0"/>
           </a:p>
           <a:p>
             <a:pPr algn="ctr"/>
@@ -30428,7 +30224,7 @@
           </a:p>
           <a:p>
             <a:pPr algn="ctr"/>
-            <a:endParaRPr lang="en-CA" dirty="0" smtClean="0"/>
+            <a:endParaRPr lang="en-CA" dirty="0"/>
           </a:p>
           <a:p>
             <a:pPr algn="ctr"/>
@@ -30436,7 +30232,7 @@
           </a:p>
           <a:p>
             <a:pPr algn="ctr"/>
-            <a:endParaRPr lang="en-CA" dirty="0" smtClean="0"/>
+            <a:endParaRPr lang="en-CA" dirty="0"/>
           </a:p>
           <a:p>
             <a:pPr algn="ctr"/>
@@ -30444,7 +30240,7 @@
           </a:p>
           <a:p>
             <a:pPr algn="ctr"/>
-            <a:endParaRPr lang="en-CA" dirty="0" smtClean="0"/>
+            <a:endParaRPr lang="en-CA" dirty="0"/>
           </a:p>
           <a:p>
             <a:pPr algn="ctr"/>
@@ -30452,7 +30248,7 @@
           </a:p>
           <a:p>
             <a:pPr algn="ctr"/>
-            <a:endParaRPr lang="en-CA" dirty="0" smtClean="0"/>
+            <a:endParaRPr lang="en-CA" dirty="0"/>
           </a:p>
           <a:p>
             <a:pPr algn="ctr"/>
@@ -30460,7 +30256,7 @@
           </a:p>
           <a:p>
             <a:pPr algn="ctr"/>
-            <a:endParaRPr lang="en-CA" dirty="0" smtClean="0"/>
+            <a:endParaRPr lang="en-CA" dirty="0"/>
           </a:p>
           <a:p>
             <a:pPr algn="ctr"/>
@@ -30505,10 +30301,9 @@
           <a:p>
             <a:pPr algn="ctr"/>
             <a:r>
-              <a:rPr lang="en-CA" dirty="0" smtClean="0"/>
+              <a:rPr lang="en-CA" dirty="0"/>
               <a:t>Code</a:t>
             </a:r>
-            <a:endParaRPr lang="en-CA" dirty="0"/>
           </a:p>
         </p:txBody>
       </p:sp>
@@ -30549,10 +30344,9 @@
           <a:p>
             <a:pPr algn="ctr"/>
             <a:r>
-              <a:rPr lang="en-CA" dirty="0" smtClean="0"/>
+              <a:rPr lang="en-CA" dirty="0"/>
               <a:t>Code</a:t>
             </a:r>
-            <a:endParaRPr lang="en-CA" dirty="0"/>
           </a:p>
         </p:txBody>
       </p:sp>
@@ -30593,10 +30387,9 @@
           <a:p>
             <a:pPr algn="ctr"/>
             <a:r>
-              <a:rPr lang="en-CA" dirty="0" smtClean="0"/>
+              <a:rPr lang="en-CA" dirty="0"/>
               <a:t>Code</a:t>
             </a:r>
-            <a:endParaRPr lang="en-CA" dirty="0"/>
           </a:p>
         </p:txBody>
       </p:sp>
@@ -30635,10 +30428,9 @@
           <a:p>
             <a:pPr algn="ctr"/>
             <a:r>
-              <a:rPr lang="en-CA" dirty="0" smtClean="0"/>
+              <a:rPr lang="en-CA" dirty="0"/>
               <a:t>Code</a:t>
             </a:r>
-            <a:endParaRPr lang="en-CA" dirty="0"/>
           </a:p>
         </p:txBody>
       </p:sp>
@@ -30679,10 +30471,9 @@
           <a:p>
             <a:pPr algn="ctr"/>
             <a:r>
-              <a:rPr lang="en-CA" dirty="0" smtClean="0"/>
+              <a:rPr lang="en-CA" dirty="0"/>
               <a:t>Code</a:t>
             </a:r>
-            <a:endParaRPr lang="en-CA" dirty="0"/>
           </a:p>
         </p:txBody>
       </p:sp>
@@ -30723,10 +30514,9 @@
           <a:p>
             <a:pPr algn="ctr"/>
             <a:r>
-              <a:rPr lang="en-CA" dirty="0" smtClean="0"/>
+              <a:rPr lang="en-CA" dirty="0"/>
               <a:t>Code</a:t>
             </a:r>
-            <a:endParaRPr lang="en-CA" dirty="0"/>
           </a:p>
         </p:txBody>
       </p:sp>
@@ -30767,17 +30557,16 @@
           <a:p>
             <a:pPr algn="ctr"/>
             <a:r>
-              <a:rPr lang="en-CA" dirty="0" smtClean="0"/>
+              <a:rPr lang="en-CA" dirty="0"/>
               <a:t>Code</a:t>
             </a:r>
-            <a:endParaRPr lang="en-CA" dirty="0"/>
           </a:p>
         </p:txBody>
       </p:sp>
     </p:spTree>
     <p:extLst>
       <p:ext uri="{BB962C8B-B14F-4D97-AF65-F5344CB8AC3E}">
-        <p14:creationId xmlns:p14="http://schemas.microsoft.com/office/powerpoint/2010/main" xmlns="" val="1462760432"/>
+        <p14:creationId xmlns:p14="http://schemas.microsoft.com/office/powerpoint/2010/main" val="1462760432"/>
       </p:ext>
     </p:extLst>
   </p:cSld>
@@ -30847,13 +30636,6 @@
   <p:clrMapOvr>
     <a:masterClrMapping/>
   </p:clrMapOvr>
-  <p:timing>
-    <p:tnLst>
-      <p:par>
-        <p:cTn id="1" dur="indefinite" restart="never" nodeType="tmRoot"/>
-      </p:par>
-    </p:tnLst>
-  </p:timing>
 </p:sld>
 </file>
 
@@ -30896,7 +30678,7 @@
               <a:defRPr/>
             </a:pPr>
             <a:r>
-              <a:rPr lang="en-US" sz="3200" dirty="0" smtClean="0">
+              <a:rPr lang="en-US" sz="3200" dirty="0">
                 <a:solidFill>
                   <a:schemeClr val="tx2">
                     <a:satMod val="200000"/>
@@ -30906,7 +30688,7 @@
               <a:t>3D!!  OpenGL!!!  C++!!! </a:t>
             </a:r>
             <a:r>
-              <a:rPr lang="en-US" sz="3200" b="1" i="1" u="sng" dirty="0" smtClean="0">
+              <a:rPr lang="en-US" sz="3200" b="1" i="1" u="sng" dirty="0">
                 <a:solidFill>
                   <a:schemeClr val="tx2">
                     <a:satMod val="200000"/>
@@ -30916,7 +30698,7 @@
               <a:t>SWEET</a:t>
             </a:r>
             <a:r>
-              <a:rPr lang="en-US" sz="3200" dirty="0" smtClean="0">
+              <a:rPr lang="en-US" sz="3200" dirty="0">
                 <a:solidFill>
                   <a:schemeClr val="tx2">
                     <a:satMod val="200000"/>
@@ -30957,71 +30739,71 @@
           <a:p>
             <a:pPr eaLnBrk="1" hangingPunct="1"/>
             <a:r>
-              <a:rPr lang="en-US" sz="2000" dirty="0" smtClean="0"/>
+              <a:rPr lang="en-US" sz="2000" dirty="0"/>
               <a:t>Let’s write Halo 9! </a:t>
             </a:r>
             <a:r>
-              <a:rPr lang="en-US" sz="2000" b="1" i="1" dirty="0" smtClean="0"/>
+              <a:rPr lang="en-US" sz="2000" b="1" i="1" dirty="0"/>
               <a:t>Today!! </a:t>
             </a:r>
             <a:br>
-              <a:rPr lang="en-US" sz="2000" b="1" i="1" dirty="0" smtClean="0"/>
+              <a:rPr lang="en-US" sz="2000" b="1" i="1" dirty="0"/>
             </a:br>
             <a:r>
-              <a:rPr lang="en-US" sz="2400" b="1" i="1" dirty="0" smtClean="0"/>
+              <a:rPr lang="en-US" sz="2400" b="1" i="1" dirty="0"/>
               <a:t>RIGHT NOW!!!</a:t>
             </a:r>
-            <a:endParaRPr lang="en-US" sz="2000" b="1" i="1" dirty="0" smtClean="0"/>
+            <a:endParaRPr lang="en-US" sz="2000" b="1" i="1" dirty="0"/>
           </a:p>
           <a:p>
             <a:pPr eaLnBrk="1" hangingPunct="1"/>
             <a:r>
-              <a:rPr lang="en-US" sz="2000" dirty="0" smtClean="0"/>
+              <a:rPr lang="en-US" sz="2000" dirty="0"/>
               <a:t>Hold on, poncho</a:t>
             </a:r>
           </a:p>
           <a:p>
             <a:pPr eaLnBrk="1" hangingPunct="1"/>
             <a:r>
-              <a:rPr lang="en-US" sz="2000" dirty="0" smtClean="0"/>
+              <a:rPr lang="en-US" sz="2000" dirty="0"/>
               <a:t>It’s an introduction</a:t>
             </a:r>
           </a:p>
           <a:p>
             <a:pPr eaLnBrk="1" hangingPunct="1"/>
             <a:r>
-              <a:rPr lang="en-US" sz="2000" dirty="0" smtClean="0"/>
+              <a:rPr lang="en-US" sz="2000" dirty="0"/>
               <a:t>You need to walk before running</a:t>
             </a:r>
           </a:p>
           <a:p>
             <a:pPr eaLnBrk="1" hangingPunct="1"/>
             <a:r>
-              <a:rPr lang="en-US" sz="2000" dirty="0" smtClean="0"/>
+              <a:rPr lang="en-US" sz="2000" dirty="0"/>
               <a:t>Some of this stuff is pretty hard</a:t>
             </a:r>
           </a:p>
           <a:p>
             <a:pPr eaLnBrk="1" hangingPunct="1"/>
             <a:r>
-              <a:rPr lang="en-US" sz="2000" dirty="0" smtClean="0"/>
+              <a:rPr lang="en-US" sz="2000" dirty="0"/>
               <a:t>There’s some math in here</a:t>
             </a:r>
           </a:p>
           <a:p>
             <a:pPr lvl="1" eaLnBrk="1" hangingPunct="1"/>
             <a:r>
-              <a:rPr lang="en-US" sz="1800" dirty="0" smtClean="0"/>
+              <a:rPr lang="en-US" sz="1800" dirty="0"/>
               <a:t>And a lot of it isn’t intuitive at all…</a:t>
             </a:r>
           </a:p>
           <a:p>
             <a:pPr eaLnBrk="1" hangingPunct="1"/>
             <a:r>
-              <a:rPr lang="en-US" sz="2000" dirty="0" smtClean="0"/>
+              <a:rPr lang="en-US" sz="2000" dirty="0"/>
               <a:t>What CPAs find “challenging” tends to be a little unexpected (more in a moment)</a:t>
             </a:r>
-            <a:endParaRPr lang="en-CA" sz="2000" dirty="0" smtClean="0"/>
+            <a:endParaRPr lang="en-CA" sz="2000" dirty="0"/>
           </a:p>
         </p:txBody>
       </p:sp>
@@ -31771,7 +31553,7 @@
               <a:defRPr/>
             </a:pPr>
             <a:r>
-              <a:rPr lang="en-CA" dirty="0" smtClean="0">
+              <a:rPr lang="en-CA" dirty="0">
                 <a:solidFill>
                   <a:schemeClr val="tx2">
                     <a:satMod val="200000"/>
@@ -31780,13 +31562,6 @@
               </a:rPr>
               <a:t>What do you need?</a:t>
             </a:r>
-            <a:endParaRPr lang="en-CA" dirty="0">
-              <a:solidFill>
-                <a:schemeClr val="tx2">
-                  <a:satMod val="200000"/>
-                </a:schemeClr>
-              </a:solidFill>
-            </a:endParaRPr>
           </a:p>
         </p:txBody>
       </p:sp>
@@ -31812,72 +31587,72 @@
           <a:p>
             <a:pPr eaLnBrk="1" hangingPunct="1"/>
             <a:r>
-              <a:rPr lang="en-CA" sz="2400" dirty="0" smtClean="0"/>
+              <a:rPr lang="en-CA" sz="2400" dirty="0"/>
               <a:t>Your brain</a:t>
             </a:r>
           </a:p>
           <a:p>
             <a:pPr eaLnBrk="1" hangingPunct="1"/>
             <a:r>
-              <a:rPr lang="en-CA" sz="2400" dirty="0" smtClean="0"/>
+              <a:rPr lang="en-CA" sz="2400" dirty="0"/>
               <a:t>Visual Studio </a:t>
             </a:r>
             <a:r>
-              <a:rPr lang="en-CA" sz="2000" dirty="0" smtClean="0"/>
+              <a:rPr lang="en-CA" sz="2000" dirty="0"/>
               <a:t>2019 Community Edition</a:t>
             </a:r>
           </a:p>
           <a:p>
             <a:pPr lvl="1" eaLnBrk="1" hangingPunct="1"/>
             <a:r>
-              <a:rPr lang="en-CA" sz="2000" dirty="0" smtClean="0"/>
+              <a:rPr lang="en-CA" sz="2000" dirty="0"/>
               <a:t>Note: </a:t>
             </a:r>
             <a:r>
-              <a:rPr lang="en-CA" sz="2000" b="1" u="sng" dirty="0" smtClean="0"/>
+              <a:rPr lang="en-CA" sz="2000" b="1" u="sng" dirty="0"/>
               <a:t>your solutions need to run on my machine</a:t>
             </a:r>
             <a:br>
-              <a:rPr lang="en-CA" sz="2000" b="1" u="sng" dirty="0" smtClean="0"/>
+              <a:rPr lang="en-CA" sz="2000" b="1" u="sng" dirty="0"/>
             </a:br>
             <a:r>
-              <a:rPr lang="en-CA" sz="1800" dirty="0" smtClean="0"/>
+              <a:rPr lang="en-CA" sz="1800" dirty="0"/>
               <a:t>(I’ve got 2008-2019 installed)</a:t>
             </a:r>
           </a:p>
           <a:p>
             <a:pPr lvl="1" eaLnBrk="1" hangingPunct="1"/>
             <a:r>
-              <a:rPr lang="en-CA" sz="2000" dirty="0" smtClean="0"/>
+              <a:rPr lang="en-CA" sz="2000" dirty="0"/>
               <a:t>Note: You can install all of these at the same time, without any problems</a:t>
             </a:r>
           </a:p>
           <a:p>
             <a:pPr lvl="1" eaLnBrk="1" hangingPunct="1"/>
             <a:r>
-              <a:rPr lang="en-CA" sz="2000" dirty="0" smtClean="0"/>
+              <a:rPr lang="en-CA" sz="2000" dirty="0"/>
               <a:t>The C/C++ compilers are </a:t>
             </a:r>
             <a:r>
-              <a:rPr lang="en-CA" sz="2000" i="1" dirty="0" smtClean="0"/>
+              <a:rPr lang="en-CA" sz="2000" i="1" dirty="0"/>
               <a:t>identical </a:t>
             </a:r>
             <a:r>
-              <a:rPr lang="en-CA" sz="2000" dirty="0" smtClean="0"/>
+              <a:rPr lang="en-CA" sz="2000" dirty="0"/>
               <a:t>to the other versions (like VS Enterprise, Galactic, World Domination, etc.)</a:t>
             </a:r>
           </a:p>
           <a:p>
             <a:pPr eaLnBrk="1" hangingPunct="1"/>
             <a:r>
-              <a:rPr lang="en-CA" sz="2400" dirty="0" smtClean="0"/>
+              <a:rPr lang="en-CA" sz="2400" dirty="0"/>
               <a:t>GLFW, glad, and </a:t>
             </a:r>
             <a:r>
-              <a:rPr lang="en-CA" sz="2400" dirty="0" err="1" smtClean="0"/>
+              <a:rPr lang="en-CA" sz="2400" dirty="0" err="1"/>
               <a:t>glm</a:t>
             </a:r>
-            <a:endParaRPr lang="en-CA" sz="2400" dirty="0" smtClean="0"/>
+            <a:endParaRPr lang="en-CA" sz="2400" dirty="0"/>
           </a:p>
         </p:txBody>
       </p:sp>
@@ -32386,17 +32161,7 @@
                   </a:schemeClr>
                 </a:solidFill>
               </a:rPr>
-              <a:t>Some suggested books </a:t>
-            </a:r>
-            <a:r>
-              <a:rPr lang="en-US" sz="3600" dirty="0" smtClean="0">
-                <a:solidFill>
-                  <a:schemeClr val="tx2">
-                    <a:satMod val="200000"/>
-                  </a:schemeClr>
-                </a:solidFill>
-              </a:rPr>
-              <a:t>(OpenGL)</a:t>
+              <a:t>Some suggested books (OpenGL)</a:t>
             </a:r>
             <a:endParaRPr lang="en-CA" sz="3600" dirty="0">
               <a:solidFill>
@@ -32430,110 +32195,102 @@
           <a:p>
             <a:pPr eaLnBrk="1" hangingPunct="1"/>
             <a:r>
-              <a:rPr lang="en-CA" sz="2000" dirty="0" smtClean="0"/>
+              <a:rPr lang="en-CA" sz="2000" dirty="0"/>
               <a:t>OpenGL </a:t>
             </a:r>
             <a:r>
-              <a:rPr lang="en-CA" sz="2000" dirty="0" err="1" smtClean="0"/>
+              <a:rPr lang="en-CA" sz="2000" dirty="0" err="1"/>
               <a:t>SuperBible</a:t>
             </a:r>
             <a:r>
-              <a:rPr lang="en-CA" sz="2000" dirty="0" smtClean="0"/>
+              <a:rPr lang="en-CA" sz="2000" dirty="0"/>
               <a:t>: Comprehensive Tutorial and Reference (7th Edition); (2016), </a:t>
             </a:r>
             <a:r>
-              <a:rPr lang="en-CA" sz="1800" dirty="0" smtClean="0"/>
+              <a:rPr lang="en-CA" sz="1800" dirty="0"/>
               <a:t>by </a:t>
             </a:r>
             <a:r>
-              <a:rPr lang="en-CA" sz="1800" b="1" dirty="0" smtClean="0"/>
+              <a:rPr lang="en-CA" sz="1800" b="1" dirty="0"/>
               <a:t>Graham Sellers</a:t>
             </a:r>
             <a:r>
-              <a:rPr lang="en-CA" sz="1800" dirty="0" smtClean="0"/>
+              <a:rPr lang="en-CA" sz="1800" dirty="0"/>
               <a:t>  (OpenGL driver team for AMD), Richard S. Wright , Nicholas </a:t>
             </a:r>
             <a:r>
-              <a:rPr lang="en-CA" sz="1800" dirty="0" err="1" smtClean="0"/>
+              <a:rPr lang="en-CA" sz="1800" dirty="0" err="1"/>
               <a:t>Haemel</a:t>
             </a:r>
             <a:r>
-              <a:rPr lang="en-CA" sz="1800" dirty="0" smtClean="0"/>
+              <a:rPr lang="en-CA" sz="1800" dirty="0"/>
               <a:t>, </a:t>
             </a:r>
             <a:r>
-              <a:rPr lang="en-US" sz="1400" dirty="0" smtClean="0"/>
+              <a:rPr lang="en-US" sz="1400" dirty="0"/>
               <a:t>ISBN-10: 0321902947, </a:t>
             </a:r>
             <a:br>
-              <a:rPr lang="en-US" sz="1400" dirty="0" smtClean="0"/>
+              <a:rPr lang="en-US" sz="1400" dirty="0"/>
             </a:br>
             <a:r>
-              <a:rPr lang="en-US" sz="1400" dirty="0" smtClean="0"/>
-              <a:t>ISBN-13: </a:t>
-            </a:r>
-            <a:r>
               <a:rPr lang="en-US" sz="1400" dirty="0"/>
-              <a:t>978-0672337475, </a:t>
-            </a:r>
-            <a:r>
-              <a:rPr lang="en-US" sz="1400" dirty="0" smtClean="0"/>
-              <a:t>Addison-Wesley Professional</a:t>
-            </a:r>
-            <a:endParaRPr lang="en-US" sz="2000" dirty="0" smtClean="0"/>
+              <a:t>ISBN-13: 978-0672337475, Addison-Wesley Professional</a:t>
+            </a:r>
+            <a:endParaRPr lang="en-US" sz="2000" dirty="0"/>
           </a:p>
           <a:p>
             <a:pPr eaLnBrk="1" hangingPunct="1"/>
             <a:r>
-              <a:rPr lang="en-CA" sz="2000" i="1" dirty="0" smtClean="0"/>
+              <a:rPr lang="en-CA" sz="2000" i="1" dirty="0"/>
               <a:t>And if you are </a:t>
             </a:r>
             <a:r>
-              <a:rPr lang="en-CA" sz="2000" b="1" i="1" u="sng" dirty="0" smtClean="0"/>
+              <a:rPr lang="en-CA" sz="2000" b="1" i="1" u="sng" dirty="0"/>
               <a:t>really</a:t>
             </a:r>
             <a:r>
-              <a:rPr lang="en-CA" sz="2000" b="1" i="1" dirty="0" smtClean="0"/>
+              <a:rPr lang="en-CA" sz="2000" b="1" i="1" dirty="0"/>
               <a:t> </a:t>
             </a:r>
             <a:r>
-              <a:rPr lang="en-CA" sz="2000" i="1" dirty="0" smtClean="0"/>
+              <a:rPr lang="en-CA" sz="2000" i="1" dirty="0"/>
               <a:t>into graphics </a:t>
             </a:r>
             <a:br>
-              <a:rPr lang="en-CA" sz="2000" i="1" dirty="0" smtClean="0"/>
+              <a:rPr lang="en-CA" sz="2000" i="1" dirty="0"/>
             </a:br>
             <a:r>
-              <a:rPr lang="en-CA" sz="2000" i="1" dirty="0" smtClean="0"/>
+              <a:rPr lang="en-CA" sz="2000" i="1" dirty="0"/>
               <a:t>and </a:t>
             </a:r>
             <a:r>
-              <a:rPr lang="en-CA" sz="2000" b="1" i="1" u="sng" dirty="0" smtClean="0"/>
+              <a:rPr lang="en-CA" sz="2000" b="1" i="1" u="sng" dirty="0"/>
               <a:t>NOT</a:t>
             </a:r>
             <a:r>
-              <a:rPr lang="en-CA" sz="2000" i="1" dirty="0" smtClean="0"/>
+              <a:rPr lang="en-CA" sz="2000" i="1" dirty="0"/>
               <a:t> a noob: </a:t>
             </a:r>
             <a:br>
-              <a:rPr lang="en-CA" sz="2000" i="1" dirty="0" smtClean="0"/>
+              <a:rPr lang="en-CA" sz="2000" i="1" dirty="0"/>
             </a:br>
             <a:r>
-              <a:rPr lang="en-CA" sz="2000" i="1" dirty="0" smtClean="0"/>
+              <a:rPr lang="en-CA" sz="2000" i="1" dirty="0"/>
               <a:t>(and have $$) </a:t>
             </a:r>
             <a:r>
-              <a:rPr lang="en-CA" sz="2000" b="1" i="1" dirty="0" smtClean="0">
+              <a:rPr lang="en-CA" sz="2000" b="1" i="1" dirty="0">
                 <a:sym typeface="Wingdings" pitchFamily="2" charset="2"/>
               </a:rPr>
               <a:t></a:t>
             </a:r>
             <a:br>
-              <a:rPr lang="en-CA" sz="2000" b="1" i="1" dirty="0" smtClean="0">
+              <a:rPr lang="en-CA" sz="2000" b="1" i="1" dirty="0">
                 <a:sym typeface="Wingdings" pitchFamily="2" charset="2"/>
               </a:rPr>
             </a:br>
-            <a:endParaRPr lang="en-CA" sz="1600" dirty="0" smtClean="0"/>
+            <a:endParaRPr lang="en-CA" sz="1600" dirty="0"/>
           </a:p>
         </p:txBody>
       </p:sp>
@@ -32652,26 +32409,26 @@
           <a:p>
             <a:pPr algn="ctr"/>
             <a:r>
-              <a:rPr lang="en-CA" sz="2400" b="1" dirty="0" smtClean="0"/>
+              <a:rPr lang="en-CA" sz="2400" b="1" dirty="0"/>
               <a:t>OMFG! </a:t>
             </a:r>
             <a:r>
-              <a:rPr lang="en-CA" dirty="0" smtClean="0"/>
+              <a:rPr lang="en-CA" dirty="0"/>
               <a:t>That’s, like, </a:t>
             </a:r>
             <a:r>
-              <a:rPr lang="en-CA" b="1" i="1" u="sng" dirty="0" smtClean="0"/>
+              <a:rPr lang="en-CA" b="1" i="1" u="sng" dirty="0"/>
               <a:t>THE TEXTBOOK!!!</a:t>
             </a:r>
           </a:p>
           <a:p>
             <a:pPr algn="ctr"/>
             <a:r>
-              <a:rPr lang="en-CA" dirty="0" smtClean="0"/>
+              <a:rPr lang="en-CA" dirty="0"/>
               <a:t>#</a:t>
             </a:r>
             <a:r>
-              <a:rPr lang="en-CA" dirty="0" err="1" smtClean="0"/>
+              <a:rPr lang="en-CA" dirty="0" err="1"/>
               <a:t>mindblown</a:t>
             </a:r>
             <a:endParaRPr lang="en-CA" dirty="0"/>
@@ -32802,7 +32559,7 @@
           <a:blip r:embed="rId7" cstate="print">
             <a:extLst>
               <a:ext uri="{28A0092B-C50C-407E-A947-70E740481C1C}">
-                <a14:useLocalDpi xmlns:a14="http://schemas.microsoft.com/office/drawing/2010/main" xmlns="" val="0"/>
+                <a14:useLocalDpi xmlns:a14="http://schemas.microsoft.com/office/drawing/2010/main" val="0"/>
               </a:ext>
             </a:extLst>
           </a:blip>
@@ -32822,7 +32579,7 @@
           <a:noFill/>
           <a:extLst>
             <a:ext uri="{909E8E84-426E-40DD-AFC4-6F175D3DCCD1}">
-              <a14:hiddenFill xmlns:a14="http://schemas.microsoft.com/office/drawing/2010/main" xmlns="">
+              <a14:hiddenFill xmlns:a14="http://schemas.microsoft.com/office/drawing/2010/main">
                 <a:solidFill>
                   <a:srgbClr val="FFFFFF"/>
                 </a:solidFill>
@@ -32871,20 +32628,16 @@
           <a:p>
             <a:pPr algn="ctr"/>
             <a:r>
-              <a:rPr lang="en-CA" sz="1600" dirty="0" smtClean="0"/>
+              <a:rPr lang="en-CA" sz="1600" dirty="0"/>
               <a:t>This book won an </a:t>
             </a:r>
             <a:r>
-              <a:rPr lang="en-CA" sz="1600" b="1" dirty="0" smtClean="0"/>
+              <a:rPr lang="en-CA" sz="1600" b="1" dirty="0"/>
               <a:t>Academy Award</a:t>
             </a:r>
             <a:r>
-              <a:rPr lang="en-CA" sz="1600" dirty="0" smtClean="0"/>
-              <a:t>. </a:t>
-            </a:r>
-            <a:r>
               <a:rPr lang="en-CA" sz="1600" dirty="0"/>
-              <a:t>True Story: </a:t>
+              <a:t>. True Story: </a:t>
             </a:r>
             <a:r>
               <a:rPr lang="en-CA" sz="1600" dirty="0">
@@ -32892,21 +32645,8 @@
                   <a:srgbClr val="FFFF00"/>
                 </a:solidFill>
               </a:rPr>
-              <a:t>https://</a:t>
-            </a:r>
-            <a:r>
-              <a:rPr lang="en-CA" sz="1600" dirty="0" smtClean="0">
-                <a:solidFill>
-                  <a:srgbClr val="FFFF00"/>
-                </a:solidFill>
-              </a:rPr>
-              <a:t>www.youtube.com/watch?v=7d9juPsv1QU </a:t>
-            </a:r>
-            <a:endParaRPr lang="en-CA" sz="1600" dirty="0">
-              <a:solidFill>
-                <a:srgbClr val="FFFF00"/>
-              </a:solidFill>
-            </a:endParaRPr>
+              <a:t>https://www.youtube.com/watch?v=7d9juPsv1QU </a:t>
+            </a:r>
           </a:p>
         </p:txBody>
       </p:sp>
@@ -33446,7 +33186,7 @@
               <a:defRPr/>
             </a:pPr>
             <a:r>
-              <a:rPr lang="en-US" sz="3600" dirty="0" smtClean="0">
+              <a:rPr lang="en-US" sz="3600" dirty="0">
                 <a:solidFill>
                   <a:schemeClr val="tx2">
                     <a:satMod val="200000"/>
@@ -33491,10 +33231,9 @@
               </a:lnSpc>
             </a:pPr>
             <a:r>
-              <a:rPr lang="en-CA" sz="2000" dirty="0" smtClean="0"/>
+              <a:rPr lang="en-CA" sz="2000" dirty="0"/>
               <a:t>Yes, “online” sucks. I know.</a:t>
             </a:r>
-            <a:endParaRPr lang="en-CA" sz="2000" dirty="0" smtClean="0"/>
           </a:p>
           <a:p>
             <a:pPr eaLnBrk="1" hangingPunct="1">
@@ -33503,7 +33242,7 @@
               </a:lnSpc>
             </a:pPr>
             <a:r>
-              <a:rPr lang="en-CA" sz="2000" dirty="0" smtClean="0"/>
+              <a:rPr lang="en-CA" sz="2000" dirty="0"/>
               <a:t>This is a 7 week course</a:t>
             </a:r>
           </a:p>
@@ -33514,7 +33253,7 @@
               </a:lnSpc>
             </a:pPr>
             <a:r>
-              <a:rPr lang="en-CA" sz="2000" dirty="0" smtClean="0"/>
+              <a:rPr lang="en-CA" sz="2000" dirty="0"/>
               <a:t>Right now, there’s 2 lectures, that are pretty much identical.</a:t>
             </a:r>
           </a:p>
@@ -33525,10 +33264,10 @@
               </a:lnSpc>
             </a:pPr>
             <a:r>
-              <a:rPr lang="en-CA" sz="1200" dirty="0" smtClean="0"/>
+              <a:rPr lang="en-CA" sz="1200" dirty="0"/>
               <a:t>i.e. I’ll start them assuming you haven’t been to the other section lecture. </a:t>
             </a:r>
-            <a:endParaRPr lang="en-US" sz="1200" dirty="0" smtClean="0"/>
+            <a:endParaRPr lang="en-US" sz="1200" dirty="0"/>
           </a:p>
           <a:p>
             <a:pPr eaLnBrk="1" hangingPunct="1">
@@ -33537,7 +33276,7 @@
               </a:lnSpc>
             </a:pPr>
             <a:r>
-              <a:rPr lang="en-CA" sz="2000" dirty="0" smtClean="0"/>
+              <a:rPr lang="en-CA" sz="2000" dirty="0"/>
               <a:t>It’s all on zoom</a:t>
             </a:r>
           </a:p>
@@ -33548,12 +33287,8 @@
               </a:lnSpc>
             </a:pPr>
             <a:r>
-              <a:rPr lang="en-CA" sz="2000" dirty="0" smtClean="0"/>
-              <a:t>Streams </a:t>
-            </a:r>
-            <a:r>
-              <a:rPr lang="en-CA" sz="2000" dirty="0" smtClean="0"/>
-              <a:t>are recorded for later viewing</a:t>
+              <a:rPr lang="en-CA" sz="2000" dirty="0"/>
+              <a:t>Streams are recorded for later viewing</a:t>
             </a:r>
           </a:p>
           <a:p>
@@ -33563,7 +33298,7 @@
               </a:lnSpc>
             </a:pPr>
             <a:r>
-              <a:rPr lang="en-CA" sz="2000" dirty="0" smtClean="0"/>
+              <a:rPr lang="en-CA" sz="2000" dirty="0"/>
               <a:t>Help sessions (TBD) </a:t>
             </a:r>
           </a:p>
@@ -33573,7 +33308,7 @@
                 <a:spcPct val="90000"/>
               </a:lnSpc>
             </a:pPr>
-            <a:endParaRPr lang="en-CA" sz="1800" dirty="0" smtClean="0"/>
+            <a:endParaRPr lang="en-CA" sz="1800" dirty="0"/>
           </a:p>
         </p:txBody>
       </p:sp>
@@ -34161,20 +33896,10 @@
                   </a:schemeClr>
                 </a:solidFill>
               </a:rPr>
-              <a:t>What you should </a:t>
-            </a:r>
-            <a:r>
-              <a:rPr lang="en-US" sz="3600" dirty="0" smtClean="0">
-                <a:solidFill>
-                  <a:schemeClr val="tx2">
-                    <a:satMod val="200000"/>
-                  </a:schemeClr>
-                </a:solidFill>
-              </a:rPr>
-              <a:t>know</a:t>
-            </a:r>
-            <a:r>
-              <a:rPr lang="en-US" sz="2400" dirty="0" smtClean="0">
+              <a:t>What you should know</a:t>
+            </a:r>
+            <a:r>
+              <a:rPr lang="en-US" sz="2400" dirty="0">
                 <a:solidFill>
                   <a:schemeClr val="tx2">
                     <a:satMod val="200000"/>
@@ -34184,7 +33909,7 @@
               <a:t> (or </a:t>
             </a:r>
             <a:r>
-              <a:rPr lang="en-US" sz="2400" u="sng" dirty="0" smtClean="0">
+              <a:rPr lang="en-US" sz="2400" u="sng" dirty="0">
                 <a:solidFill>
                   <a:schemeClr val="tx2">
                     <a:satMod val="200000"/>
@@ -34194,7 +33919,7 @@
               <a:t>will</a:t>
             </a:r>
             <a:r>
-              <a:rPr lang="en-US" sz="2400" dirty="0" smtClean="0">
+              <a:rPr lang="en-US" sz="2400" dirty="0">
                 <a:solidFill>
                   <a:schemeClr val="tx2">
                     <a:satMod val="200000"/>
@@ -34239,7 +33964,7 @@
               </a:lnSpc>
             </a:pPr>
             <a:r>
-              <a:rPr lang="en-US" sz="2000" dirty="0" smtClean="0"/>
+              <a:rPr lang="en-US" sz="2000" dirty="0"/>
               <a:t>Some C++, and how C++ projects build</a:t>
             </a:r>
           </a:p>
@@ -34250,7 +33975,7 @@
               </a:lnSpc>
             </a:pPr>
             <a:r>
-              <a:rPr lang="en-US" sz="1800" dirty="0" smtClean="0"/>
+              <a:rPr lang="en-US" sz="1800" dirty="0"/>
               <a:t>compile vs. link, #include issues, file scope, etc.</a:t>
             </a:r>
           </a:p>
@@ -34261,7 +33986,7 @@
               </a:lnSpc>
             </a:pPr>
             <a:r>
-              <a:rPr lang="en-US" sz="2000" dirty="0" smtClean="0"/>
+              <a:rPr lang="en-US" sz="2000" dirty="0"/>
               <a:t>Some STL (vector, string, map, etc.)</a:t>
             </a:r>
           </a:p>
@@ -34272,7 +33997,7 @@
               </a:lnSpc>
             </a:pPr>
             <a:r>
-              <a:rPr lang="en-US" sz="2000" dirty="0" smtClean="0"/>
+              <a:rPr lang="en-US" sz="2000" dirty="0"/>
               <a:t>Some basic algorithm stuff, maybe </a:t>
             </a:r>
           </a:p>
@@ -34283,7 +34008,7 @@
               </a:lnSpc>
             </a:pPr>
             <a:r>
-              <a:rPr lang="en-US" sz="1800" dirty="0" smtClean="0"/>
+              <a:rPr lang="en-US" sz="1800" dirty="0"/>
               <a:t>Including the basics of the STL algorithm</a:t>
             </a:r>
           </a:p>
@@ -34294,7 +34019,7 @@
               </a:lnSpc>
             </a:pPr>
             <a:r>
-              <a:rPr lang="en-US" sz="1400" dirty="0" smtClean="0"/>
+              <a:rPr lang="en-US" sz="1400" dirty="0"/>
               <a:t>Note: my def. of algorithm might be very, very different from yours… heads up</a:t>
             </a:r>
           </a:p>
@@ -34305,7 +34030,7 @@
               </a:lnSpc>
             </a:pPr>
             <a:r>
-              <a:rPr lang="en-US" sz="2000" dirty="0" smtClean="0"/>
+              <a:rPr lang="en-US" sz="2000" dirty="0"/>
               <a:t>Some debugging skills</a:t>
             </a:r>
           </a:p>
@@ -34316,7 +34041,7 @@
               </a:lnSpc>
             </a:pPr>
             <a:r>
-              <a:rPr lang="en-US" sz="2000" dirty="0" smtClean="0"/>
+              <a:rPr lang="en-US" sz="2000" dirty="0"/>
               <a:t>How to pay attention</a:t>
             </a:r>
           </a:p>
@@ -34327,17 +34052,17 @@
               </a:lnSpc>
             </a:pPr>
             <a:r>
-              <a:rPr lang="en-US" sz="2000" dirty="0" smtClean="0"/>
+              <a:rPr lang="en-US" sz="2000" dirty="0"/>
               <a:t>How to keep “plugging along” (</a:t>
             </a:r>
             <a:r>
-              <a:rPr lang="en-US" sz="2000" dirty="0" smtClean="0">
+              <a:rPr lang="en-US" sz="2000" dirty="0">
                 <a:hlinkClick r:id="rId2"/>
               </a:rPr>
               <a:t>Coolidge</a:t>
             </a:r>
             <a:r>
-              <a:rPr lang="en-US" sz="2000" dirty="0" smtClean="0"/>
+              <a:rPr lang="en-US" sz="2000" dirty="0"/>
               <a:t>)</a:t>
             </a:r>
           </a:p>
@@ -34348,7 +34073,7 @@
               </a:lnSpc>
             </a:pPr>
             <a:r>
-              <a:rPr lang="en-US" sz="2000" dirty="0" smtClean="0"/>
+              <a:rPr lang="en-US" sz="2000" dirty="0"/>
               <a:t>Don’t know some (all?) of that?</a:t>
             </a:r>
           </a:p>
@@ -34359,7 +34084,7 @@
               </a:lnSpc>
             </a:pPr>
             <a:r>
-              <a:rPr lang="en-CA" sz="1800" dirty="0" smtClean="0"/>
+              <a:rPr lang="en-CA" sz="1800" dirty="0"/>
               <a:t>Well, that’s why you’re in school, right?</a:t>
             </a:r>
           </a:p>
